--- a/overview/Analytics_Overview.pptx
+++ b/overview/Analytics_Overview.pptx
@@ -1,49 +1,144 @@
 
 <file path=ppt/presentation.xml><?xml version="1.0" encoding="utf-8"?>
-<p:presentation xmlns:a="http://schemas.openxmlformats.org/drawingml/2006/main" xmlns:p="http://schemas.openxmlformats.org/presentationml/2006/main" xmlns:r="http://schemas.openxmlformats.org/officeDocument/2006/relationships" xmlns:p14="http://schemas.microsoft.com/office/powerpoint/2010/main" xmlns:p15="http://schemas.microsoft.com/office/powerpoint/2012/main" xmlns:mc="http://schemas.openxmlformats.org/markup-compatibility/2006">
+<p:presentation xmlns:a="http://schemas.openxmlformats.org/drawingml/2006/main" xmlns:r="http://schemas.openxmlformats.org/officeDocument/2006/relationships" xmlns:p="http://schemas.openxmlformats.org/presentationml/2006/main">
   <p:sldMasterIdLst>
-    <p:sldMasterId id="2147483648" r:id="rId2"/>
-    <p:sldMasterId id="2147483661" r:id="rId3"/>
+    <p:sldMasterId id="2147483648" r:id="rId1"/>
+    <p:sldMasterId id="2147483661" r:id="rId2"/>
   </p:sldMasterIdLst>
   <p:sldIdLst>
-    <p:sldId id="256" r:id="rId4"/>
-    <p:sldId id="257" r:id="rId5"/>
-    <p:sldId id="258" r:id="rId6"/>
-    <p:sldId id="259" r:id="rId7"/>
-    <p:sldId id="260" r:id="rId8"/>
-    <p:sldId id="261" r:id="rId9"/>
-    <p:sldId id="262" r:id="rId10"/>
-    <p:sldId id="263" r:id="rId11"/>
-    <p:sldId id="264" r:id="rId12"/>
-    <p:sldId id="265" r:id="rId13"/>
-    <p:sldId id="266" r:id="rId14"/>
-    <p:sldId id="267" r:id="rId15"/>
-    <p:sldId id="268" r:id="rId16"/>
-    <p:sldId id="269" r:id="rId17"/>
-    <p:sldId id="270" r:id="rId18"/>
-    <p:sldId id="271" r:id="rId19"/>
-    <p:sldId id="272" r:id="rId20"/>
-    <p:sldId id="273" r:id="rId21"/>
-    <p:sldId id="274" r:id="rId22"/>
-    <p:sldId id="275" r:id="rId23"/>
-    <p:sldId id="276" r:id="rId24"/>
-    <p:sldId id="277" r:id="rId25"/>
-    <p:sldId id="278" r:id="rId26"/>
-    <p:sldId id="279" r:id="rId27"/>
-    <p:sldId id="280" r:id="rId28"/>
-    <p:sldId id="281" r:id="rId29"/>
-    <p:sldId id="282" r:id="rId30"/>
-    <p:sldId id="283" r:id="rId31"/>
-    <p:sldId id="284" r:id="rId32"/>
-    <p:sldId id="285" r:id="rId33"/>
+    <p:sldId id="256" r:id="rId3"/>
+    <p:sldId id="257" r:id="rId4"/>
+    <p:sldId id="258" r:id="rId5"/>
+    <p:sldId id="259" r:id="rId6"/>
+    <p:sldId id="260" r:id="rId7"/>
+    <p:sldId id="261" r:id="rId8"/>
+    <p:sldId id="262" r:id="rId9"/>
+    <p:sldId id="263" r:id="rId10"/>
+    <p:sldId id="264" r:id="rId11"/>
+    <p:sldId id="265" r:id="rId12"/>
+    <p:sldId id="266" r:id="rId13"/>
+    <p:sldId id="267" r:id="rId14"/>
+    <p:sldId id="268" r:id="rId15"/>
+    <p:sldId id="269" r:id="rId16"/>
+    <p:sldId id="270" r:id="rId17"/>
+    <p:sldId id="271" r:id="rId18"/>
+    <p:sldId id="272" r:id="rId19"/>
+    <p:sldId id="273" r:id="rId20"/>
+    <p:sldId id="274" r:id="rId21"/>
+    <p:sldId id="275" r:id="rId22"/>
+    <p:sldId id="276" r:id="rId23"/>
+    <p:sldId id="277" r:id="rId24"/>
+    <p:sldId id="278" r:id="rId25"/>
+    <p:sldId id="279" r:id="rId26"/>
+    <p:sldId id="280" r:id="rId27"/>
+    <p:sldId id="281" r:id="rId28"/>
+    <p:sldId id="282" r:id="rId29"/>
+    <p:sldId id="283" r:id="rId30"/>
+    <p:sldId id="284" r:id="rId31"/>
+    <p:sldId id="285" r:id="rId32"/>
   </p:sldIdLst>
   <p:sldSz cx="10080625" cy="5670550"/>
   <p:notesSz cx="7772400" cy="10058400"/>
+  <p:defaultTextStyle>
+    <a:defPPr>
+      <a:defRPr lang="en-US"/>
+    </a:defPPr>
+    <a:lvl1pPr marL="0" algn="l" defTabSz="914400" rtl="0" eaLnBrk="1" latinLnBrk="0" hangingPunct="1">
+      <a:defRPr sz="1800" kern="1200">
+        <a:solidFill>
+          <a:schemeClr val="tx1"/>
+        </a:solidFill>
+        <a:latin typeface="+mn-lt"/>
+        <a:ea typeface="+mn-ea"/>
+        <a:cs typeface="+mn-cs"/>
+      </a:defRPr>
+    </a:lvl1pPr>
+    <a:lvl2pPr marL="457200" algn="l" defTabSz="914400" rtl="0" eaLnBrk="1" latinLnBrk="0" hangingPunct="1">
+      <a:defRPr sz="1800" kern="1200">
+        <a:solidFill>
+          <a:schemeClr val="tx1"/>
+        </a:solidFill>
+        <a:latin typeface="+mn-lt"/>
+        <a:ea typeface="+mn-ea"/>
+        <a:cs typeface="+mn-cs"/>
+      </a:defRPr>
+    </a:lvl2pPr>
+    <a:lvl3pPr marL="914400" algn="l" defTabSz="914400" rtl="0" eaLnBrk="1" latinLnBrk="0" hangingPunct="1">
+      <a:defRPr sz="1800" kern="1200">
+        <a:solidFill>
+          <a:schemeClr val="tx1"/>
+        </a:solidFill>
+        <a:latin typeface="+mn-lt"/>
+        <a:ea typeface="+mn-ea"/>
+        <a:cs typeface="+mn-cs"/>
+      </a:defRPr>
+    </a:lvl3pPr>
+    <a:lvl4pPr marL="1371600" algn="l" defTabSz="914400" rtl="0" eaLnBrk="1" latinLnBrk="0" hangingPunct="1">
+      <a:defRPr sz="1800" kern="1200">
+        <a:solidFill>
+          <a:schemeClr val="tx1"/>
+        </a:solidFill>
+        <a:latin typeface="+mn-lt"/>
+        <a:ea typeface="+mn-ea"/>
+        <a:cs typeface="+mn-cs"/>
+      </a:defRPr>
+    </a:lvl4pPr>
+    <a:lvl5pPr marL="1828800" algn="l" defTabSz="914400" rtl="0" eaLnBrk="1" latinLnBrk="0" hangingPunct="1">
+      <a:defRPr sz="1800" kern="1200">
+        <a:solidFill>
+          <a:schemeClr val="tx1"/>
+        </a:solidFill>
+        <a:latin typeface="+mn-lt"/>
+        <a:ea typeface="+mn-ea"/>
+        <a:cs typeface="+mn-cs"/>
+      </a:defRPr>
+    </a:lvl5pPr>
+    <a:lvl6pPr marL="2286000" algn="l" defTabSz="914400" rtl="0" eaLnBrk="1" latinLnBrk="0" hangingPunct="1">
+      <a:defRPr sz="1800" kern="1200">
+        <a:solidFill>
+          <a:schemeClr val="tx1"/>
+        </a:solidFill>
+        <a:latin typeface="+mn-lt"/>
+        <a:ea typeface="+mn-ea"/>
+        <a:cs typeface="+mn-cs"/>
+      </a:defRPr>
+    </a:lvl6pPr>
+    <a:lvl7pPr marL="2743200" algn="l" defTabSz="914400" rtl="0" eaLnBrk="1" latinLnBrk="0" hangingPunct="1">
+      <a:defRPr sz="1800" kern="1200">
+        <a:solidFill>
+          <a:schemeClr val="tx1"/>
+        </a:solidFill>
+        <a:latin typeface="+mn-lt"/>
+        <a:ea typeface="+mn-ea"/>
+        <a:cs typeface="+mn-cs"/>
+      </a:defRPr>
+    </a:lvl7pPr>
+    <a:lvl8pPr marL="3200400" algn="l" defTabSz="914400" rtl="0" eaLnBrk="1" latinLnBrk="0" hangingPunct="1">
+      <a:defRPr sz="1800" kern="1200">
+        <a:solidFill>
+          <a:schemeClr val="tx1"/>
+        </a:solidFill>
+        <a:latin typeface="+mn-lt"/>
+        <a:ea typeface="+mn-ea"/>
+        <a:cs typeface="+mn-cs"/>
+      </a:defRPr>
+    </a:lvl8pPr>
+    <a:lvl9pPr marL="3657600" algn="l" defTabSz="914400" rtl="0" eaLnBrk="1" latinLnBrk="0" hangingPunct="1">
+      <a:defRPr sz="1800" kern="1200">
+        <a:solidFill>
+          <a:schemeClr val="tx1"/>
+        </a:solidFill>
+        <a:latin typeface="+mn-lt"/>
+        <a:ea typeface="+mn-ea"/>
+        <a:cs typeface="+mn-cs"/>
+      </a:defRPr>
+    </a:lvl9pPr>
+  </p:defaultTextStyle>
 </p:presentation>
 </file>
 
 <file path=ppt/slideLayouts/slideLayout1.xml><?xml version="1.0" encoding="utf-8"?>
-<p:sldLayout xmlns:a="http://schemas.openxmlformats.org/drawingml/2006/main" xmlns:p="http://schemas.openxmlformats.org/presentationml/2006/main" xmlns:r="http://schemas.openxmlformats.org/officeDocument/2006/relationships" xmlns:p14="http://schemas.microsoft.com/office/powerpoint/2010/main" xmlns:p15="http://schemas.microsoft.com/office/powerpoint/2012/main" xmlns:mc="http://schemas.openxmlformats.org/markup-compatibility/2006" type="blank" preserve="1">
+<p:sldLayout xmlns:a="http://schemas.openxmlformats.org/drawingml/2006/main" xmlns:r="http://schemas.openxmlformats.org/officeDocument/2006/relationships" xmlns:p="http://schemas.openxmlformats.org/presentationml/2006/main" type="blank" preserve="1">
   <p:cSld name="Blank Slide">
     <p:spTree>
       <p:nvGrpSpPr>
@@ -61,11 +156,14 @@
       </p:grpSpPr>
     </p:spTree>
   </p:cSld>
+  <p:clrMapOvr>
+    <a:masterClrMapping/>
+  </p:clrMapOvr>
 </p:sldLayout>
 </file>
 
 <file path=ppt/slideLayouts/slideLayout10.xml><?xml version="1.0" encoding="utf-8"?>
-<p:sldLayout xmlns:a="http://schemas.openxmlformats.org/drawingml/2006/main" xmlns:p="http://schemas.openxmlformats.org/presentationml/2006/main" xmlns:r="http://schemas.openxmlformats.org/officeDocument/2006/relationships" xmlns:p14="http://schemas.microsoft.com/office/powerpoint/2010/main" xmlns:p15="http://schemas.microsoft.com/office/powerpoint/2012/main" xmlns:mc="http://schemas.openxmlformats.org/markup-compatibility/2006" type="objOverTx" preserve="1">
+<p:sldLayout xmlns:a="http://schemas.openxmlformats.org/drawingml/2006/main" xmlns:r="http://schemas.openxmlformats.org/officeDocument/2006/relationships" xmlns:p="http://schemas.openxmlformats.org/presentationml/2006/main" type="objOverTx" preserve="1">
   <p:cSld name="Title, Content over Content">
     <p:spTree>
       <p:nvGrpSpPr>
@@ -101,12 +199,13 @@
           </a:prstGeom>
         </p:spPr>
         <p:txBody>
-          <a:bodyPr lIns="0" rIns="0" tIns="0" bIns="0" anchor="ctr">
+          <a:bodyPr lIns="0" tIns="0" rIns="0" bIns="0" anchor="ctr">
             <a:noAutofit/>
           </a:bodyPr>
+          <a:lstStyle/>
           <a:p>
             <a:pPr algn="ctr"/>
-            <a:endParaRPr b="0" lang="en-US" sz="4400" spc="-1" strike="noStrike">
+            <a:endParaRPr lang="en-US" sz="4400" b="0" strike="noStrike" spc="-1">
               <a:latin typeface="Arial"/>
             </a:endParaRPr>
           </a:p>
@@ -132,11 +231,12 @@
           </a:prstGeom>
         </p:spPr>
         <p:txBody>
-          <a:bodyPr lIns="0" rIns="0" tIns="0" bIns="0">
+          <a:bodyPr lIns="0" tIns="0" rIns="0" bIns="0">
             <a:normAutofit/>
           </a:bodyPr>
-          <a:p>
-            <a:endParaRPr b="0" lang="en-US" sz="3200" spc="-1" strike="noStrike">
+          <a:lstStyle/>
+          <a:p>
+            <a:endParaRPr lang="en-US" sz="3200" b="0" strike="noStrike" spc="-1">
               <a:latin typeface="Arial"/>
             </a:endParaRPr>
           </a:p>
@@ -162,11 +262,12 @@
           </a:prstGeom>
         </p:spPr>
         <p:txBody>
-          <a:bodyPr lIns="0" rIns="0" tIns="0" bIns="0">
+          <a:bodyPr lIns="0" tIns="0" rIns="0" bIns="0">
             <a:normAutofit/>
           </a:bodyPr>
-          <a:p>
-            <a:endParaRPr b="0" lang="en-US" sz="3200" spc="-1" strike="noStrike">
+          <a:lstStyle/>
+          <a:p>
+            <a:endParaRPr lang="en-US" sz="3200" b="0" strike="noStrike" spc="-1">
               <a:latin typeface="Arial"/>
             </a:endParaRPr>
           </a:p>
@@ -174,11 +275,14 @@
       </p:sp>
     </p:spTree>
   </p:cSld>
+  <p:clrMapOvr>
+    <a:masterClrMapping/>
+  </p:clrMapOvr>
 </p:sldLayout>
 </file>
 
 <file path=ppt/slideLayouts/slideLayout11.xml><?xml version="1.0" encoding="utf-8"?>
-<p:sldLayout xmlns:a="http://schemas.openxmlformats.org/drawingml/2006/main" xmlns:p="http://schemas.openxmlformats.org/presentationml/2006/main" xmlns:r="http://schemas.openxmlformats.org/officeDocument/2006/relationships" xmlns:p14="http://schemas.microsoft.com/office/powerpoint/2010/main" xmlns:p15="http://schemas.microsoft.com/office/powerpoint/2012/main" xmlns:mc="http://schemas.openxmlformats.org/markup-compatibility/2006" type="fourObj" preserve="1">
+<p:sldLayout xmlns:a="http://schemas.openxmlformats.org/drawingml/2006/main" xmlns:r="http://schemas.openxmlformats.org/officeDocument/2006/relationships" xmlns:p="http://schemas.openxmlformats.org/presentationml/2006/main" type="fourObj" preserve="1">
   <p:cSld name="Title, 4 Content">
     <p:spTree>
       <p:nvGrpSpPr>
@@ -214,12 +318,13 @@
           </a:prstGeom>
         </p:spPr>
         <p:txBody>
-          <a:bodyPr lIns="0" rIns="0" tIns="0" bIns="0" anchor="ctr">
+          <a:bodyPr lIns="0" tIns="0" rIns="0" bIns="0" anchor="ctr">
             <a:noAutofit/>
           </a:bodyPr>
+          <a:lstStyle/>
           <a:p>
             <a:pPr algn="ctr"/>
-            <a:endParaRPr b="0" lang="en-US" sz="4400" spc="-1" strike="noStrike">
+            <a:endParaRPr lang="en-US" sz="4400" b="0" strike="noStrike" spc="-1">
               <a:latin typeface="Arial"/>
             </a:endParaRPr>
           </a:p>
@@ -245,11 +350,12 @@
           </a:prstGeom>
         </p:spPr>
         <p:txBody>
-          <a:bodyPr lIns="0" rIns="0" tIns="0" bIns="0">
+          <a:bodyPr lIns="0" tIns="0" rIns="0" bIns="0">
             <a:normAutofit/>
           </a:bodyPr>
-          <a:p>
-            <a:endParaRPr b="0" lang="en-US" sz="3200" spc="-1" strike="noStrike">
+          <a:lstStyle/>
+          <a:p>
+            <a:endParaRPr lang="en-US" sz="3200" b="0" strike="noStrike" spc="-1">
               <a:latin typeface="Arial"/>
             </a:endParaRPr>
           </a:p>
@@ -275,11 +381,12 @@
           </a:prstGeom>
         </p:spPr>
         <p:txBody>
-          <a:bodyPr lIns="0" rIns="0" tIns="0" bIns="0">
+          <a:bodyPr lIns="0" tIns="0" rIns="0" bIns="0">
             <a:normAutofit/>
           </a:bodyPr>
-          <a:p>
-            <a:endParaRPr b="0" lang="en-US" sz="3200" spc="-1" strike="noStrike">
+          <a:lstStyle/>
+          <a:p>
+            <a:endParaRPr lang="en-US" sz="3200" b="0" strike="noStrike" spc="-1">
               <a:latin typeface="Arial"/>
             </a:endParaRPr>
           </a:p>
@@ -305,11 +412,12 @@
           </a:prstGeom>
         </p:spPr>
         <p:txBody>
-          <a:bodyPr lIns="0" rIns="0" tIns="0" bIns="0">
+          <a:bodyPr lIns="0" tIns="0" rIns="0" bIns="0">
             <a:normAutofit/>
           </a:bodyPr>
-          <a:p>
-            <a:endParaRPr b="0" lang="en-US" sz="3200" spc="-1" strike="noStrike">
+          <a:lstStyle/>
+          <a:p>
+            <a:endParaRPr lang="en-US" sz="3200" b="0" strike="noStrike" spc="-1">
               <a:latin typeface="Arial"/>
             </a:endParaRPr>
           </a:p>
@@ -335,11 +443,12 @@
           </a:prstGeom>
         </p:spPr>
         <p:txBody>
-          <a:bodyPr lIns="0" rIns="0" tIns="0" bIns="0">
+          <a:bodyPr lIns="0" tIns="0" rIns="0" bIns="0">
             <a:normAutofit/>
           </a:bodyPr>
-          <a:p>
-            <a:endParaRPr b="0" lang="en-US" sz="3200" spc="-1" strike="noStrike">
+          <a:lstStyle/>
+          <a:p>
+            <a:endParaRPr lang="en-US" sz="3200" b="0" strike="noStrike" spc="-1">
               <a:latin typeface="Arial"/>
             </a:endParaRPr>
           </a:p>
@@ -347,11 +456,14 @@
       </p:sp>
     </p:spTree>
   </p:cSld>
+  <p:clrMapOvr>
+    <a:masterClrMapping/>
+  </p:clrMapOvr>
 </p:sldLayout>
 </file>
 
 <file path=ppt/slideLayouts/slideLayout12.xml><?xml version="1.0" encoding="utf-8"?>
-<p:sldLayout xmlns:a="http://schemas.openxmlformats.org/drawingml/2006/main" xmlns:p="http://schemas.openxmlformats.org/presentationml/2006/main" xmlns:r="http://schemas.openxmlformats.org/officeDocument/2006/relationships" xmlns:p14="http://schemas.microsoft.com/office/powerpoint/2010/main" xmlns:p15="http://schemas.microsoft.com/office/powerpoint/2012/main" xmlns:mc="http://schemas.openxmlformats.org/markup-compatibility/2006" type="blank" preserve="1">
+<p:sldLayout xmlns:a="http://schemas.openxmlformats.org/drawingml/2006/main" xmlns:r="http://schemas.openxmlformats.org/officeDocument/2006/relationships" xmlns:p="http://schemas.openxmlformats.org/presentationml/2006/main" type="blank" preserve="1">
   <p:cSld name="Title, 6 Content">
     <p:spTree>
       <p:nvGrpSpPr>
@@ -387,12 +499,13 @@
           </a:prstGeom>
         </p:spPr>
         <p:txBody>
-          <a:bodyPr lIns="0" rIns="0" tIns="0" bIns="0" anchor="ctr">
+          <a:bodyPr lIns="0" tIns="0" rIns="0" bIns="0" anchor="ctr">
             <a:noAutofit/>
           </a:bodyPr>
+          <a:lstStyle/>
           <a:p>
             <a:pPr algn="ctr"/>
-            <a:endParaRPr b="0" lang="en-US" sz="4400" spc="-1" strike="noStrike">
+            <a:endParaRPr lang="en-US" sz="4400" b="0" strike="noStrike" spc="-1">
               <a:latin typeface="Arial"/>
             </a:endParaRPr>
           </a:p>
@@ -418,11 +531,12 @@
           </a:prstGeom>
         </p:spPr>
         <p:txBody>
-          <a:bodyPr lIns="0" rIns="0" tIns="0" bIns="0">
+          <a:bodyPr lIns="0" tIns="0" rIns="0" bIns="0">
             <a:normAutofit/>
           </a:bodyPr>
-          <a:p>
-            <a:endParaRPr b="0" lang="en-US" sz="3200" spc="-1" strike="noStrike">
+          <a:lstStyle/>
+          <a:p>
+            <a:endParaRPr lang="en-US" sz="3200" b="0" strike="noStrike" spc="-1">
               <a:latin typeface="Arial"/>
             </a:endParaRPr>
           </a:p>
@@ -448,11 +562,12 @@
           </a:prstGeom>
         </p:spPr>
         <p:txBody>
-          <a:bodyPr lIns="0" rIns="0" tIns="0" bIns="0">
+          <a:bodyPr lIns="0" tIns="0" rIns="0" bIns="0">
             <a:normAutofit/>
           </a:bodyPr>
-          <a:p>
-            <a:endParaRPr b="0" lang="en-US" sz="3200" spc="-1" strike="noStrike">
+          <a:lstStyle/>
+          <a:p>
+            <a:endParaRPr lang="en-US" sz="3200" b="0" strike="noStrike" spc="-1">
               <a:latin typeface="Arial"/>
             </a:endParaRPr>
           </a:p>
@@ -478,11 +593,12 @@
           </a:prstGeom>
         </p:spPr>
         <p:txBody>
-          <a:bodyPr lIns="0" rIns="0" tIns="0" bIns="0">
+          <a:bodyPr lIns="0" tIns="0" rIns="0" bIns="0">
             <a:normAutofit/>
           </a:bodyPr>
-          <a:p>
-            <a:endParaRPr b="0" lang="en-US" sz="3200" spc="-1" strike="noStrike">
+          <a:lstStyle/>
+          <a:p>
+            <a:endParaRPr lang="en-US" sz="3200" b="0" strike="noStrike" spc="-1">
               <a:latin typeface="Arial"/>
             </a:endParaRPr>
           </a:p>
@@ -508,11 +624,12 @@
           </a:prstGeom>
         </p:spPr>
         <p:txBody>
-          <a:bodyPr lIns="0" rIns="0" tIns="0" bIns="0">
+          <a:bodyPr lIns="0" tIns="0" rIns="0" bIns="0">
             <a:normAutofit/>
           </a:bodyPr>
-          <a:p>
-            <a:endParaRPr b="0" lang="en-US" sz="3200" spc="-1" strike="noStrike">
+          <a:lstStyle/>
+          <a:p>
+            <a:endParaRPr lang="en-US" sz="3200" b="0" strike="noStrike" spc="-1">
               <a:latin typeface="Arial"/>
             </a:endParaRPr>
           </a:p>
@@ -538,11 +655,12 @@
           </a:prstGeom>
         </p:spPr>
         <p:txBody>
-          <a:bodyPr lIns="0" rIns="0" tIns="0" bIns="0">
+          <a:bodyPr lIns="0" tIns="0" rIns="0" bIns="0">
             <a:normAutofit/>
           </a:bodyPr>
-          <a:p>
-            <a:endParaRPr b="0" lang="en-US" sz="3200" spc="-1" strike="noStrike">
+          <a:lstStyle/>
+          <a:p>
+            <a:endParaRPr lang="en-US" sz="3200" b="0" strike="noStrike" spc="-1">
               <a:latin typeface="Arial"/>
             </a:endParaRPr>
           </a:p>
@@ -568,11 +686,12 @@
           </a:prstGeom>
         </p:spPr>
         <p:txBody>
-          <a:bodyPr lIns="0" rIns="0" tIns="0" bIns="0">
+          <a:bodyPr lIns="0" tIns="0" rIns="0" bIns="0">
             <a:normAutofit/>
           </a:bodyPr>
-          <a:p>
-            <a:endParaRPr b="0" lang="en-US" sz="3200" spc="-1" strike="noStrike">
+          <a:lstStyle/>
+          <a:p>
+            <a:endParaRPr lang="en-US" sz="3200" b="0" strike="noStrike" spc="-1">
               <a:latin typeface="Arial"/>
             </a:endParaRPr>
           </a:p>
@@ -580,11 +699,14 @@
       </p:sp>
     </p:spTree>
   </p:cSld>
+  <p:clrMapOvr>
+    <a:masterClrMapping/>
+  </p:clrMapOvr>
 </p:sldLayout>
 </file>
 
 <file path=ppt/slideLayouts/slideLayout13.xml><?xml version="1.0" encoding="utf-8"?>
-<p:sldLayout xmlns:a="http://schemas.openxmlformats.org/drawingml/2006/main" xmlns:p="http://schemas.openxmlformats.org/presentationml/2006/main" xmlns:r="http://schemas.openxmlformats.org/officeDocument/2006/relationships" xmlns:p14="http://schemas.microsoft.com/office/powerpoint/2010/main" xmlns:p15="http://schemas.microsoft.com/office/powerpoint/2012/main" xmlns:mc="http://schemas.openxmlformats.org/markup-compatibility/2006" type="blank" preserve="1">
+<p:sldLayout xmlns:a="http://schemas.openxmlformats.org/drawingml/2006/main" xmlns:r="http://schemas.openxmlformats.org/officeDocument/2006/relationships" xmlns:p="http://schemas.openxmlformats.org/presentationml/2006/main" type="blank" preserve="1">
   <p:cSld name="Blank Slide">
     <p:spTree>
       <p:nvGrpSpPr>
@@ -602,11 +724,14 @@
       </p:grpSpPr>
     </p:spTree>
   </p:cSld>
+  <p:clrMapOvr>
+    <a:masterClrMapping/>
+  </p:clrMapOvr>
 </p:sldLayout>
 </file>
 
 <file path=ppt/slideLayouts/slideLayout14.xml><?xml version="1.0" encoding="utf-8"?>
-<p:sldLayout xmlns:a="http://schemas.openxmlformats.org/drawingml/2006/main" xmlns:p="http://schemas.openxmlformats.org/presentationml/2006/main" xmlns:r="http://schemas.openxmlformats.org/officeDocument/2006/relationships" xmlns:p14="http://schemas.microsoft.com/office/powerpoint/2010/main" xmlns:p15="http://schemas.microsoft.com/office/powerpoint/2012/main" xmlns:mc="http://schemas.openxmlformats.org/markup-compatibility/2006" type="tx" preserve="1">
+<p:sldLayout xmlns:a="http://schemas.openxmlformats.org/drawingml/2006/main" xmlns:r="http://schemas.openxmlformats.org/officeDocument/2006/relationships" xmlns:p="http://schemas.openxmlformats.org/presentationml/2006/main" type="tx" preserve="1">
   <p:cSld name="Title Slide">
     <p:spTree>
       <p:nvGrpSpPr>
@@ -642,12 +767,13 @@
           </a:prstGeom>
         </p:spPr>
         <p:txBody>
-          <a:bodyPr lIns="0" rIns="0" tIns="0" bIns="0" anchor="ctr">
+          <a:bodyPr lIns="0" tIns="0" rIns="0" bIns="0" anchor="ctr">
             <a:noAutofit/>
           </a:bodyPr>
+          <a:lstStyle/>
           <a:p>
             <a:pPr algn="ctr"/>
-            <a:endParaRPr b="0" lang="en-US" sz="4400" spc="-1" strike="noStrike">
+            <a:endParaRPr lang="en-US" sz="4400" b="0" strike="noStrike" spc="-1">
               <a:latin typeface="Arial"/>
             </a:endParaRPr>
           </a:p>
@@ -673,12 +799,13 @@
           </a:prstGeom>
         </p:spPr>
         <p:txBody>
-          <a:bodyPr lIns="0" rIns="0" tIns="0" bIns="0" anchor="ctr">
+          <a:bodyPr lIns="0" tIns="0" rIns="0" bIns="0" anchor="ctr">
             <a:noAutofit/>
           </a:bodyPr>
+          <a:lstStyle/>
           <a:p>
             <a:pPr algn="ctr"/>
-            <a:endParaRPr b="0" lang="en-US" sz="3200" spc="-1" strike="noStrike">
+            <a:endParaRPr lang="en-US" sz="3200" b="0" strike="noStrike" spc="-1">
               <a:latin typeface="Arial"/>
             </a:endParaRPr>
           </a:p>
@@ -686,11 +813,14 @@
       </p:sp>
     </p:spTree>
   </p:cSld>
+  <p:clrMapOvr>
+    <a:masterClrMapping/>
+  </p:clrMapOvr>
 </p:sldLayout>
 </file>
 
 <file path=ppt/slideLayouts/slideLayout15.xml><?xml version="1.0" encoding="utf-8"?>
-<p:sldLayout xmlns:a="http://schemas.openxmlformats.org/drawingml/2006/main" xmlns:p="http://schemas.openxmlformats.org/presentationml/2006/main" xmlns:r="http://schemas.openxmlformats.org/officeDocument/2006/relationships" xmlns:p14="http://schemas.microsoft.com/office/powerpoint/2010/main" xmlns:p15="http://schemas.microsoft.com/office/powerpoint/2012/main" xmlns:mc="http://schemas.openxmlformats.org/markup-compatibility/2006" type="obj" preserve="1">
+<p:sldLayout xmlns:a="http://schemas.openxmlformats.org/drawingml/2006/main" xmlns:r="http://schemas.openxmlformats.org/officeDocument/2006/relationships" xmlns:p="http://schemas.openxmlformats.org/presentationml/2006/main" type="obj" preserve="1">
   <p:cSld name="Title, Content">
     <p:spTree>
       <p:nvGrpSpPr>
@@ -726,12 +856,13 @@
           </a:prstGeom>
         </p:spPr>
         <p:txBody>
-          <a:bodyPr lIns="0" rIns="0" tIns="0" bIns="0" anchor="ctr">
+          <a:bodyPr lIns="0" tIns="0" rIns="0" bIns="0" anchor="ctr">
             <a:noAutofit/>
           </a:bodyPr>
+          <a:lstStyle/>
           <a:p>
             <a:pPr algn="ctr"/>
-            <a:endParaRPr b="0" lang="en-US" sz="4400" spc="-1" strike="noStrike">
+            <a:endParaRPr lang="en-US" sz="4400" b="0" strike="noStrike" spc="-1">
               <a:latin typeface="Arial"/>
             </a:endParaRPr>
           </a:p>
@@ -757,11 +888,12 @@
           </a:prstGeom>
         </p:spPr>
         <p:txBody>
-          <a:bodyPr lIns="0" rIns="0" tIns="0" bIns="0">
+          <a:bodyPr lIns="0" tIns="0" rIns="0" bIns="0">
             <a:normAutofit/>
           </a:bodyPr>
-          <a:p>
-            <a:endParaRPr b="0" lang="en-US" sz="3200" spc="-1" strike="noStrike">
+          <a:lstStyle/>
+          <a:p>
+            <a:endParaRPr lang="en-US" sz="3200" b="0" strike="noStrike" spc="-1">
               <a:latin typeface="Arial"/>
             </a:endParaRPr>
           </a:p>
@@ -769,11 +901,14 @@
       </p:sp>
     </p:spTree>
   </p:cSld>
+  <p:clrMapOvr>
+    <a:masterClrMapping/>
+  </p:clrMapOvr>
 </p:sldLayout>
 </file>
 
 <file path=ppt/slideLayouts/slideLayout16.xml><?xml version="1.0" encoding="utf-8"?>
-<p:sldLayout xmlns:a="http://schemas.openxmlformats.org/drawingml/2006/main" xmlns:p="http://schemas.openxmlformats.org/presentationml/2006/main" xmlns:r="http://schemas.openxmlformats.org/officeDocument/2006/relationships" xmlns:p14="http://schemas.microsoft.com/office/powerpoint/2010/main" xmlns:p15="http://schemas.microsoft.com/office/powerpoint/2012/main" xmlns:mc="http://schemas.openxmlformats.org/markup-compatibility/2006" type="twoObj" preserve="1">
+<p:sldLayout xmlns:a="http://schemas.openxmlformats.org/drawingml/2006/main" xmlns:r="http://schemas.openxmlformats.org/officeDocument/2006/relationships" xmlns:p="http://schemas.openxmlformats.org/presentationml/2006/main" type="twoObj" preserve="1">
   <p:cSld name="Title, 2 Content">
     <p:spTree>
       <p:nvGrpSpPr>
@@ -809,12 +944,13 @@
           </a:prstGeom>
         </p:spPr>
         <p:txBody>
-          <a:bodyPr lIns="0" rIns="0" tIns="0" bIns="0" anchor="ctr">
+          <a:bodyPr lIns="0" tIns="0" rIns="0" bIns="0" anchor="ctr">
             <a:noAutofit/>
           </a:bodyPr>
+          <a:lstStyle/>
           <a:p>
             <a:pPr algn="ctr"/>
-            <a:endParaRPr b="0" lang="en-US" sz="4400" spc="-1" strike="noStrike">
+            <a:endParaRPr lang="en-US" sz="4400" b="0" strike="noStrike" spc="-1">
               <a:latin typeface="Arial"/>
             </a:endParaRPr>
           </a:p>
@@ -840,11 +976,12 @@
           </a:prstGeom>
         </p:spPr>
         <p:txBody>
-          <a:bodyPr lIns="0" rIns="0" tIns="0" bIns="0">
+          <a:bodyPr lIns="0" tIns="0" rIns="0" bIns="0">
             <a:normAutofit/>
           </a:bodyPr>
-          <a:p>
-            <a:endParaRPr b="0" lang="en-US" sz="3200" spc="-1" strike="noStrike">
+          <a:lstStyle/>
+          <a:p>
+            <a:endParaRPr lang="en-US" sz="3200" b="0" strike="noStrike" spc="-1">
               <a:latin typeface="Arial"/>
             </a:endParaRPr>
           </a:p>
@@ -870,11 +1007,12 @@
           </a:prstGeom>
         </p:spPr>
         <p:txBody>
-          <a:bodyPr lIns="0" rIns="0" tIns="0" bIns="0">
+          <a:bodyPr lIns="0" tIns="0" rIns="0" bIns="0">
             <a:normAutofit/>
           </a:bodyPr>
-          <a:p>
-            <a:endParaRPr b="0" lang="en-US" sz="3200" spc="-1" strike="noStrike">
+          <a:lstStyle/>
+          <a:p>
+            <a:endParaRPr lang="en-US" sz="3200" b="0" strike="noStrike" spc="-1">
               <a:latin typeface="Arial"/>
             </a:endParaRPr>
           </a:p>
@@ -882,11 +1020,14 @@
       </p:sp>
     </p:spTree>
   </p:cSld>
+  <p:clrMapOvr>
+    <a:masterClrMapping/>
+  </p:clrMapOvr>
 </p:sldLayout>
 </file>
 
 <file path=ppt/slideLayouts/slideLayout17.xml><?xml version="1.0" encoding="utf-8"?>
-<p:sldLayout xmlns:a="http://schemas.openxmlformats.org/drawingml/2006/main" xmlns:p="http://schemas.openxmlformats.org/presentationml/2006/main" xmlns:r="http://schemas.openxmlformats.org/officeDocument/2006/relationships" xmlns:p14="http://schemas.microsoft.com/office/powerpoint/2010/main" xmlns:p15="http://schemas.microsoft.com/office/powerpoint/2012/main" xmlns:mc="http://schemas.openxmlformats.org/markup-compatibility/2006" type="titleOnly" preserve="1">
+<p:sldLayout xmlns:a="http://schemas.openxmlformats.org/drawingml/2006/main" xmlns:r="http://schemas.openxmlformats.org/officeDocument/2006/relationships" xmlns:p="http://schemas.openxmlformats.org/presentationml/2006/main" type="titleOnly" preserve="1">
   <p:cSld name="Title Only">
     <p:spTree>
       <p:nvGrpSpPr>
@@ -922,12 +1063,13 @@
           </a:prstGeom>
         </p:spPr>
         <p:txBody>
-          <a:bodyPr lIns="0" rIns="0" tIns="0" bIns="0" anchor="ctr">
+          <a:bodyPr lIns="0" tIns="0" rIns="0" bIns="0" anchor="ctr">
             <a:noAutofit/>
           </a:bodyPr>
+          <a:lstStyle/>
           <a:p>
             <a:pPr algn="ctr"/>
-            <a:endParaRPr b="0" lang="en-US" sz="4400" spc="-1" strike="noStrike">
+            <a:endParaRPr lang="en-US" sz="4400" b="0" strike="noStrike" spc="-1">
               <a:latin typeface="Arial"/>
             </a:endParaRPr>
           </a:p>
@@ -935,11 +1077,14 @@
       </p:sp>
     </p:spTree>
   </p:cSld>
+  <p:clrMapOvr>
+    <a:masterClrMapping/>
+  </p:clrMapOvr>
 </p:sldLayout>
 </file>
 
 <file path=ppt/slideLayouts/slideLayout18.xml><?xml version="1.0" encoding="utf-8"?>
-<p:sldLayout xmlns:a="http://schemas.openxmlformats.org/drawingml/2006/main" xmlns:p="http://schemas.openxmlformats.org/presentationml/2006/main" xmlns:r="http://schemas.openxmlformats.org/officeDocument/2006/relationships" xmlns:p14="http://schemas.microsoft.com/office/powerpoint/2010/main" xmlns:p15="http://schemas.microsoft.com/office/powerpoint/2012/main" xmlns:mc="http://schemas.openxmlformats.org/markup-compatibility/2006" type="objOnly" preserve="1">
+<p:sldLayout xmlns:a="http://schemas.openxmlformats.org/drawingml/2006/main" xmlns:r="http://schemas.openxmlformats.org/officeDocument/2006/relationships" xmlns:p="http://schemas.openxmlformats.org/presentationml/2006/main" type="objOnly" preserve="1">
   <p:cSld name="Centered Text">
     <p:spTree>
       <p:nvGrpSpPr>
@@ -975,12 +1120,13 @@
           </a:prstGeom>
         </p:spPr>
         <p:txBody>
-          <a:bodyPr lIns="0" rIns="0" tIns="0" bIns="0" anchor="ctr">
+          <a:bodyPr lIns="0" tIns="0" rIns="0" bIns="0" anchor="ctr">
             <a:noAutofit/>
           </a:bodyPr>
+          <a:lstStyle/>
           <a:p>
             <a:pPr algn="ctr"/>
-            <a:endParaRPr b="0" lang="en-US" sz="3200" spc="-1" strike="noStrike">
+            <a:endParaRPr lang="en-US" sz="3200" b="0" strike="noStrike" spc="-1">
               <a:latin typeface="Arial"/>
             </a:endParaRPr>
           </a:p>
@@ -988,11 +1134,14 @@
       </p:sp>
     </p:spTree>
   </p:cSld>
+  <p:clrMapOvr>
+    <a:masterClrMapping/>
+  </p:clrMapOvr>
 </p:sldLayout>
 </file>
 
 <file path=ppt/slideLayouts/slideLayout19.xml><?xml version="1.0" encoding="utf-8"?>
-<p:sldLayout xmlns:a="http://schemas.openxmlformats.org/drawingml/2006/main" xmlns:p="http://schemas.openxmlformats.org/presentationml/2006/main" xmlns:r="http://schemas.openxmlformats.org/officeDocument/2006/relationships" xmlns:p14="http://schemas.microsoft.com/office/powerpoint/2010/main" xmlns:p15="http://schemas.microsoft.com/office/powerpoint/2012/main" xmlns:mc="http://schemas.openxmlformats.org/markup-compatibility/2006" type="twoObjAndObj" preserve="1">
+<p:sldLayout xmlns:a="http://schemas.openxmlformats.org/drawingml/2006/main" xmlns:r="http://schemas.openxmlformats.org/officeDocument/2006/relationships" xmlns:p="http://schemas.openxmlformats.org/presentationml/2006/main" type="twoObjAndObj" preserve="1">
   <p:cSld name="Title, 2 Content and Content">
     <p:spTree>
       <p:nvGrpSpPr>
@@ -1028,12 +1177,13 @@
           </a:prstGeom>
         </p:spPr>
         <p:txBody>
-          <a:bodyPr lIns="0" rIns="0" tIns="0" bIns="0" anchor="ctr">
+          <a:bodyPr lIns="0" tIns="0" rIns="0" bIns="0" anchor="ctr">
             <a:noAutofit/>
           </a:bodyPr>
+          <a:lstStyle/>
           <a:p>
             <a:pPr algn="ctr"/>
-            <a:endParaRPr b="0" lang="en-US" sz="4400" spc="-1" strike="noStrike">
+            <a:endParaRPr lang="en-US" sz="4400" b="0" strike="noStrike" spc="-1">
               <a:latin typeface="Arial"/>
             </a:endParaRPr>
           </a:p>
@@ -1059,11 +1209,12 @@
           </a:prstGeom>
         </p:spPr>
         <p:txBody>
-          <a:bodyPr lIns="0" rIns="0" tIns="0" bIns="0">
+          <a:bodyPr lIns="0" tIns="0" rIns="0" bIns="0">
             <a:normAutofit/>
           </a:bodyPr>
-          <a:p>
-            <a:endParaRPr b="0" lang="en-US" sz="3200" spc="-1" strike="noStrike">
+          <a:lstStyle/>
+          <a:p>
+            <a:endParaRPr lang="en-US" sz="3200" b="0" strike="noStrike" spc="-1">
               <a:latin typeface="Arial"/>
             </a:endParaRPr>
           </a:p>
@@ -1089,11 +1240,12 @@
           </a:prstGeom>
         </p:spPr>
         <p:txBody>
-          <a:bodyPr lIns="0" rIns="0" tIns="0" bIns="0">
+          <a:bodyPr lIns="0" tIns="0" rIns="0" bIns="0">
             <a:normAutofit/>
           </a:bodyPr>
-          <a:p>
-            <a:endParaRPr b="0" lang="en-US" sz="3200" spc="-1" strike="noStrike">
+          <a:lstStyle/>
+          <a:p>
+            <a:endParaRPr lang="en-US" sz="3200" b="0" strike="noStrike" spc="-1">
               <a:latin typeface="Arial"/>
             </a:endParaRPr>
           </a:p>
@@ -1119,11 +1271,12 @@
           </a:prstGeom>
         </p:spPr>
         <p:txBody>
-          <a:bodyPr lIns="0" rIns="0" tIns="0" bIns="0">
+          <a:bodyPr lIns="0" tIns="0" rIns="0" bIns="0">
             <a:normAutofit/>
           </a:bodyPr>
-          <a:p>
-            <a:endParaRPr b="0" lang="en-US" sz="3200" spc="-1" strike="noStrike">
+          <a:lstStyle/>
+          <a:p>
+            <a:endParaRPr lang="en-US" sz="3200" b="0" strike="noStrike" spc="-1">
               <a:latin typeface="Arial"/>
             </a:endParaRPr>
           </a:p>
@@ -1131,11 +1284,14 @@
       </p:sp>
     </p:spTree>
   </p:cSld>
+  <p:clrMapOvr>
+    <a:masterClrMapping/>
+  </p:clrMapOvr>
 </p:sldLayout>
 </file>
 
 <file path=ppt/slideLayouts/slideLayout2.xml><?xml version="1.0" encoding="utf-8"?>
-<p:sldLayout xmlns:a="http://schemas.openxmlformats.org/drawingml/2006/main" xmlns:p="http://schemas.openxmlformats.org/presentationml/2006/main" xmlns:r="http://schemas.openxmlformats.org/officeDocument/2006/relationships" xmlns:p14="http://schemas.microsoft.com/office/powerpoint/2010/main" xmlns:p15="http://schemas.microsoft.com/office/powerpoint/2012/main" xmlns:mc="http://schemas.openxmlformats.org/markup-compatibility/2006" type="tx" preserve="1">
+<p:sldLayout xmlns:a="http://schemas.openxmlformats.org/drawingml/2006/main" xmlns:r="http://schemas.openxmlformats.org/officeDocument/2006/relationships" xmlns:p="http://schemas.openxmlformats.org/presentationml/2006/main" type="tx" preserve="1">
   <p:cSld name="Title Slide">
     <p:spTree>
       <p:nvGrpSpPr>
@@ -1171,12 +1327,13 @@
           </a:prstGeom>
         </p:spPr>
         <p:txBody>
-          <a:bodyPr lIns="0" rIns="0" tIns="0" bIns="0" anchor="ctr">
+          <a:bodyPr lIns="0" tIns="0" rIns="0" bIns="0" anchor="ctr">
             <a:noAutofit/>
           </a:bodyPr>
+          <a:lstStyle/>
           <a:p>
             <a:pPr algn="ctr"/>
-            <a:endParaRPr b="0" lang="en-US" sz="4400" spc="-1" strike="noStrike">
+            <a:endParaRPr lang="en-US" sz="4400" b="0" strike="noStrike" spc="-1">
               <a:latin typeface="Arial"/>
             </a:endParaRPr>
           </a:p>
@@ -1202,12 +1359,13 @@
           </a:prstGeom>
         </p:spPr>
         <p:txBody>
-          <a:bodyPr lIns="0" rIns="0" tIns="0" bIns="0" anchor="ctr">
+          <a:bodyPr lIns="0" tIns="0" rIns="0" bIns="0" anchor="ctr">
             <a:noAutofit/>
           </a:bodyPr>
+          <a:lstStyle/>
           <a:p>
             <a:pPr algn="ctr"/>
-            <a:endParaRPr b="0" lang="en-US" sz="3200" spc="-1" strike="noStrike">
+            <a:endParaRPr lang="en-US" sz="3200" b="0" strike="noStrike" spc="-1">
               <a:latin typeface="Arial"/>
             </a:endParaRPr>
           </a:p>
@@ -1215,11 +1373,14 @@
       </p:sp>
     </p:spTree>
   </p:cSld>
+  <p:clrMapOvr>
+    <a:masterClrMapping/>
+  </p:clrMapOvr>
 </p:sldLayout>
 </file>
 
 <file path=ppt/slideLayouts/slideLayout20.xml><?xml version="1.0" encoding="utf-8"?>
-<p:sldLayout xmlns:a="http://schemas.openxmlformats.org/drawingml/2006/main" xmlns:p="http://schemas.openxmlformats.org/presentationml/2006/main" xmlns:r="http://schemas.openxmlformats.org/officeDocument/2006/relationships" xmlns:p14="http://schemas.microsoft.com/office/powerpoint/2010/main" xmlns:p15="http://schemas.microsoft.com/office/powerpoint/2012/main" xmlns:mc="http://schemas.openxmlformats.org/markup-compatibility/2006" type="objAndTwoObj" preserve="1">
+<p:sldLayout xmlns:a="http://schemas.openxmlformats.org/drawingml/2006/main" xmlns:r="http://schemas.openxmlformats.org/officeDocument/2006/relationships" xmlns:p="http://schemas.openxmlformats.org/presentationml/2006/main" type="objAndTwoObj" preserve="1">
   <p:cSld name="Title Content and 2 Content">
     <p:spTree>
       <p:nvGrpSpPr>
@@ -1255,12 +1416,13 @@
           </a:prstGeom>
         </p:spPr>
         <p:txBody>
-          <a:bodyPr lIns="0" rIns="0" tIns="0" bIns="0" anchor="ctr">
+          <a:bodyPr lIns="0" tIns="0" rIns="0" bIns="0" anchor="ctr">
             <a:noAutofit/>
           </a:bodyPr>
+          <a:lstStyle/>
           <a:p>
             <a:pPr algn="ctr"/>
-            <a:endParaRPr b="0" lang="en-US" sz="4400" spc="-1" strike="noStrike">
+            <a:endParaRPr lang="en-US" sz="4400" b="0" strike="noStrike" spc="-1">
               <a:latin typeface="Arial"/>
             </a:endParaRPr>
           </a:p>
@@ -1286,11 +1448,12 @@
           </a:prstGeom>
         </p:spPr>
         <p:txBody>
-          <a:bodyPr lIns="0" rIns="0" tIns="0" bIns="0">
+          <a:bodyPr lIns="0" tIns="0" rIns="0" bIns="0">
             <a:normAutofit/>
           </a:bodyPr>
-          <a:p>
-            <a:endParaRPr b="0" lang="en-US" sz="3200" spc="-1" strike="noStrike">
+          <a:lstStyle/>
+          <a:p>
+            <a:endParaRPr lang="en-US" sz="3200" b="0" strike="noStrike" spc="-1">
               <a:latin typeface="Arial"/>
             </a:endParaRPr>
           </a:p>
@@ -1316,11 +1479,12 @@
           </a:prstGeom>
         </p:spPr>
         <p:txBody>
-          <a:bodyPr lIns="0" rIns="0" tIns="0" bIns="0">
+          <a:bodyPr lIns="0" tIns="0" rIns="0" bIns="0">
             <a:normAutofit/>
           </a:bodyPr>
-          <a:p>
-            <a:endParaRPr b="0" lang="en-US" sz="3200" spc="-1" strike="noStrike">
+          <a:lstStyle/>
+          <a:p>
+            <a:endParaRPr lang="en-US" sz="3200" b="0" strike="noStrike" spc="-1">
               <a:latin typeface="Arial"/>
             </a:endParaRPr>
           </a:p>
@@ -1346,11 +1510,12 @@
           </a:prstGeom>
         </p:spPr>
         <p:txBody>
-          <a:bodyPr lIns="0" rIns="0" tIns="0" bIns="0">
+          <a:bodyPr lIns="0" tIns="0" rIns="0" bIns="0">
             <a:normAutofit/>
           </a:bodyPr>
-          <a:p>
-            <a:endParaRPr b="0" lang="en-US" sz="3200" spc="-1" strike="noStrike">
+          <a:lstStyle/>
+          <a:p>
+            <a:endParaRPr lang="en-US" sz="3200" b="0" strike="noStrike" spc="-1">
               <a:latin typeface="Arial"/>
             </a:endParaRPr>
           </a:p>
@@ -1358,11 +1523,14 @@
       </p:sp>
     </p:spTree>
   </p:cSld>
+  <p:clrMapOvr>
+    <a:masterClrMapping/>
+  </p:clrMapOvr>
 </p:sldLayout>
 </file>
 
 <file path=ppt/slideLayouts/slideLayout21.xml><?xml version="1.0" encoding="utf-8"?>
-<p:sldLayout xmlns:a="http://schemas.openxmlformats.org/drawingml/2006/main" xmlns:p="http://schemas.openxmlformats.org/presentationml/2006/main" xmlns:r="http://schemas.openxmlformats.org/officeDocument/2006/relationships" xmlns:p14="http://schemas.microsoft.com/office/powerpoint/2010/main" xmlns:p15="http://schemas.microsoft.com/office/powerpoint/2012/main" xmlns:mc="http://schemas.openxmlformats.org/markup-compatibility/2006" type="twoObjOverTx" preserve="1">
+<p:sldLayout xmlns:a="http://schemas.openxmlformats.org/drawingml/2006/main" xmlns:r="http://schemas.openxmlformats.org/officeDocument/2006/relationships" xmlns:p="http://schemas.openxmlformats.org/presentationml/2006/main" type="twoObjOverTx" preserve="1">
   <p:cSld name="Title, 2 Content over Content">
     <p:spTree>
       <p:nvGrpSpPr>
@@ -1398,12 +1566,13 @@
           </a:prstGeom>
         </p:spPr>
         <p:txBody>
-          <a:bodyPr lIns="0" rIns="0" tIns="0" bIns="0" anchor="ctr">
+          <a:bodyPr lIns="0" tIns="0" rIns="0" bIns="0" anchor="ctr">
             <a:noAutofit/>
           </a:bodyPr>
+          <a:lstStyle/>
           <a:p>
             <a:pPr algn="ctr"/>
-            <a:endParaRPr b="0" lang="en-US" sz="4400" spc="-1" strike="noStrike">
+            <a:endParaRPr lang="en-US" sz="4400" b="0" strike="noStrike" spc="-1">
               <a:latin typeface="Arial"/>
             </a:endParaRPr>
           </a:p>
@@ -1429,11 +1598,12 @@
           </a:prstGeom>
         </p:spPr>
         <p:txBody>
-          <a:bodyPr lIns="0" rIns="0" tIns="0" bIns="0">
+          <a:bodyPr lIns="0" tIns="0" rIns="0" bIns="0">
             <a:normAutofit/>
           </a:bodyPr>
-          <a:p>
-            <a:endParaRPr b="0" lang="en-US" sz="3200" spc="-1" strike="noStrike">
+          <a:lstStyle/>
+          <a:p>
+            <a:endParaRPr lang="en-US" sz="3200" b="0" strike="noStrike" spc="-1">
               <a:latin typeface="Arial"/>
             </a:endParaRPr>
           </a:p>
@@ -1459,11 +1629,12 @@
           </a:prstGeom>
         </p:spPr>
         <p:txBody>
-          <a:bodyPr lIns="0" rIns="0" tIns="0" bIns="0">
+          <a:bodyPr lIns="0" tIns="0" rIns="0" bIns="0">
             <a:normAutofit/>
           </a:bodyPr>
-          <a:p>
-            <a:endParaRPr b="0" lang="en-US" sz="3200" spc="-1" strike="noStrike">
+          <a:lstStyle/>
+          <a:p>
+            <a:endParaRPr lang="en-US" sz="3200" b="0" strike="noStrike" spc="-1">
               <a:latin typeface="Arial"/>
             </a:endParaRPr>
           </a:p>
@@ -1489,11 +1660,12 @@
           </a:prstGeom>
         </p:spPr>
         <p:txBody>
-          <a:bodyPr lIns="0" rIns="0" tIns="0" bIns="0">
+          <a:bodyPr lIns="0" tIns="0" rIns="0" bIns="0">
             <a:normAutofit/>
           </a:bodyPr>
-          <a:p>
-            <a:endParaRPr b="0" lang="en-US" sz="3200" spc="-1" strike="noStrike">
+          <a:lstStyle/>
+          <a:p>
+            <a:endParaRPr lang="en-US" sz="3200" b="0" strike="noStrike" spc="-1">
               <a:latin typeface="Arial"/>
             </a:endParaRPr>
           </a:p>
@@ -1501,11 +1673,14 @@
       </p:sp>
     </p:spTree>
   </p:cSld>
+  <p:clrMapOvr>
+    <a:masterClrMapping/>
+  </p:clrMapOvr>
 </p:sldLayout>
 </file>
 
 <file path=ppt/slideLayouts/slideLayout22.xml><?xml version="1.0" encoding="utf-8"?>
-<p:sldLayout xmlns:a="http://schemas.openxmlformats.org/drawingml/2006/main" xmlns:p="http://schemas.openxmlformats.org/presentationml/2006/main" xmlns:r="http://schemas.openxmlformats.org/officeDocument/2006/relationships" xmlns:p14="http://schemas.microsoft.com/office/powerpoint/2010/main" xmlns:p15="http://schemas.microsoft.com/office/powerpoint/2012/main" xmlns:mc="http://schemas.openxmlformats.org/markup-compatibility/2006" type="objOverTx" preserve="1">
+<p:sldLayout xmlns:a="http://schemas.openxmlformats.org/drawingml/2006/main" xmlns:r="http://schemas.openxmlformats.org/officeDocument/2006/relationships" xmlns:p="http://schemas.openxmlformats.org/presentationml/2006/main" type="objOverTx" preserve="1">
   <p:cSld name="Title, Content over Content">
     <p:spTree>
       <p:nvGrpSpPr>
@@ -1541,12 +1716,13 @@
           </a:prstGeom>
         </p:spPr>
         <p:txBody>
-          <a:bodyPr lIns="0" rIns="0" tIns="0" bIns="0" anchor="ctr">
+          <a:bodyPr lIns="0" tIns="0" rIns="0" bIns="0" anchor="ctr">
             <a:noAutofit/>
           </a:bodyPr>
+          <a:lstStyle/>
           <a:p>
             <a:pPr algn="ctr"/>
-            <a:endParaRPr b="0" lang="en-US" sz="4400" spc="-1" strike="noStrike">
+            <a:endParaRPr lang="en-US" sz="4400" b="0" strike="noStrike" spc="-1">
               <a:latin typeface="Arial"/>
             </a:endParaRPr>
           </a:p>
@@ -1572,11 +1748,12 @@
           </a:prstGeom>
         </p:spPr>
         <p:txBody>
-          <a:bodyPr lIns="0" rIns="0" tIns="0" bIns="0">
+          <a:bodyPr lIns="0" tIns="0" rIns="0" bIns="0">
             <a:normAutofit/>
           </a:bodyPr>
-          <a:p>
-            <a:endParaRPr b="0" lang="en-US" sz="3200" spc="-1" strike="noStrike">
+          <a:lstStyle/>
+          <a:p>
+            <a:endParaRPr lang="en-US" sz="3200" b="0" strike="noStrike" spc="-1">
               <a:latin typeface="Arial"/>
             </a:endParaRPr>
           </a:p>
@@ -1602,11 +1779,12 @@
           </a:prstGeom>
         </p:spPr>
         <p:txBody>
-          <a:bodyPr lIns="0" rIns="0" tIns="0" bIns="0">
+          <a:bodyPr lIns="0" tIns="0" rIns="0" bIns="0">
             <a:normAutofit/>
           </a:bodyPr>
-          <a:p>
-            <a:endParaRPr b="0" lang="en-US" sz="3200" spc="-1" strike="noStrike">
+          <a:lstStyle/>
+          <a:p>
+            <a:endParaRPr lang="en-US" sz="3200" b="0" strike="noStrike" spc="-1">
               <a:latin typeface="Arial"/>
             </a:endParaRPr>
           </a:p>
@@ -1614,11 +1792,14 @@
       </p:sp>
     </p:spTree>
   </p:cSld>
+  <p:clrMapOvr>
+    <a:masterClrMapping/>
+  </p:clrMapOvr>
 </p:sldLayout>
 </file>
 
 <file path=ppt/slideLayouts/slideLayout23.xml><?xml version="1.0" encoding="utf-8"?>
-<p:sldLayout xmlns:a="http://schemas.openxmlformats.org/drawingml/2006/main" xmlns:p="http://schemas.openxmlformats.org/presentationml/2006/main" xmlns:r="http://schemas.openxmlformats.org/officeDocument/2006/relationships" xmlns:p14="http://schemas.microsoft.com/office/powerpoint/2010/main" xmlns:p15="http://schemas.microsoft.com/office/powerpoint/2012/main" xmlns:mc="http://schemas.openxmlformats.org/markup-compatibility/2006" type="fourObj" preserve="1">
+<p:sldLayout xmlns:a="http://schemas.openxmlformats.org/drawingml/2006/main" xmlns:r="http://schemas.openxmlformats.org/officeDocument/2006/relationships" xmlns:p="http://schemas.openxmlformats.org/presentationml/2006/main" type="fourObj" preserve="1">
   <p:cSld name="Title, 4 Content">
     <p:spTree>
       <p:nvGrpSpPr>
@@ -1654,12 +1835,13 @@
           </a:prstGeom>
         </p:spPr>
         <p:txBody>
-          <a:bodyPr lIns="0" rIns="0" tIns="0" bIns="0" anchor="ctr">
+          <a:bodyPr lIns="0" tIns="0" rIns="0" bIns="0" anchor="ctr">
             <a:noAutofit/>
           </a:bodyPr>
+          <a:lstStyle/>
           <a:p>
             <a:pPr algn="ctr"/>
-            <a:endParaRPr b="0" lang="en-US" sz="4400" spc="-1" strike="noStrike">
+            <a:endParaRPr lang="en-US" sz="4400" b="0" strike="noStrike" spc="-1">
               <a:latin typeface="Arial"/>
             </a:endParaRPr>
           </a:p>
@@ -1685,11 +1867,12 @@
           </a:prstGeom>
         </p:spPr>
         <p:txBody>
-          <a:bodyPr lIns="0" rIns="0" tIns="0" bIns="0">
+          <a:bodyPr lIns="0" tIns="0" rIns="0" bIns="0">
             <a:normAutofit/>
           </a:bodyPr>
-          <a:p>
-            <a:endParaRPr b="0" lang="en-US" sz="3200" spc="-1" strike="noStrike">
+          <a:lstStyle/>
+          <a:p>
+            <a:endParaRPr lang="en-US" sz="3200" b="0" strike="noStrike" spc="-1">
               <a:latin typeface="Arial"/>
             </a:endParaRPr>
           </a:p>
@@ -1715,11 +1898,12 @@
           </a:prstGeom>
         </p:spPr>
         <p:txBody>
-          <a:bodyPr lIns="0" rIns="0" tIns="0" bIns="0">
+          <a:bodyPr lIns="0" tIns="0" rIns="0" bIns="0">
             <a:normAutofit/>
           </a:bodyPr>
-          <a:p>
-            <a:endParaRPr b="0" lang="en-US" sz="3200" spc="-1" strike="noStrike">
+          <a:lstStyle/>
+          <a:p>
+            <a:endParaRPr lang="en-US" sz="3200" b="0" strike="noStrike" spc="-1">
               <a:latin typeface="Arial"/>
             </a:endParaRPr>
           </a:p>
@@ -1745,11 +1929,12 @@
           </a:prstGeom>
         </p:spPr>
         <p:txBody>
-          <a:bodyPr lIns="0" rIns="0" tIns="0" bIns="0">
+          <a:bodyPr lIns="0" tIns="0" rIns="0" bIns="0">
             <a:normAutofit/>
           </a:bodyPr>
-          <a:p>
-            <a:endParaRPr b="0" lang="en-US" sz="3200" spc="-1" strike="noStrike">
+          <a:lstStyle/>
+          <a:p>
+            <a:endParaRPr lang="en-US" sz="3200" b="0" strike="noStrike" spc="-1">
               <a:latin typeface="Arial"/>
             </a:endParaRPr>
           </a:p>
@@ -1775,11 +1960,12 @@
           </a:prstGeom>
         </p:spPr>
         <p:txBody>
-          <a:bodyPr lIns="0" rIns="0" tIns="0" bIns="0">
+          <a:bodyPr lIns="0" tIns="0" rIns="0" bIns="0">
             <a:normAutofit/>
           </a:bodyPr>
-          <a:p>
-            <a:endParaRPr b="0" lang="en-US" sz="3200" spc="-1" strike="noStrike">
+          <a:lstStyle/>
+          <a:p>
+            <a:endParaRPr lang="en-US" sz="3200" b="0" strike="noStrike" spc="-1">
               <a:latin typeface="Arial"/>
             </a:endParaRPr>
           </a:p>
@@ -1787,11 +1973,14 @@
       </p:sp>
     </p:spTree>
   </p:cSld>
+  <p:clrMapOvr>
+    <a:masterClrMapping/>
+  </p:clrMapOvr>
 </p:sldLayout>
 </file>
 
 <file path=ppt/slideLayouts/slideLayout24.xml><?xml version="1.0" encoding="utf-8"?>
-<p:sldLayout xmlns:a="http://schemas.openxmlformats.org/drawingml/2006/main" xmlns:p="http://schemas.openxmlformats.org/presentationml/2006/main" xmlns:r="http://schemas.openxmlformats.org/officeDocument/2006/relationships" xmlns:p14="http://schemas.microsoft.com/office/powerpoint/2010/main" xmlns:p15="http://schemas.microsoft.com/office/powerpoint/2012/main" xmlns:mc="http://schemas.openxmlformats.org/markup-compatibility/2006" type="blank" preserve="1">
+<p:sldLayout xmlns:a="http://schemas.openxmlformats.org/drawingml/2006/main" xmlns:r="http://schemas.openxmlformats.org/officeDocument/2006/relationships" xmlns:p="http://schemas.openxmlformats.org/presentationml/2006/main" type="blank" preserve="1">
   <p:cSld name="Title, 6 Content">
     <p:spTree>
       <p:nvGrpSpPr>
@@ -1827,12 +2016,13 @@
           </a:prstGeom>
         </p:spPr>
         <p:txBody>
-          <a:bodyPr lIns="0" rIns="0" tIns="0" bIns="0" anchor="ctr">
+          <a:bodyPr lIns="0" tIns="0" rIns="0" bIns="0" anchor="ctr">
             <a:noAutofit/>
           </a:bodyPr>
+          <a:lstStyle/>
           <a:p>
             <a:pPr algn="ctr"/>
-            <a:endParaRPr b="0" lang="en-US" sz="4400" spc="-1" strike="noStrike">
+            <a:endParaRPr lang="en-US" sz="4400" b="0" strike="noStrike" spc="-1">
               <a:latin typeface="Arial"/>
             </a:endParaRPr>
           </a:p>
@@ -1858,11 +2048,12 @@
           </a:prstGeom>
         </p:spPr>
         <p:txBody>
-          <a:bodyPr lIns="0" rIns="0" tIns="0" bIns="0">
+          <a:bodyPr lIns="0" tIns="0" rIns="0" bIns="0">
             <a:normAutofit/>
           </a:bodyPr>
-          <a:p>
-            <a:endParaRPr b="0" lang="en-US" sz="3200" spc="-1" strike="noStrike">
+          <a:lstStyle/>
+          <a:p>
+            <a:endParaRPr lang="en-US" sz="3200" b="0" strike="noStrike" spc="-1">
               <a:latin typeface="Arial"/>
             </a:endParaRPr>
           </a:p>
@@ -1888,11 +2079,12 @@
           </a:prstGeom>
         </p:spPr>
         <p:txBody>
-          <a:bodyPr lIns="0" rIns="0" tIns="0" bIns="0">
+          <a:bodyPr lIns="0" tIns="0" rIns="0" bIns="0">
             <a:normAutofit/>
           </a:bodyPr>
-          <a:p>
-            <a:endParaRPr b="0" lang="en-US" sz="3200" spc="-1" strike="noStrike">
+          <a:lstStyle/>
+          <a:p>
+            <a:endParaRPr lang="en-US" sz="3200" b="0" strike="noStrike" spc="-1">
               <a:latin typeface="Arial"/>
             </a:endParaRPr>
           </a:p>
@@ -1918,11 +2110,12 @@
           </a:prstGeom>
         </p:spPr>
         <p:txBody>
-          <a:bodyPr lIns="0" rIns="0" tIns="0" bIns="0">
+          <a:bodyPr lIns="0" tIns="0" rIns="0" bIns="0">
             <a:normAutofit/>
           </a:bodyPr>
-          <a:p>
-            <a:endParaRPr b="0" lang="en-US" sz="3200" spc="-1" strike="noStrike">
+          <a:lstStyle/>
+          <a:p>
+            <a:endParaRPr lang="en-US" sz="3200" b="0" strike="noStrike" spc="-1">
               <a:latin typeface="Arial"/>
             </a:endParaRPr>
           </a:p>
@@ -1948,11 +2141,12 @@
           </a:prstGeom>
         </p:spPr>
         <p:txBody>
-          <a:bodyPr lIns="0" rIns="0" tIns="0" bIns="0">
+          <a:bodyPr lIns="0" tIns="0" rIns="0" bIns="0">
             <a:normAutofit/>
           </a:bodyPr>
-          <a:p>
-            <a:endParaRPr b="0" lang="en-US" sz="3200" spc="-1" strike="noStrike">
+          <a:lstStyle/>
+          <a:p>
+            <a:endParaRPr lang="en-US" sz="3200" b="0" strike="noStrike" spc="-1">
               <a:latin typeface="Arial"/>
             </a:endParaRPr>
           </a:p>
@@ -1978,11 +2172,12 @@
           </a:prstGeom>
         </p:spPr>
         <p:txBody>
-          <a:bodyPr lIns="0" rIns="0" tIns="0" bIns="0">
+          <a:bodyPr lIns="0" tIns="0" rIns="0" bIns="0">
             <a:normAutofit/>
           </a:bodyPr>
-          <a:p>
-            <a:endParaRPr b="0" lang="en-US" sz="3200" spc="-1" strike="noStrike">
+          <a:lstStyle/>
+          <a:p>
+            <a:endParaRPr lang="en-US" sz="3200" b="0" strike="noStrike" spc="-1">
               <a:latin typeface="Arial"/>
             </a:endParaRPr>
           </a:p>
@@ -2008,11 +2203,12 @@
           </a:prstGeom>
         </p:spPr>
         <p:txBody>
-          <a:bodyPr lIns="0" rIns="0" tIns="0" bIns="0">
+          <a:bodyPr lIns="0" tIns="0" rIns="0" bIns="0">
             <a:normAutofit/>
           </a:bodyPr>
-          <a:p>
-            <a:endParaRPr b="0" lang="en-US" sz="3200" spc="-1" strike="noStrike">
+          <a:lstStyle/>
+          <a:p>
+            <a:endParaRPr lang="en-US" sz="3200" b="0" strike="noStrike" spc="-1">
               <a:latin typeface="Arial"/>
             </a:endParaRPr>
           </a:p>
@@ -2020,11 +2216,14 @@
       </p:sp>
     </p:spTree>
   </p:cSld>
+  <p:clrMapOvr>
+    <a:masterClrMapping/>
+  </p:clrMapOvr>
 </p:sldLayout>
 </file>
 
 <file path=ppt/slideLayouts/slideLayout3.xml><?xml version="1.0" encoding="utf-8"?>
-<p:sldLayout xmlns:a="http://schemas.openxmlformats.org/drawingml/2006/main" xmlns:p="http://schemas.openxmlformats.org/presentationml/2006/main" xmlns:r="http://schemas.openxmlformats.org/officeDocument/2006/relationships" xmlns:p14="http://schemas.microsoft.com/office/powerpoint/2010/main" xmlns:p15="http://schemas.microsoft.com/office/powerpoint/2012/main" xmlns:mc="http://schemas.openxmlformats.org/markup-compatibility/2006" type="obj" preserve="1">
+<p:sldLayout xmlns:a="http://schemas.openxmlformats.org/drawingml/2006/main" xmlns:r="http://schemas.openxmlformats.org/officeDocument/2006/relationships" xmlns:p="http://schemas.openxmlformats.org/presentationml/2006/main" type="obj" preserve="1">
   <p:cSld name="Title, Content">
     <p:spTree>
       <p:nvGrpSpPr>
@@ -2060,12 +2259,13 @@
           </a:prstGeom>
         </p:spPr>
         <p:txBody>
-          <a:bodyPr lIns="0" rIns="0" tIns="0" bIns="0" anchor="ctr">
+          <a:bodyPr lIns="0" tIns="0" rIns="0" bIns="0" anchor="ctr">
             <a:noAutofit/>
           </a:bodyPr>
+          <a:lstStyle/>
           <a:p>
             <a:pPr algn="ctr"/>
-            <a:endParaRPr b="0" lang="en-US" sz="4400" spc="-1" strike="noStrike">
+            <a:endParaRPr lang="en-US" sz="4400" b="0" strike="noStrike" spc="-1">
               <a:latin typeface="Arial"/>
             </a:endParaRPr>
           </a:p>
@@ -2091,11 +2291,12 @@
           </a:prstGeom>
         </p:spPr>
         <p:txBody>
-          <a:bodyPr lIns="0" rIns="0" tIns="0" bIns="0">
+          <a:bodyPr lIns="0" tIns="0" rIns="0" bIns="0">
             <a:normAutofit/>
           </a:bodyPr>
-          <a:p>
-            <a:endParaRPr b="0" lang="en-US" sz="3200" spc="-1" strike="noStrike">
+          <a:lstStyle/>
+          <a:p>
+            <a:endParaRPr lang="en-US" sz="3200" b="0" strike="noStrike" spc="-1">
               <a:latin typeface="Arial"/>
             </a:endParaRPr>
           </a:p>
@@ -2103,11 +2304,14 @@
       </p:sp>
     </p:spTree>
   </p:cSld>
+  <p:clrMapOvr>
+    <a:masterClrMapping/>
+  </p:clrMapOvr>
 </p:sldLayout>
 </file>
 
 <file path=ppt/slideLayouts/slideLayout4.xml><?xml version="1.0" encoding="utf-8"?>
-<p:sldLayout xmlns:a="http://schemas.openxmlformats.org/drawingml/2006/main" xmlns:p="http://schemas.openxmlformats.org/presentationml/2006/main" xmlns:r="http://schemas.openxmlformats.org/officeDocument/2006/relationships" xmlns:p14="http://schemas.microsoft.com/office/powerpoint/2010/main" xmlns:p15="http://schemas.microsoft.com/office/powerpoint/2012/main" xmlns:mc="http://schemas.openxmlformats.org/markup-compatibility/2006" type="twoObj" preserve="1">
+<p:sldLayout xmlns:a="http://schemas.openxmlformats.org/drawingml/2006/main" xmlns:r="http://schemas.openxmlformats.org/officeDocument/2006/relationships" xmlns:p="http://schemas.openxmlformats.org/presentationml/2006/main" type="twoObj" preserve="1">
   <p:cSld name="Title, 2 Content">
     <p:spTree>
       <p:nvGrpSpPr>
@@ -2143,12 +2347,13 @@
           </a:prstGeom>
         </p:spPr>
         <p:txBody>
-          <a:bodyPr lIns="0" rIns="0" tIns="0" bIns="0" anchor="ctr">
+          <a:bodyPr lIns="0" tIns="0" rIns="0" bIns="0" anchor="ctr">
             <a:noAutofit/>
           </a:bodyPr>
+          <a:lstStyle/>
           <a:p>
             <a:pPr algn="ctr"/>
-            <a:endParaRPr b="0" lang="en-US" sz="4400" spc="-1" strike="noStrike">
+            <a:endParaRPr lang="en-US" sz="4400" b="0" strike="noStrike" spc="-1">
               <a:latin typeface="Arial"/>
             </a:endParaRPr>
           </a:p>
@@ -2174,11 +2379,12 @@
           </a:prstGeom>
         </p:spPr>
         <p:txBody>
-          <a:bodyPr lIns="0" rIns="0" tIns="0" bIns="0">
+          <a:bodyPr lIns="0" tIns="0" rIns="0" bIns="0">
             <a:normAutofit/>
           </a:bodyPr>
-          <a:p>
-            <a:endParaRPr b="0" lang="en-US" sz="3200" spc="-1" strike="noStrike">
+          <a:lstStyle/>
+          <a:p>
+            <a:endParaRPr lang="en-US" sz="3200" b="0" strike="noStrike" spc="-1">
               <a:latin typeface="Arial"/>
             </a:endParaRPr>
           </a:p>
@@ -2204,11 +2410,12 @@
           </a:prstGeom>
         </p:spPr>
         <p:txBody>
-          <a:bodyPr lIns="0" rIns="0" tIns="0" bIns="0">
+          <a:bodyPr lIns="0" tIns="0" rIns="0" bIns="0">
             <a:normAutofit/>
           </a:bodyPr>
-          <a:p>
-            <a:endParaRPr b="0" lang="en-US" sz="3200" spc="-1" strike="noStrike">
+          <a:lstStyle/>
+          <a:p>
+            <a:endParaRPr lang="en-US" sz="3200" b="0" strike="noStrike" spc="-1">
               <a:latin typeface="Arial"/>
             </a:endParaRPr>
           </a:p>
@@ -2216,11 +2423,14 @@
       </p:sp>
     </p:spTree>
   </p:cSld>
+  <p:clrMapOvr>
+    <a:masterClrMapping/>
+  </p:clrMapOvr>
 </p:sldLayout>
 </file>
 
 <file path=ppt/slideLayouts/slideLayout5.xml><?xml version="1.0" encoding="utf-8"?>
-<p:sldLayout xmlns:a="http://schemas.openxmlformats.org/drawingml/2006/main" xmlns:p="http://schemas.openxmlformats.org/presentationml/2006/main" xmlns:r="http://schemas.openxmlformats.org/officeDocument/2006/relationships" xmlns:p14="http://schemas.microsoft.com/office/powerpoint/2010/main" xmlns:p15="http://schemas.microsoft.com/office/powerpoint/2012/main" xmlns:mc="http://schemas.openxmlformats.org/markup-compatibility/2006" type="titleOnly" preserve="1">
+<p:sldLayout xmlns:a="http://schemas.openxmlformats.org/drawingml/2006/main" xmlns:r="http://schemas.openxmlformats.org/officeDocument/2006/relationships" xmlns:p="http://schemas.openxmlformats.org/presentationml/2006/main" type="titleOnly" preserve="1">
   <p:cSld name="Title Only">
     <p:spTree>
       <p:nvGrpSpPr>
@@ -2256,12 +2466,13 @@
           </a:prstGeom>
         </p:spPr>
         <p:txBody>
-          <a:bodyPr lIns="0" rIns="0" tIns="0" bIns="0" anchor="ctr">
+          <a:bodyPr lIns="0" tIns="0" rIns="0" bIns="0" anchor="ctr">
             <a:noAutofit/>
           </a:bodyPr>
+          <a:lstStyle/>
           <a:p>
             <a:pPr algn="ctr"/>
-            <a:endParaRPr b="0" lang="en-US" sz="4400" spc="-1" strike="noStrike">
+            <a:endParaRPr lang="en-US" sz="4400" b="0" strike="noStrike" spc="-1">
               <a:latin typeface="Arial"/>
             </a:endParaRPr>
           </a:p>
@@ -2269,11 +2480,14 @@
       </p:sp>
     </p:spTree>
   </p:cSld>
+  <p:clrMapOvr>
+    <a:masterClrMapping/>
+  </p:clrMapOvr>
 </p:sldLayout>
 </file>
 
 <file path=ppt/slideLayouts/slideLayout6.xml><?xml version="1.0" encoding="utf-8"?>
-<p:sldLayout xmlns:a="http://schemas.openxmlformats.org/drawingml/2006/main" xmlns:p="http://schemas.openxmlformats.org/presentationml/2006/main" xmlns:r="http://schemas.openxmlformats.org/officeDocument/2006/relationships" xmlns:p14="http://schemas.microsoft.com/office/powerpoint/2010/main" xmlns:p15="http://schemas.microsoft.com/office/powerpoint/2012/main" xmlns:mc="http://schemas.openxmlformats.org/markup-compatibility/2006" type="objOnly" preserve="1">
+<p:sldLayout xmlns:a="http://schemas.openxmlformats.org/drawingml/2006/main" xmlns:r="http://schemas.openxmlformats.org/officeDocument/2006/relationships" xmlns:p="http://schemas.openxmlformats.org/presentationml/2006/main" type="objOnly" preserve="1">
   <p:cSld name="Centered Text">
     <p:spTree>
       <p:nvGrpSpPr>
@@ -2309,12 +2523,13 @@
           </a:prstGeom>
         </p:spPr>
         <p:txBody>
-          <a:bodyPr lIns="0" rIns="0" tIns="0" bIns="0" anchor="ctr">
+          <a:bodyPr lIns="0" tIns="0" rIns="0" bIns="0" anchor="ctr">
             <a:noAutofit/>
           </a:bodyPr>
+          <a:lstStyle/>
           <a:p>
             <a:pPr algn="ctr"/>
-            <a:endParaRPr b="0" lang="en-US" sz="3200" spc="-1" strike="noStrike">
+            <a:endParaRPr lang="en-US" sz="3200" b="0" strike="noStrike" spc="-1">
               <a:latin typeface="Arial"/>
             </a:endParaRPr>
           </a:p>
@@ -2322,11 +2537,14 @@
       </p:sp>
     </p:spTree>
   </p:cSld>
+  <p:clrMapOvr>
+    <a:masterClrMapping/>
+  </p:clrMapOvr>
 </p:sldLayout>
 </file>
 
 <file path=ppt/slideLayouts/slideLayout7.xml><?xml version="1.0" encoding="utf-8"?>
-<p:sldLayout xmlns:a="http://schemas.openxmlformats.org/drawingml/2006/main" xmlns:p="http://schemas.openxmlformats.org/presentationml/2006/main" xmlns:r="http://schemas.openxmlformats.org/officeDocument/2006/relationships" xmlns:p14="http://schemas.microsoft.com/office/powerpoint/2010/main" xmlns:p15="http://schemas.microsoft.com/office/powerpoint/2012/main" xmlns:mc="http://schemas.openxmlformats.org/markup-compatibility/2006" type="twoObjAndObj" preserve="1">
+<p:sldLayout xmlns:a="http://schemas.openxmlformats.org/drawingml/2006/main" xmlns:r="http://schemas.openxmlformats.org/officeDocument/2006/relationships" xmlns:p="http://schemas.openxmlformats.org/presentationml/2006/main" type="twoObjAndObj" preserve="1">
   <p:cSld name="Title, 2 Content and Content">
     <p:spTree>
       <p:nvGrpSpPr>
@@ -2362,12 +2580,13 @@
           </a:prstGeom>
         </p:spPr>
         <p:txBody>
-          <a:bodyPr lIns="0" rIns="0" tIns="0" bIns="0" anchor="ctr">
+          <a:bodyPr lIns="0" tIns="0" rIns="0" bIns="0" anchor="ctr">
             <a:noAutofit/>
           </a:bodyPr>
+          <a:lstStyle/>
           <a:p>
             <a:pPr algn="ctr"/>
-            <a:endParaRPr b="0" lang="en-US" sz="4400" spc="-1" strike="noStrike">
+            <a:endParaRPr lang="en-US" sz="4400" b="0" strike="noStrike" spc="-1">
               <a:latin typeface="Arial"/>
             </a:endParaRPr>
           </a:p>
@@ -2393,11 +2612,12 @@
           </a:prstGeom>
         </p:spPr>
         <p:txBody>
-          <a:bodyPr lIns="0" rIns="0" tIns="0" bIns="0">
+          <a:bodyPr lIns="0" tIns="0" rIns="0" bIns="0">
             <a:normAutofit/>
           </a:bodyPr>
-          <a:p>
-            <a:endParaRPr b="0" lang="en-US" sz="3200" spc="-1" strike="noStrike">
+          <a:lstStyle/>
+          <a:p>
+            <a:endParaRPr lang="en-US" sz="3200" b="0" strike="noStrike" spc="-1">
               <a:latin typeface="Arial"/>
             </a:endParaRPr>
           </a:p>
@@ -2423,11 +2643,12 @@
           </a:prstGeom>
         </p:spPr>
         <p:txBody>
-          <a:bodyPr lIns="0" rIns="0" tIns="0" bIns="0">
+          <a:bodyPr lIns="0" tIns="0" rIns="0" bIns="0">
             <a:normAutofit/>
           </a:bodyPr>
-          <a:p>
-            <a:endParaRPr b="0" lang="en-US" sz="3200" spc="-1" strike="noStrike">
+          <a:lstStyle/>
+          <a:p>
+            <a:endParaRPr lang="en-US" sz="3200" b="0" strike="noStrike" spc="-1">
               <a:latin typeface="Arial"/>
             </a:endParaRPr>
           </a:p>
@@ -2453,11 +2674,12 @@
           </a:prstGeom>
         </p:spPr>
         <p:txBody>
-          <a:bodyPr lIns="0" rIns="0" tIns="0" bIns="0">
+          <a:bodyPr lIns="0" tIns="0" rIns="0" bIns="0">
             <a:normAutofit/>
           </a:bodyPr>
-          <a:p>
-            <a:endParaRPr b="0" lang="en-US" sz="3200" spc="-1" strike="noStrike">
+          <a:lstStyle/>
+          <a:p>
+            <a:endParaRPr lang="en-US" sz="3200" b="0" strike="noStrike" spc="-1">
               <a:latin typeface="Arial"/>
             </a:endParaRPr>
           </a:p>
@@ -2465,11 +2687,14 @@
       </p:sp>
     </p:spTree>
   </p:cSld>
+  <p:clrMapOvr>
+    <a:masterClrMapping/>
+  </p:clrMapOvr>
 </p:sldLayout>
 </file>
 
 <file path=ppt/slideLayouts/slideLayout8.xml><?xml version="1.0" encoding="utf-8"?>
-<p:sldLayout xmlns:a="http://schemas.openxmlformats.org/drawingml/2006/main" xmlns:p="http://schemas.openxmlformats.org/presentationml/2006/main" xmlns:r="http://schemas.openxmlformats.org/officeDocument/2006/relationships" xmlns:p14="http://schemas.microsoft.com/office/powerpoint/2010/main" xmlns:p15="http://schemas.microsoft.com/office/powerpoint/2012/main" xmlns:mc="http://schemas.openxmlformats.org/markup-compatibility/2006" type="objAndTwoObj" preserve="1">
+<p:sldLayout xmlns:a="http://schemas.openxmlformats.org/drawingml/2006/main" xmlns:r="http://schemas.openxmlformats.org/officeDocument/2006/relationships" xmlns:p="http://schemas.openxmlformats.org/presentationml/2006/main" type="objAndTwoObj" preserve="1">
   <p:cSld name="Title Content and 2 Content">
     <p:spTree>
       <p:nvGrpSpPr>
@@ -2505,12 +2730,13 @@
           </a:prstGeom>
         </p:spPr>
         <p:txBody>
-          <a:bodyPr lIns="0" rIns="0" tIns="0" bIns="0" anchor="ctr">
+          <a:bodyPr lIns="0" tIns="0" rIns="0" bIns="0" anchor="ctr">
             <a:noAutofit/>
           </a:bodyPr>
+          <a:lstStyle/>
           <a:p>
             <a:pPr algn="ctr"/>
-            <a:endParaRPr b="0" lang="en-US" sz="4400" spc="-1" strike="noStrike">
+            <a:endParaRPr lang="en-US" sz="4400" b="0" strike="noStrike" spc="-1">
               <a:latin typeface="Arial"/>
             </a:endParaRPr>
           </a:p>
@@ -2536,11 +2762,12 @@
           </a:prstGeom>
         </p:spPr>
         <p:txBody>
-          <a:bodyPr lIns="0" rIns="0" tIns="0" bIns="0">
+          <a:bodyPr lIns="0" tIns="0" rIns="0" bIns="0">
             <a:normAutofit/>
           </a:bodyPr>
-          <a:p>
-            <a:endParaRPr b="0" lang="en-US" sz="3200" spc="-1" strike="noStrike">
+          <a:lstStyle/>
+          <a:p>
+            <a:endParaRPr lang="en-US" sz="3200" b="0" strike="noStrike" spc="-1">
               <a:latin typeface="Arial"/>
             </a:endParaRPr>
           </a:p>
@@ -2566,11 +2793,12 @@
           </a:prstGeom>
         </p:spPr>
         <p:txBody>
-          <a:bodyPr lIns="0" rIns="0" tIns="0" bIns="0">
+          <a:bodyPr lIns="0" tIns="0" rIns="0" bIns="0">
             <a:normAutofit/>
           </a:bodyPr>
-          <a:p>
-            <a:endParaRPr b="0" lang="en-US" sz="3200" spc="-1" strike="noStrike">
+          <a:lstStyle/>
+          <a:p>
+            <a:endParaRPr lang="en-US" sz="3200" b="0" strike="noStrike" spc="-1">
               <a:latin typeface="Arial"/>
             </a:endParaRPr>
           </a:p>
@@ -2596,11 +2824,12 @@
           </a:prstGeom>
         </p:spPr>
         <p:txBody>
-          <a:bodyPr lIns="0" rIns="0" tIns="0" bIns="0">
+          <a:bodyPr lIns="0" tIns="0" rIns="0" bIns="0">
             <a:normAutofit/>
           </a:bodyPr>
-          <a:p>
-            <a:endParaRPr b="0" lang="en-US" sz="3200" spc="-1" strike="noStrike">
+          <a:lstStyle/>
+          <a:p>
+            <a:endParaRPr lang="en-US" sz="3200" b="0" strike="noStrike" spc="-1">
               <a:latin typeface="Arial"/>
             </a:endParaRPr>
           </a:p>
@@ -2608,11 +2837,14 @@
       </p:sp>
     </p:spTree>
   </p:cSld>
+  <p:clrMapOvr>
+    <a:masterClrMapping/>
+  </p:clrMapOvr>
 </p:sldLayout>
 </file>
 
 <file path=ppt/slideLayouts/slideLayout9.xml><?xml version="1.0" encoding="utf-8"?>
-<p:sldLayout xmlns:a="http://schemas.openxmlformats.org/drawingml/2006/main" xmlns:p="http://schemas.openxmlformats.org/presentationml/2006/main" xmlns:r="http://schemas.openxmlformats.org/officeDocument/2006/relationships" xmlns:p14="http://schemas.microsoft.com/office/powerpoint/2010/main" xmlns:p15="http://schemas.microsoft.com/office/powerpoint/2012/main" xmlns:mc="http://schemas.openxmlformats.org/markup-compatibility/2006" type="twoObjOverTx" preserve="1">
+<p:sldLayout xmlns:a="http://schemas.openxmlformats.org/drawingml/2006/main" xmlns:r="http://schemas.openxmlformats.org/officeDocument/2006/relationships" xmlns:p="http://schemas.openxmlformats.org/presentationml/2006/main" type="twoObjOverTx" preserve="1">
   <p:cSld name="Title, 2 Content over Content">
     <p:spTree>
       <p:nvGrpSpPr>
@@ -2648,12 +2880,13 @@
           </a:prstGeom>
         </p:spPr>
         <p:txBody>
-          <a:bodyPr lIns="0" rIns="0" tIns="0" bIns="0" anchor="ctr">
+          <a:bodyPr lIns="0" tIns="0" rIns="0" bIns="0" anchor="ctr">
             <a:noAutofit/>
           </a:bodyPr>
+          <a:lstStyle/>
           <a:p>
             <a:pPr algn="ctr"/>
-            <a:endParaRPr b="0" lang="en-US" sz="4400" spc="-1" strike="noStrike">
+            <a:endParaRPr lang="en-US" sz="4400" b="0" strike="noStrike" spc="-1">
               <a:latin typeface="Arial"/>
             </a:endParaRPr>
           </a:p>
@@ -2679,11 +2912,12 @@
           </a:prstGeom>
         </p:spPr>
         <p:txBody>
-          <a:bodyPr lIns="0" rIns="0" tIns="0" bIns="0">
+          <a:bodyPr lIns="0" tIns="0" rIns="0" bIns="0">
             <a:normAutofit/>
           </a:bodyPr>
-          <a:p>
-            <a:endParaRPr b="0" lang="en-US" sz="3200" spc="-1" strike="noStrike">
+          <a:lstStyle/>
+          <a:p>
+            <a:endParaRPr lang="en-US" sz="3200" b="0" strike="noStrike" spc="-1">
               <a:latin typeface="Arial"/>
             </a:endParaRPr>
           </a:p>
@@ -2709,11 +2943,12 @@
           </a:prstGeom>
         </p:spPr>
         <p:txBody>
-          <a:bodyPr lIns="0" rIns="0" tIns="0" bIns="0">
+          <a:bodyPr lIns="0" tIns="0" rIns="0" bIns="0">
             <a:normAutofit/>
           </a:bodyPr>
-          <a:p>
-            <a:endParaRPr b="0" lang="en-US" sz="3200" spc="-1" strike="noStrike">
+          <a:lstStyle/>
+          <a:p>
+            <a:endParaRPr lang="en-US" sz="3200" b="0" strike="noStrike" spc="-1">
               <a:latin typeface="Arial"/>
             </a:endParaRPr>
           </a:p>
@@ -2739,11 +2974,12 @@
           </a:prstGeom>
         </p:spPr>
         <p:txBody>
-          <a:bodyPr lIns="0" rIns="0" tIns="0" bIns="0">
+          <a:bodyPr lIns="0" tIns="0" rIns="0" bIns="0">
             <a:normAutofit/>
           </a:bodyPr>
-          <a:p>
-            <a:endParaRPr b="0" lang="en-US" sz="3200" spc="-1" strike="noStrike">
+          <a:lstStyle/>
+          <a:p>
+            <a:endParaRPr lang="en-US" sz="3200" b="0" strike="noStrike" spc="-1">
               <a:latin typeface="Arial"/>
             </a:endParaRPr>
           </a:p>
@@ -2751,11 +2987,1268 @@
       </p:sp>
     </p:spTree>
   </p:cSld>
+  <p:clrMapOvr>
+    <a:masterClrMapping/>
+  </p:clrMapOvr>
 </p:sldLayout>
 </file>
 
 <file path=ppt/slideMasters/slideMaster1.xml><?xml version="1.0" encoding="utf-8"?>
-<p:sldMaster xmlns:a="http://schemas.openxmlformats.org/drawingml/2006/main" xmlns:p="http://schemas.openxmlformats.org/presentationml/2006/main" xmlns:r="http://schemas.openxmlformats.org/officeDocument/2006/relationships" xmlns:p14="http://schemas.microsoft.com/office/powerpoint/2010/main" xmlns:p15="http://schemas.microsoft.com/office/powerpoint/2012/main" xmlns:mc="http://schemas.openxmlformats.org/markup-compatibility/2006">
+<p:sldMaster xmlns:a="http://schemas.openxmlformats.org/drawingml/2006/main" xmlns:r="http://schemas.openxmlformats.org/officeDocument/2006/relationships" xmlns:p="http://schemas.openxmlformats.org/presentationml/2006/main">
+  <p:cSld>
+    <p:bg>
+      <p:bgRef idx="1001">
+        <a:schemeClr val="bg1"/>
+      </p:bgRef>
+    </p:bg>
+    <p:spTree>
+      <p:nvGrpSpPr>
+        <p:cNvPr id="1" name=""/>
+        <p:cNvGrpSpPr/>
+        <p:nvPr/>
+      </p:nvGrpSpPr>
+      <p:grpSpPr>
+        <a:xfrm>
+          <a:off x="0" y="0"/>
+          <a:ext cx="0" cy="0"/>
+          <a:chOff x="0" y="0"/>
+          <a:chExt cx="0" cy="0"/>
+        </a:xfrm>
+      </p:grpSpPr>
+      <p:sp>
+        <p:nvSpPr>
+          <p:cNvPr id="5" name="PlaceHolder 1"/>
+          <p:cNvSpPr>
+            <a:spLocks noGrp="1"/>
+          </p:cNvSpPr>
+          <p:nvPr>
+            <p:ph type="title"/>
+          </p:nvPr>
+        </p:nvSpPr>
+        <p:spPr>
+          <a:xfrm>
+            <a:off x="504000" y="226080"/>
+            <a:ext cx="9071280" cy="946080"/>
+          </a:xfrm>
+          <a:prstGeom prst="rect">
+            <a:avLst/>
+          </a:prstGeom>
+        </p:spPr>
+        <p:txBody>
+          <a:bodyPr lIns="0" tIns="0" rIns="0" bIns="0" anchor="ctr">
+            <a:noAutofit/>
+          </a:bodyPr>
+          <a:lstStyle/>
+          <a:p>
+            <a:r>
+              <a:rPr lang="en-US" sz="1800" b="0" strike="noStrike" spc="-1">
+                <a:latin typeface="Arial"/>
+              </a:rPr>
+              <a:t>Click to edit the title text format</a:t>
+            </a:r>
+          </a:p>
+        </p:txBody>
+      </p:sp>
+      <p:sp>
+        <p:nvSpPr>
+          <p:cNvPr id="6" name="PlaceHolder 2"/>
+          <p:cNvSpPr>
+            <a:spLocks noGrp="1"/>
+          </p:cNvSpPr>
+          <p:nvPr>
+            <p:ph type="ftr"/>
+          </p:nvPr>
+        </p:nvSpPr>
+        <p:spPr>
+          <a:xfrm>
+            <a:off x="3447360" y="5165280"/>
+            <a:ext cx="3194640" cy="390240"/>
+          </a:xfrm>
+          <a:prstGeom prst="rect">
+            <a:avLst/>
+          </a:prstGeom>
+        </p:spPr>
+        <p:txBody>
+          <a:bodyPr lIns="0" tIns="0" rIns="0" bIns="0">
+            <a:noAutofit/>
+          </a:bodyPr>
+          <a:lstStyle/>
+          <a:p>
+            <a:pPr algn="ctr">
+              <a:lnSpc>
+                <a:spcPct val="100000"/>
+              </a:lnSpc>
+            </a:pPr>
+            <a:r>
+              <a:rPr lang="en-US" sz="1400" b="0" strike="noStrike" spc="-1">
+                <a:latin typeface="Times New Roman"/>
+              </a:rPr>
+              <a:t>Footer</a:t>
+            </a:r>
+          </a:p>
+        </p:txBody>
+      </p:sp>
+      <p:sp>
+        <p:nvSpPr>
+          <p:cNvPr id="2" name="PlaceHolder 3"/>
+          <p:cNvSpPr>
+            <a:spLocks noGrp="1"/>
+          </p:cNvSpPr>
+          <p:nvPr>
+            <p:ph type="sldNum"/>
+          </p:nvPr>
+        </p:nvSpPr>
+        <p:spPr>
+          <a:xfrm>
+            <a:off x="7227360" y="5165280"/>
+            <a:ext cx="2347920" cy="390240"/>
+          </a:xfrm>
+          <a:prstGeom prst="rect">
+            <a:avLst/>
+          </a:prstGeom>
+        </p:spPr>
+        <p:txBody>
+          <a:bodyPr lIns="0" tIns="0" rIns="0" bIns="0">
+            <a:noAutofit/>
+          </a:bodyPr>
+          <a:lstStyle/>
+          <a:p>
+            <a:pPr algn="r">
+              <a:lnSpc>
+                <a:spcPct val="100000"/>
+              </a:lnSpc>
+            </a:pPr>
+            <a:fld id="{EA1DCFB0-81DA-48D8-ADE2-05E8F967BDD6}" type="slidenum">
+              <a:rPr lang="en-US" sz="1400" b="0" strike="noStrike" spc="-1">
+                <a:latin typeface="Times New Roman"/>
+              </a:rPr>
+              <a:t>‹#›</a:t>
+            </a:fld>
+            <a:endParaRPr lang="en-US" sz="1400" b="0" strike="noStrike" spc="-1">
+              <a:latin typeface="Times New Roman"/>
+            </a:endParaRPr>
+          </a:p>
+        </p:txBody>
+      </p:sp>
+      <p:sp>
+        <p:nvSpPr>
+          <p:cNvPr id="3" name="PlaceHolder 4"/>
+          <p:cNvSpPr>
+            <a:spLocks noGrp="1"/>
+          </p:cNvSpPr>
+          <p:nvPr>
+            <p:ph type="dt"/>
+          </p:nvPr>
+        </p:nvSpPr>
+        <p:spPr>
+          <a:xfrm>
+            <a:off x="504000" y="5165280"/>
+            <a:ext cx="2347920" cy="390240"/>
+          </a:xfrm>
+          <a:prstGeom prst="rect">
+            <a:avLst/>
+          </a:prstGeom>
+        </p:spPr>
+        <p:txBody>
+          <a:bodyPr lIns="0" tIns="0" rIns="0" bIns="0">
+            <a:noAutofit/>
+          </a:bodyPr>
+          <a:lstStyle/>
+          <a:p>
+            <a:endParaRPr lang="en-US" sz="2400" b="0" strike="noStrike" spc="-1">
+              <a:latin typeface="Times New Roman"/>
+            </a:endParaRPr>
+          </a:p>
+        </p:txBody>
+      </p:sp>
+      <p:sp>
+        <p:nvSpPr>
+          <p:cNvPr id="4" name="PlaceHolder 5"/>
+          <p:cNvSpPr>
+            <a:spLocks noGrp="1"/>
+          </p:cNvSpPr>
+          <p:nvPr>
+            <p:ph type="body"/>
+          </p:nvPr>
+        </p:nvSpPr>
+        <p:spPr>
+          <a:xfrm>
+            <a:off x="504000" y="1326600"/>
+            <a:ext cx="9072000" cy="3288600"/>
+          </a:xfrm>
+          <a:prstGeom prst="rect">
+            <a:avLst/>
+          </a:prstGeom>
+        </p:spPr>
+        <p:txBody>
+          <a:bodyPr lIns="0" tIns="0" rIns="0" bIns="0">
+            <a:normAutofit/>
+          </a:bodyPr>
+          <a:lstStyle/>
+          <a:p>
+            <a:pPr marL="432000" indent="-324000">
+              <a:spcBef>
+                <a:spcPts val="1417"/>
+              </a:spcBef>
+              <a:buClr>
+                <a:srgbClr val="000000"/>
+              </a:buClr>
+              <a:buSzPct val="45000"/>
+              <a:buFont typeface="Wingdings" charset="2"/>
+              <a:buChar char=""/>
+            </a:pPr>
+            <a:r>
+              <a:rPr lang="en-US" sz="3200" b="0" strike="noStrike" spc="-1">
+                <a:latin typeface="Arial"/>
+              </a:rPr>
+              <a:t>Click to edit the outline text format</a:t>
+            </a:r>
+          </a:p>
+          <a:p>
+            <a:pPr marL="864000" lvl="1" indent="-324000">
+              <a:spcBef>
+                <a:spcPts val="1134"/>
+              </a:spcBef>
+              <a:buClr>
+                <a:srgbClr val="000000"/>
+              </a:buClr>
+              <a:buSzPct val="75000"/>
+              <a:buFont typeface="Symbol" charset="2"/>
+              <a:buChar char=""/>
+            </a:pPr>
+            <a:r>
+              <a:rPr lang="en-US" sz="2800" b="0" strike="noStrike" spc="-1">
+                <a:latin typeface="Arial"/>
+              </a:rPr>
+              <a:t>Second Outline Level</a:t>
+            </a:r>
+          </a:p>
+          <a:p>
+            <a:pPr marL="1296000" lvl="2" indent="-288000">
+              <a:spcBef>
+                <a:spcPts val="850"/>
+              </a:spcBef>
+              <a:buClr>
+                <a:srgbClr val="000000"/>
+              </a:buClr>
+              <a:buSzPct val="45000"/>
+              <a:buFont typeface="Wingdings" charset="2"/>
+              <a:buChar char=""/>
+            </a:pPr>
+            <a:r>
+              <a:rPr lang="en-US" sz="2400" b="0" strike="noStrike" spc="-1">
+                <a:latin typeface="Arial"/>
+              </a:rPr>
+              <a:t>Third Outline Level</a:t>
+            </a:r>
+          </a:p>
+          <a:p>
+            <a:pPr marL="1728000" lvl="3" indent="-216000">
+              <a:spcBef>
+                <a:spcPts val="567"/>
+              </a:spcBef>
+              <a:buClr>
+                <a:srgbClr val="000000"/>
+              </a:buClr>
+              <a:buSzPct val="75000"/>
+              <a:buFont typeface="Symbol" charset="2"/>
+              <a:buChar char=""/>
+            </a:pPr>
+            <a:r>
+              <a:rPr lang="en-US" sz="2000" b="0" strike="noStrike" spc="-1">
+                <a:latin typeface="Arial"/>
+              </a:rPr>
+              <a:t>Fourth Outline Level</a:t>
+            </a:r>
+          </a:p>
+          <a:p>
+            <a:pPr marL="2160000" lvl="4" indent="-216000">
+              <a:spcBef>
+                <a:spcPts val="283"/>
+              </a:spcBef>
+              <a:buClr>
+                <a:srgbClr val="000000"/>
+              </a:buClr>
+              <a:buSzPct val="45000"/>
+              <a:buFont typeface="Wingdings" charset="2"/>
+              <a:buChar char=""/>
+            </a:pPr>
+            <a:r>
+              <a:rPr lang="en-US" sz="2000" b="0" strike="noStrike" spc="-1">
+                <a:latin typeface="Arial"/>
+              </a:rPr>
+              <a:t>Fifth Outline Level</a:t>
+            </a:r>
+          </a:p>
+          <a:p>
+            <a:pPr marL="2592000" lvl="5" indent="-216000">
+              <a:spcBef>
+                <a:spcPts val="283"/>
+              </a:spcBef>
+              <a:buClr>
+                <a:srgbClr val="000000"/>
+              </a:buClr>
+              <a:buSzPct val="45000"/>
+              <a:buFont typeface="Wingdings" charset="2"/>
+              <a:buChar char=""/>
+            </a:pPr>
+            <a:r>
+              <a:rPr lang="en-US" sz="2000" b="0" strike="noStrike" spc="-1">
+                <a:latin typeface="Arial"/>
+              </a:rPr>
+              <a:t>Sixth Outline Level</a:t>
+            </a:r>
+          </a:p>
+          <a:p>
+            <a:pPr marL="3024000" lvl="6" indent="-216000">
+              <a:spcBef>
+                <a:spcPts val="283"/>
+              </a:spcBef>
+              <a:buClr>
+                <a:srgbClr val="000000"/>
+              </a:buClr>
+              <a:buSzPct val="45000"/>
+              <a:buFont typeface="Wingdings" charset="2"/>
+              <a:buChar char=""/>
+            </a:pPr>
+            <a:r>
+              <a:rPr lang="en-US" sz="2000" b="0" strike="noStrike" spc="-1">
+                <a:latin typeface="Arial"/>
+              </a:rPr>
+              <a:t>Seventh Outline Level</a:t>
+            </a:r>
+          </a:p>
+        </p:txBody>
+      </p:sp>
+    </p:spTree>
+  </p:cSld>
+  <p:clrMap bg1="lt1" tx1="dk1" bg2="lt2" tx2="dk2" accent1="accent1" accent2="accent2" accent3="accent3" accent4="accent4" accent5="accent5" accent6="accent6" hlink="hlink" folHlink="folHlink"/>
+  <p:sldLayoutIdLst>
+    <p:sldLayoutId id="2147483649" r:id="rId1"/>
+    <p:sldLayoutId id="2147483650" r:id="rId2"/>
+    <p:sldLayoutId id="2147483651" r:id="rId3"/>
+    <p:sldLayoutId id="2147483652" r:id="rId4"/>
+    <p:sldLayoutId id="2147483653" r:id="rId5"/>
+    <p:sldLayoutId id="2147483654" r:id="rId6"/>
+    <p:sldLayoutId id="2147483655" r:id="rId7"/>
+    <p:sldLayoutId id="2147483656" r:id="rId8"/>
+    <p:sldLayoutId id="2147483657" r:id="rId9"/>
+    <p:sldLayoutId id="2147483658" r:id="rId10"/>
+    <p:sldLayoutId id="2147483659" r:id="rId11"/>
+    <p:sldLayoutId id="2147483660" r:id="rId12"/>
+  </p:sldLayoutIdLst>
+  <p:txStyles>
+    <p:titleStyle>
+      <a:lvl1pPr algn="l" defTabSz="914400" rtl="0" eaLnBrk="1" latinLnBrk="0" hangingPunct="1">
+        <a:lnSpc>
+          <a:spcPct val="90000"/>
+        </a:lnSpc>
+        <a:spcBef>
+          <a:spcPct val="0"/>
+        </a:spcBef>
+        <a:buNone/>
+        <a:defRPr sz="4400" kern="1200">
+          <a:solidFill>
+            <a:schemeClr val="tx1"/>
+          </a:solidFill>
+          <a:latin typeface="+mj-lt"/>
+          <a:ea typeface="+mj-ea"/>
+          <a:cs typeface="+mj-cs"/>
+        </a:defRPr>
+      </a:lvl1pPr>
+    </p:titleStyle>
+    <p:bodyStyle>
+      <a:lvl1pPr marL="228600" indent="-228600" algn="l" defTabSz="914400" rtl="0" eaLnBrk="1" latinLnBrk="0" hangingPunct="1">
+        <a:lnSpc>
+          <a:spcPct val="90000"/>
+        </a:lnSpc>
+        <a:spcBef>
+          <a:spcPts val="1000"/>
+        </a:spcBef>
+        <a:buFont typeface="Arial" panose="020B0604020202020204" pitchFamily="34" charset="0"/>
+        <a:buChar char="•"/>
+        <a:defRPr sz="2800" kern="1200">
+          <a:solidFill>
+            <a:schemeClr val="tx1"/>
+          </a:solidFill>
+          <a:latin typeface="+mn-lt"/>
+          <a:ea typeface="+mn-ea"/>
+          <a:cs typeface="+mn-cs"/>
+        </a:defRPr>
+      </a:lvl1pPr>
+      <a:lvl2pPr marL="685800" indent="-228600" algn="l" defTabSz="914400" rtl="0" eaLnBrk="1" latinLnBrk="0" hangingPunct="1">
+        <a:lnSpc>
+          <a:spcPct val="90000"/>
+        </a:lnSpc>
+        <a:spcBef>
+          <a:spcPts val="500"/>
+        </a:spcBef>
+        <a:buFont typeface="Arial" panose="020B0604020202020204" pitchFamily="34" charset="0"/>
+        <a:buChar char="•"/>
+        <a:defRPr sz="2400" kern="1200">
+          <a:solidFill>
+            <a:schemeClr val="tx1"/>
+          </a:solidFill>
+          <a:latin typeface="+mn-lt"/>
+          <a:ea typeface="+mn-ea"/>
+          <a:cs typeface="+mn-cs"/>
+        </a:defRPr>
+      </a:lvl2pPr>
+      <a:lvl3pPr marL="1143000" indent="-228600" algn="l" defTabSz="914400" rtl="0" eaLnBrk="1" latinLnBrk="0" hangingPunct="1">
+        <a:lnSpc>
+          <a:spcPct val="90000"/>
+        </a:lnSpc>
+        <a:spcBef>
+          <a:spcPts val="500"/>
+        </a:spcBef>
+        <a:buFont typeface="Arial" panose="020B0604020202020204" pitchFamily="34" charset="0"/>
+        <a:buChar char="•"/>
+        <a:defRPr sz="2000" kern="1200">
+          <a:solidFill>
+            <a:schemeClr val="tx1"/>
+          </a:solidFill>
+          <a:latin typeface="+mn-lt"/>
+          <a:ea typeface="+mn-ea"/>
+          <a:cs typeface="+mn-cs"/>
+        </a:defRPr>
+      </a:lvl3pPr>
+      <a:lvl4pPr marL="1600200" indent="-228600" algn="l" defTabSz="914400" rtl="0" eaLnBrk="1" latinLnBrk="0" hangingPunct="1">
+        <a:lnSpc>
+          <a:spcPct val="90000"/>
+        </a:lnSpc>
+        <a:spcBef>
+          <a:spcPts val="500"/>
+        </a:spcBef>
+        <a:buFont typeface="Arial" panose="020B0604020202020204" pitchFamily="34" charset="0"/>
+        <a:buChar char="•"/>
+        <a:defRPr sz="1800" kern="1200">
+          <a:solidFill>
+            <a:schemeClr val="tx1"/>
+          </a:solidFill>
+          <a:latin typeface="+mn-lt"/>
+          <a:ea typeface="+mn-ea"/>
+          <a:cs typeface="+mn-cs"/>
+        </a:defRPr>
+      </a:lvl4pPr>
+      <a:lvl5pPr marL="2057400" indent="-228600" algn="l" defTabSz="914400" rtl="0" eaLnBrk="1" latinLnBrk="0" hangingPunct="1">
+        <a:lnSpc>
+          <a:spcPct val="90000"/>
+        </a:lnSpc>
+        <a:spcBef>
+          <a:spcPts val="500"/>
+        </a:spcBef>
+        <a:buFont typeface="Arial" panose="020B0604020202020204" pitchFamily="34" charset="0"/>
+        <a:buChar char="•"/>
+        <a:defRPr sz="1800" kern="1200">
+          <a:solidFill>
+            <a:schemeClr val="tx1"/>
+          </a:solidFill>
+          <a:latin typeface="+mn-lt"/>
+          <a:ea typeface="+mn-ea"/>
+          <a:cs typeface="+mn-cs"/>
+        </a:defRPr>
+      </a:lvl5pPr>
+      <a:lvl6pPr marL="2514600" indent="-228600" algn="l" defTabSz="914400" rtl="0" eaLnBrk="1" latinLnBrk="0" hangingPunct="1">
+        <a:lnSpc>
+          <a:spcPct val="90000"/>
+        </a:lnSpc>
+        <a:spcBef>
+          <a:spcPts val="500"/>
+        </a:spcBef>
+        <a:buFont typeface="Arial" panose="020B0604020202020204" pitchFamily="34" charset="0"/>
+        <a:buChar char="•"/>
+        <a:defRPr sz="1800" kern="1200">
+          <a:solidFill>
+            <a:schemeClr val="tx1"/>
+          </a:solidFill>
+          <a:latin typeface="+mn-lt"/>
+          <a:ea typeface="+mn-ea"/>
+          <a:cs typeface="+mn-cs"/>
+        </a:defRPr>
+      </a:lvl6pPr>
+      <a:lvl7pPr marL="2971800" indent="-228600" algn="l" defTabSz="914400" rtl="0" eaLnBrk="1" latinLnBrk="0" hangingPunct="1">
+        <a:lnSpc>
+          <a:spcPct val="90000"/>
+        </a:lnSpc>
+        <a:spcBef>
+          <a:spcPts val="500"/>
+        </a:spcBef>
+        <a:buFont typeface="Arial" panose="020B0604020202020204" pitchFamily="34" charset="0"/>
+        <a:buChar char="•"/>
+        <a:defRPr sz="1800" kern="1200">
+          <a:solidFill>
+            <a:schemeClr val="tx1"/>
+          </a:solidFill>
+          <a:latin typeface="+mn-lt"/>
+          <a:ea typeface="+mn-ea"/>
+          <a:cs typeface="+mn-cs"/>
+        </a:defRPr>
+      </a:lvl7pPr>
+      <a:lvl8pPr marL="3429000" indent="-228600" algn="l" defTabSz="914400" rtl="0" eaLnBrk="1" latinLnBrk="0" hangingPunct="1">
+        <a:lnSpc>
+          <a:spcPct val="90000"/>
+        </a:lnSpc>
+        <a:spcBef>
+          <a:spcPts val="500"/>
+        </a:spcBef>
+        <a:buFont typeface="Arial" panose="020B0604020202020204" pitchFamily="34" charset="0"/>
+        <a:buChar char="•"/>
+        <a:defRPr sz="1800" kern="1200">
+          <a:solidFill>
+            <a:schemeClr val="tx1"/>
+          </a:solidFill>
+          <a:latin typeface="+mn-lt"/>
+          <a:ea typeface="+mn-ea"/>
+          <a:cs typeface="+mn-cs"/>
+        </a:defRPr>
+      </a:lvl8pPr>
+      <a:lvl9pPr marL="3886200" indent="-228600" algn="l" defTabSz="914400" rtl="0" eaLnBrk="1" latinLnBrk="0" hangingPunct="1">
+        <a:lnSpc>
+          <a:spcPct val="90000"/>
+        </a:lnSpc>
+        <a:spcBef>
+          <a:spcPts val="500"/>
+        </a:spcBef>
+        <a:buFont typeface="Arial" panose="020B0604020202020204" pitchFamily="34" charset="0"/>
+        <a:buChar char="•"/>
+        <a:defRPr sz="1800" kern="1200">
+          <a:solidFill>
+            <a:schemeClr val="tx1"/>
+          </a:solidFill>
+          <a:latin typeface="+mn-lt"/>
+          <a:ea typeface="+mn-ea"/>
+          <a:cs typeface="+mn-cs"/>
+        </a:defRPr>
+      </a:lvl9pPr>
+    </p:bodyStyle>
+    <p:otherStyle>
+      <a:defPPr>
+        <a:defRPr lang="en-US"/>
+      </a:defPPr>
+      <a:lvl1pPr marL="0" algn="l" defTabSz="914400" rtl="0" eaLnBrk="1" latinLnBrk="0" hangingPunct="1">
+        <a:defRPr sz="1800" kern="1200">
+          <a:solidFill>
+            <a:schemeClr val="tx1"/>
+          </a:solidFill>
+          <a:latin typeface="+mn-lt"/>
+          <a:ea typeface="+mn-ea"/>
+          <a:cs typeface="+mn-cs"/>
+        </a:defRPr>
+      </a:lvl1pPr>
+      <a:lvl2pPr marL="457200" algn="l" defTabSz="914400" rtl="0" eaLnBrk="1" latinLnBrk="0" hangingPunct="1">
+        <a:defRPr sz="1800" kern="1200">
+          <a:solidFill>
+            <a:schemeClr val="tx1"/>
+          </a:solidFill>
+          <a:latin typeface="+mn-lt"/>
+          <a:ea typeface="+mn-ea"/>
+          <a:cs typeface="+mn-cs"/>
+        </a:defRPr>
+      </a:lvl2pPr>
+      <a:lvl3pPr marL="914400" algn="l" defTabSz="914400" rtl="0" eaLnBrk="1" latinLnBrk="0" hangingPunct="1">
+        <a:defRPr sz="1800" kern="1200">
+          <a:solidFill>
+            <a:schemeClr val="tx1"/>
+          </a:solidFill>
+          <a:latin typeface="+mn-lt"/>
+          <a:ea typeface="+mn-ea"/>
+          <a:cs typeface="+mn-cs"/>
+        </a:defRPr>
+      </a:lvl3pPr>
+      <a:lvl4pPr marL="1371600" algn="l" defTabSz="914400" rtl="0" eaLnBrk="1" latinLnBrk="0" hangingPunct="1">
+        <a:defRPr sz="1800" kern="1200">
+          <a:solidFill>
+            <a:schemeClr val="tx1"/>
+          </a:solidFill>
+          <a:latin typeface="+mn-lt"/>
+          <a:ea typeface="+mn-ea"/>
+          <a:cs typeface="+mn-cs"/>
+        </a:defRPr>
+      </a:lvl4pPr>
+      <a:lvl5pPr marL="1828800" algn="l" defTabSz="914400" rtl="0" eaLnBrk="1" latinLnBrk="0" hangingPunct="1">
+        <a:defRPr sz="1800" kern="1200">
+          <a:solidFill>
+            <a:schemeClr val="tx1"/>
+          </a:solidFill>
+          <a:latin typeface="+mn-lt"/>
+          <a:ea typeface="+mn-ea"/>
+          <a:cs typeface="+mn-cs"/>
+        </a:defRPr>
+      </a:lvl5pPr>
+      <a:lvl6pPr marL="2286000" algn="l" defTabSz="914400" rtl="0" eaLnBrk="1" latinLnBrk="0" hangingPunct="1">
+        <a:defRPr sz="1800" kern="1200">
+          <a:solidFill>
+            <a:schemeClr val="tx1"/>
+          </a:solidFill>
+          <a:latin typeface="+mn-lt"/>
+          <a:ea typeface="+mn-ea"/>
+          <a:cs typeface="+mn-cs"/>
+        </a:defRPr>
+      </a:lvl6pPr>
+      <a:lvl7pPr marL="2743200" algn="l" defTabSz="914400" rtl="0" eaLnBrk="1" latinLnBrk="0" hangingPunct="1">
+        <a:defRPr sz="1800" kern="1200">
+          <a:solidFill>
+            <a:schemeClr val="tx1"/>
+          </a:solidFill>
+          <a:latin typeface="+mn-lt"/>
+          <a:ea typeface="+mn-ea"/>
+          <a:cs typeface="+mn-cs"/>
+        </a:defRPr>
+      </a:lvl7pPr>
+      <a:lvl8pPr marL="3200400" algn="l" defTabSz="914400" rtl="0" eaLnBrk="1" latinLnBrk="0" hangingPunct="1">
+        <a:defRPr sz="1800" kern="1200">
+          <a:solidFill>
+            <a:schemeClr val="tx1"/>
+          </a:solidFill>
+          <a:latin typeface="+mn-lt"/>
+          <a:ea typeface="+mn-ea"/>
+          <a:cs typeface="+mn-cs"/>
+        </a:defRPr>
+      </a:lvl8pPr>
+      <a:lvl9pPr marL="3657600" algn="l" defTabSz="914400" rtl="0" eaLnBrk="1" latinLnBrk="0" hangingPunct="1">
+        <a:defRPr sz="1800" kern="1200">
+          <a:solidFill>
+            <a:schemeClr val="tx1"/>
+          </a:solidFill>
+          <a:latin typeface="+mn-lt"/>
+          <a:ea typeface="+mn-ea"/>
+          <a:cs typeface="+mn-cs"/>
+        </a:defRPr>
+      </a:lvl9pPr>
+    </p:otherStyle>
+  </p:txStyles>
+</p:sldMaster>
+</file>
+
+<file path=ppt/slideMasters/slideMaster2.xml><?xml version="1.0" encoding="utf-8"?>
+<p:sldMaster xmlns:a="http://schemas.openxmlformats.org/drawingml/2006/main" xmlns:r="http://schemas.openxmlformats.org/officeDocument/2006/relationships" xmlns:p="http://schemas.openxmlformats.org/presentationml/2006/main">
+  <p:cSld>
+    <p:bg>
+      <p:bgRef idx="1001">
+        <a:schemeClr val="bg1"/>
+      </p:bgRef>
+    </p:bg>
+    <p:spTree>
+      <p:nvGrpSpPr>
+        <p:cNvPr id="1" name=""/>
+        <p:cNvGrpSpPr/>
+        <p:nvPr/>
+      </p:nvGrpSpPr>
+      <p:grpSpPr>
+        <a:xfrm>
+          <a:off x="0" y="0"/>
+          <a:ext cx="0" cy="0"/>
+          <a:chOff x="0" y="0"/>
+          <a:chExt cx="0" cy="0"/>
+        </a:xfrm>
+      </p:grpSpPr>
+      <p:sp>
+        <p:nvSpPr>
+          <p:cNvPr id="41" name="PlaceHolder 1"/>
+          <p:cNvSpPr>
+            <a:spLocks noGrp="1"/>
+          </p:cNvSpPr>
+          <p:nvPr>
+            <p:ph type="title"/>
+          </p:nvPr>
+        </p:nvSpPr>
+        <p:spPr>
+          <a:xfrm>
+            <a:off x="504000" y="226080"/>
+            <a:ext cx="9071280" cy="946080"/>
+          </a:xfrm>
+          <a:prstGeom prst="rect">
+            <a:avLst/>
+          </a:prstGeom>
+        </p:spPr>
+        <p:txBody>
+          <a:bodyPr lIns="0" tIns="0" rIns="0" bIns="0" anchor="ctr">
+            <a:noAutofit/>
+          </a:bodyPr>
+          <a:lstStyle/>
+          <a:p>
+            <a:r>
+              <a:rPr lang="en-US" sz="1800" b="0" strike="noStrike" spc="-1">
+                <a:latin typeface="Arial"/>
+              </a:rPr>
+              <a:t>Click to edit the title text format</a:t>
+            </a:r>
+          </a:p>
+        </p:txBody>
+      </p:sp>
+      <p:sp>
+        <p:nvSpPr>
+          <p:cNvPr id="42" name="PlaceHolder 2"/>
+          <p:cNvSpPr>
+            <a:spLocks noGrp="1"/>
+          </p:cNvSpPr>
+          <p:nvPr>
+            <p:ph type="body"/>
+          </p:nvPr>
+        </p:nvSpPr>
+        <p:spPr>
+          <a:xfrm>
+            <a:off x="504000" y="1326600"/>
+            <a:ext cx="9071280" cy="3287880"/>
+          </a:xfrm>
+          <a:prstGeom prst="rect">
+            <a:avLst/>
+          </a:prstGeom>
+        </p:spPr>
+        <p:txBody>
+          <a:bodyPr lIns="0" tIns="0" rIns="0" bIns="0">
+            <a:normAutofit/>
+          </a:bodyPr>
+          <a:lstStyle/>
+          <a:p>
+            <a:pPr marL="432000" indent="-324000">
+              <a:spcBef>
+                <a:spcPts val="1417"/>
+              </a:spcBef>
+              <a:buClr>
+                <a:srgbClr val="000000"/>
+              </a:buClr>
+              <a:buSzPct val="45000"/>
+              <a:buFont typeface="Wingdings" charset="2"/>
+              <a:buChar char=""/>
+            </a:pPr>
+            <a:r>
+              <a:rPr lang="en-US" sz="1800" b="0" strike="noStrike" spc="-1">
+                <a:latin typeface="Arial"/>
+              </a:rPr>
+              <a:t>Click to edit the outline text format</a:t>
+            </a:r>
+          </a:p>
+          <a:p>
+            <a:pPr marL="864000" lvl="1" indent="-324000">
+              <a:spcBef>
+                <a:spcPts val="1134"/>
+              </a:spcBef>
+              <a:buClr>
+                <a:srgbClr val="000000"/>
+              </a:buClr>
+              <a:buSzPct val="75000"/>
+              <a:buFont typeface="Symbol" charset="2"/>
+              <a:buChar char=""/>
+            </a:pPr>
+            <a:r>
+              <a:rPr lang="en-US" sz="1800" b="0" strike="noStrike" spc="-1">
+                <a:latin typeface="Arial"/>
+              </a:rPr>
+              <a:t>Second Outline Level</a:t>
+            </a:r>
+          </a:p>
+          <a:p>
+            <a:pPr marL="1296000" lvl="2" indent="-288000">
+              <a:spcBef>
+                <a:spcPts val="850"/>
+              </a:spcBef>
+              <a:buClr>
+                <a:srgbClr val="000000"/>
+              </a:buClr>
+              <a:buSzPct val="45000"/>
+              <a:buFont typeface="Wingdings" charset="2"/>
+              <a:buChar char=""/>
+            </a:pPr>
+            <a:r>
+              <a:rPr lang="en-US" sz="1800" b="0" strike="noStrike" spc="-1">
+                <a:latin typeface="Arial"/>
+              </a:rPr>
+              <a:t>Third Outline Level</a:t>
+            </a:r>
+          </a:p>
+          <a:p>
+            <a:pPr marL="1728000" lvl="3" indent="-216000">
+              <a:spcBef>
+                <a:spcPts val="567"/>
+              </a:spcBef>
+              <a:buClr>
+                <a:srgbClr val="000000"/>
+              </a:buClr>
+              <a:buSzPct val="75000"/>
+              <a:buFont typeface="Symbol" charset="2"/>
+              <a:buChar char=""/>
+            </a:pPr>
+            <a:r>
+              <a:rPr lang="en-US" sz="1800" b="0" strike="noStrike" spc="-1">
+                <a:latin typeface="Arial"/>
+              </a:rPr>
+              <a:t>Fourth Outline Level</a:t>
+            </a:r>
+          </a:p>
+          <a:p>
+            <a:pPr marL="2160000" lvl="4" indent="-216000">
+              <a:spcBef>
+                <a:spcPts val="283"/>
+              </a:spcBef>
+              <a:buClr>
+                <a:srgbClr val="000000"/>
+              </a:buClr>
+              <a:buSzPct val="45000"/>
+              <a:buFont typeface="Wingdings" charset="2"/>
+              <a:buChar char=""/>
+            </a:pPr>
+            <a:r>
+              <a:rPr lang="en-US" sz="1800" b="0" strike="noStrike" spc="-1">
+                <a:latin typeface="Arial"/>
+              </a:rPr>
+              <a:t>Fifth Outline Level</a:t>
+            </a:r>
+          </a:p>
+          <a:p>
+            <a:pPr marL="2592000" lvl="5" indent="-216000">
+              <a:spcBef>
+                <a:spcPts val="283"/>
+              </a:spcBef>
+              <a:buClr>
+                <a:srgbClr val="000000"/>
+              </a:buClr>
+              <a:buSzPct val="45000"/>
+              <a:buFont typeface="Wingdings" charset="2"/>
+              <a:buChar char=""/>
+            </a:pPr>
+            <a:r>
+              <a:rPr lang="en-US" sz="1800" b="0" strike="noStrike" spc="-1">
+                <a:latin typeface="Arial"/>
+              </a:rPr>
+              <a:t>Sixth Outline Level</a:t>
+            </a:r>
+          </a:p>
+          <a:p>
+            <a:pPr marL="3024000" lvl="6" indent="-216000">
+              <a:spcBef>
+                <a:spcPts val="283"/>
+              </a:spcBef>
+              <a:buClr>
+                <a:srgbClr val="000000"/>
+              </a:buClr>
+              <a:buSzPct val="45000"/>
+              <a:buFont typeface="Wingdings" charset="2"/>
+              <a:buChar char=""/>
+            </a:pPr>
+            <a:r>
+              <a:rPr lang="en-US" sz="1800" b="0" strike="noStrike" spc="-1">
+                <a:latin typeface="Arial"/>
+              </a:rPr>
+              <a:t>Seventh Outline Level</a:t>
+            </a:r>
+          </a:p>
+        </p:txBody>
+      </p:sp>
+      <p:sp>
+        <p:nvSpPr>
+          <p:cNvPr id="43" name="PlaceHolder 3"/>
+          <p:cNvSpPr>
+            <a:spLocks noGrp="1"/>
+          </p:cNvSpPr>
+          <p:nvPr>
+            <p:ph type="ftr"/>
+          </p:nvPr>
+        </p:nvSpPr>
+        <p:spPr>
+          <a:xfrm>
+            <a:off x="3447360" y="5165280"/>
+            <a:ext cx="3194640" cy="390240"/>
+          </a:xfrm>
+          <a:prstGeom prst="rect">
+            <a:avLst/>
+          </a:prstGeom>
+        </p:spPr>
+        <p:txBody>
+          <a:bodyPr lIns="0" tIns="0" rIns="0" bIns="0">
+            <a:noAutofit/>
+          </a:bodyPr>
+          <a:lstStyle/>
+          <a:p>
+            <a:pPr algn="ctr">
+              <a:lnSpc>
+                <a:spcPct val="100000"/>
+              </a:lnSpc>
+            </a:pPr>
+            <a:r>
+              <a:rPr lang="en-US" sz="1400" b="0" strike="noStrike" spc="-1">
+                <a:latin typeface="Times New Roman"/>
+              </a:rPr>
+              <a:t>Footer</a:t>
+            </a:r>
+          </a:p>
+        </p:txBody>
+      </p:sp>
+      <p:sp>
+        <p:nvSpPr>
+          <p:cNvPr id="44" name="PlaceHolder 4"/>
+          <p:cNvSpPr>
+            <a:spLocks noGrp="1"/>
+          </p:cNvSpPr>
+          <p:nvPr>
+            <p:ph type="sldNum"/>
+          </p:nvPr>
+        </p:nvSpPr>
+        <p:spPr>
+          <a:xfrm>
+            <a:off x="7227360" y="5165280"/>
+            <a:ext cx="2347920" cy="390240"/>
+          </a:xfrm>
+          <a:prstGeom prst="rect">
+            <a:avLst/>
+          </a:prstGeom>
+        </p:spPr>
+        <p:txBody>
+          <a:bodyPr lIns="0" tIns="0" rIns="0" bIns="0">
+            <a:noAutofit/>
+          </a:bodyPr>
+          <a:lstStyle/>
+          <a:p>
+            <a:pPr algn="r">
+              <a:lnSpc>
+                <a:spcPct val="100000"/>
+              </a:lnSpc>
+            </a:pPr>
+            <a:fld id="{3A1C88F3-CFEA-41DC-9B03-28D38053920F}" type="slidenum">
+              <a:rPr lang="en-US" sz="1400" b="0" strike="noStrike" spc="-1">
+                <a:latin typeface="Times New Roman"/>
+              </a:rPr>
+              <a:t>‹#›</a:t>
+            </a:fld>
+            <a:endParaRPr lang="en-US" sz="1400" b="0" strike="noStrike" spc="-1">
+              <a:latin typeface="Times New Roman"/>
+            </a:endParaRPr>
+          </a:p>
+        </p:txBody>
+      </p:sp>
+      <p:sp>
+        <p:nvSpPr>
+          <p:cNvPr id="45" name="PlaceHolder 5"/>
+          <p:cNvSpPr>
+            <a:spLocks noGrp="1"/>
+          </p:cNvSpPr>
+          <p:nvPr>
+            <p:ph type="dt"/>
+          </p:nvPr>
+        </p:nvSpPr>
+        <p:spPr>
+          <a:xfrm>
+            <a:off x="504000" y="5165280"/>
+            <a:ext cx="2347920" cy="390240"/>
+          </a:xfrm>
+          <a:prstGeom prst="rect">
+            <a:avLst/>
+          </a:prstGeom>
+        </p:spPr>
+        <p:txBody>
+          <a:bodyPr lIns="0" tIns="0" rIns="0" bIns="0">
+            <a:noAutofit/>
+          </a:bodyPr>
+          <a:lstStyle/>
+          <a:p>
+            <a:endParaRPr lang="en-US" sz="2400" b="0" strike="noStrike" spc="-1">
+              <a:latin typeface="Times New Roman"/>
+            </a:endParaRPr>
+          </a:p>
+        </p:txBody>
+      </p:sp>
+    </p:spTree>
+  </p:cSld>
+  <p:clrMap bg1="lt1" tx1="dk1" bg2="lt2" tx2="dk2" accent1="accent1" accent2="accent2" accent3="accent3" accent4="accent4" accent5="accent5" accent6="accent6" hlink="hlink" folHlink="folHlink"/>
+  <p:sldLayoutIdLst>
+    <p:sldLayoutId id="2147483662" r:id="rId1"/>
+    <p:sldLayoutId id="2147483663" r:id="rId2"/>
+    <p:sldLayoutId id="2147483664" r:id="rId3"/>
+    <p:sldLayoutId id="2147483665" r:id="rId4"/>
+    <p:sldLayoutId id="2147483666" r:id="rId5"/>
+    <p:sldLayoutId id="2147483667" r:id="rId6"/>
+    <p:sldLayoutId id="2147483668" r:id="rId7"/>
+    <p:sldLayoutId id="2147483669" r:id="rId8"/>
+    <p:sldLayoutId id="2147483670" r:id="rId9"/>
+    <p:sldLayoutId id="2147483671" r:id="rId10"/>
+    <p:sldLayoutId id="2147483672" r:id="rId11"/>
+    <p:sldLayoutId id="2147483673" r:id="rId12"/>
+  </p:sldLayoutIdLst>
+  <p:txStyles>
+    <p:titleStyle>
+      <a:lvl1pPr algn="l" defTabSz="914400" rtl="0" eaLnBrk="1" latinLnBrk="0" hangingPunct="1">
+        <a:lnSpc>
+          <a:spcPct val="90000"/>
+        </a:lnSpc>
+        <a:spcBef>
+          <a:spcPct val="0"/>
+        </a:spcBef>
+        <a:buNone/>
+        <a:defRPr sz="4400" kern="1200">
+          <a:solidFill>
+            <a:schemeClr val="tx1"/>
+          </a:solidFill>
+          <a:latin typeface="+mj-lt"/>
+          <a:ea typeface="+mj-ea"/>
+          <a:cs typeface="+mj-cs"/>
+        </a:defRPr>
+      </a:lvl1pPr>
+    </p:titleStyle>
+    <p:bodyStyle>
+      <a:lvl1pPr marL="228600" indent="-228600" algn="l" defTabSz="914400" rtl="0" eaLnBrk="1" latinLnBrk="0" hangingPunct="1">
+        <a:lnSpc>
+          <a:spcPct val="90000"/>
+        </a:lnSpc>
+        <a:spcBef>
+          <a:spcPts val="1000"/>
+        </a:spcBef>
+        <a:buFont typeface="Arial" panose="020B0604020202020204" pitchFamily="34" charset="0"/>
+        <a:buChar char="•"/>
+        <a:defRPr sz="2800" kern="1200">
+          <a:solidFill>
+            <a:schemeClr val="tx1"/>
+          </a:solidFill>
+          <a:latin typeface="+mn-lt"/>
+          <a:ea typeface="+mn-ea"/>
+          <a:cs typeface="+mn-cs"/>
+        </a:defRPr>
+      </a:lvl1pPr>
+      <a:lvl2pPr marL="685800" indent="-228600" algn="l" defTabSz="914400" rtl="0" eaLnBrk="1" latinLnBrk="0" hangingPunct="1">
+        <a:lnSpc>
+          <a:spcPct val="90000"/>
+        </a:lnSpc>
+        <a:spcBef>
+          <a:spcPts val="500"/>
+        </a:spcBef>
+        <a:buFont typeface="Arial" panose="020B0604020202020204" pitchFamily="34" charset="0"/>
+        <a:buChar char="•"/>
+        <a:defRPr sz="2400" kern="1200">
+          <a:solidFill>
+            <a:schemeClr val="tx1"/>
+          </a:solidFill>
+          <a:latin typeface="+mn-lt"/>
+          <a:ea typeface="+mn-ea"/>
+          <a:cs typeface="+mn-cs"/>
+        </a:defRPr>
+      </a:lvl2pPr>
+      <a:lvl3pPr marL="1143000" indent="-228600" algn="l" defTabSz="914400" rtl="0" eaLnBrk="1" latinLnBrk="0" hangingPunct="1">
+        <a:lnSpc>
+          <a:spcPct val="90000"/>
+        </a:lnSpc>
+        <a:spcBef>
+          <a:spcPts val="500"/>
+        </a:spcBef>
+        <a:buFont typeface="Arial" panose="020B0604020202020204" pitchFamily="34" charset="0"/>
+        <a:buChar char="•"/>
+        <a:defRPr sz="2000" kern="1200">
+          <a:solidFill>
+            <a:schemeClr val="tx1"/>
+          </a:solidFill>
+          <a:latin typeface="+mn-lt"/>
+          <a:ea typeface="+mn-ea"/>
+          <a:cs typeface="+mn-cs"/>
+        </a:defRPr>
+      </a:lvl3pPr>
+      <a:lvl4pPr marL="1600200" indent="-228600" algn="l" defTabSz="914400" rtl="0" eaLnBrk="1" latinLnBrk="0" hangingPunct="1">
+        <a:lnSpc>
+          <a:spcPct val="90000"/>
+        </a:lnSpc>
+        <a:spcBef>
+          <a:spcPts val="500"/>
+        </a:spcBef>
+        <a:buFont typeface="Arial" panose="020B0604020202020204" pitchFamily="34" charset="0"/>
+        <a:buChar char="•"/>
+        <a:defRPr sz="1800" kern="1200">
+          <a:solidFill>
+            <a:schemeClr val="tx1"/>
+          </a:solidFill>
+          <a:latin typeface="+mn-lt"/>
+          <a:ea typeface="+mn-ea"/>
+          <a:cs typeface="+mn-cs"/>
+        </a:defRPr>
+      </a:lvl4pPr>
+      <a:lvl5pPr marL="2057400" indent="-228600" algn="l" defTabSz="914400" rtl="0" eaLnBrk="1" latinLnBrk="0" hangingPunct="1">
+        <a:lnSpc>
+          <a:spcPct val="90000"/>
+        </a:lnSpc>
+        <a:spcBef>
+          <a:spcPts val="500"/>
+        </a:spcBef>
+        <a:buFont typeface="Arial" panose="020B0604020202020204" pitchFamily="34" charset="0"/>
+        <a:buChar char="•"/>
+        <a:defRPr sz="1800" kern="1200">
+          <a:solidFill>
+            <a:schemeClr val="tx1"/>
+          </a:solidFill>
+          <a:latin typeface="+mn-lt"/>
+          <a:ea typeface="+mn-ea"/>
+          <a:cs typeface="+mn-cs"/>
+        </a:defRPr>
+      </a:lvl5pPr>
+      <a:lvl6pPr marL="2514600" indent="-228600" algn="l" defTabSz="914400" rtl="0" eaLnBrk="1" latinLnBrk="0" hangingPunct="1">
+        <a:lnSpc>
+          <a:spcPct val="90000"/>
+        </a:lnSpc>
+        <a:spcBef>
+          <a:spcPts val="500"/>
+        </a:spcBef>
+        <a:buFont typeface="Arial" panose="020B0604020202020204" pitchFamily="34" charset="0"/>
+        <a:buChar char="•"/>
+        <a:defRPr sz="1800" kern="1200">
+          <a:solidFill>
+            <a:schemeClr val="tx1"/>
+          </a:solidFill>
+          <a:latin typeface="+mn-lt"/>
+          <a:ea typeface="+mn-ea"/>
+          <a:cs typeface="+mn-cs"/>
+        </a:defRPr>
+      </a:lvl6pPr>
+      <a:lvl7pPr marL="2971800" indent="-228600" algn="l" defTabSz="914400" rtl="0" eaLnBrk="1" latinLnBrk="0" hangingPunct="1">
+        <a:lnSpc>
+          <a:spcPct val="90000"/>
+        </a:lnSpc>
+        <a:spcBef>
+          <a:spcPts val="500"/>
+        </a:spcBef>
+        <a:buFont typeface="Arial" panose="020B0604020202020204" pitchFamily="34" charset="0"/>
+        <a:buChar char="•"/>
+        <a:defRPr sz="1800" kern="1200">
+          <a:solidFill>
+            <a:schemeClr val="tx1"/>
+          </a:solidFill>
+          <a:latin typeface="+mn-lt"/>
+          <a:ea typeface="+mn-ea"/>
+          <a:cs typeface="+mn-cs"/>
+        </a:defRPr>
+      </a:lvl7pPr>
+      <a:lvl8pPr marL="3429000" indent="-228600" algn="l" defTabSz="914400" rtl="0" eaLnBrk="1" latinLnBrk="0" hangingPunct="1">
+        <a:lnSpc>
+          <a:spcPct val="90000"/>
+        </a:lnSpc>
+        <a:spcBef>
+          <a:spcPts val="500"/>
+        </a:spcBef>
+        <a:buFont typeface="Arial" panose="020B0604020202020204" pitchFamily="34" charset="0"/>
+        <a:buChar char="•"/>
+        <a:defRPr sz="1800" kern="1200">
+          <a:solidFill>
+            <a:schemeClr val="tx1"/>
+          </a:solidFill>
+          <a:latin typeface="+mn-lt"/>
+          <a:ea typeface="+mn-ea"/>
+          <a:cs typeface="+mn-cs"/>
+        </a:defRPr>
+      </a:lvl8pPr>
+      <a:lvl9pPr marL="3886200" indent="-228600" algn="l" defTabSz="914400" rtl="0" eaLnBrk="1" latinLnBrk="0" hangingPunct="1">
+        <a:lnSpc>
+          <a:spcPct val="90000"/>
+        </a:lnSpc>
+        <a:spcBef>
+          <a:spcPts val="500"/>
+        </a:spcBef>
+        <a:buFont typeface="Arial" panose="020B0604020202020204" pitchFamily="34" charset="0"/>
+        <a:buChar char="•"/>
+        <a:defRPr sz="1800" kern="1200">
+          <a:solidFill>
+            <a:schemeClr val="tx1"/>
+          </a:solidFill>
+          <a:latin typeface="+mn-lt"/>
+          <a:ea typeface="+mn-ea"/>
+          <a:cs typeface="+mn-cs"/>
+        </a:defRPr>
+      </a:lvl9pPr>
+    </p:bodyStyle>
+    <p:otherStyle>
+      <a:defPPr>
+        <a:defRPr lang="en-US"/>
+      </a:defPPr>
+      <a:lvl1pPr marL="0" algn="l" defTabSz="914400" rtl="0" eaLnBrk="1" latinLnBrk="0" hangingPunct="1">
+        <a:defRPr sz="1800" kern="1200">
+          <a:solidFill>
+            <a:schemeClr val="tx1"/>
+          </a:solidFill>
+          <a:latin typeface="+mn-lt"/>
+          <a:ea typeface="+mn-ea"/>
+          <a:cs typeface="+mn-cs"/>
+        </a:defRPr>
+      </a:lvl1pPr>
+      <a:lvl2pPr marL="457200" algn="l" defTabSz="914400" rtl="0" eaLnBrk="1" latinLnBrk="0" hangingPunct="1">
+        <a:defRPr sz="1800" kern="1200">
+          <a:solidFill>
+            <a:schemeClr val="tx1"/>
+          </a:solidFill>
+          <a:latin typeface="+mn-lt"/>
+          <a:ea typeface="+mn-ea"/>
+          <a:cs typeface="+mn-cs"/>
+        </a:defRPr>
+      </a:lvl2pPr>
+      <a:lvl3pPr marL="914400" algn="l" defTabSz="914400" rtl="0" eaLnBrk="1" latinLnBrk="0" hangingPunct="1">
+        <a:defRPr sz="1800" kern="1200">
+          <a:solidFill>
+            <a:schemeClr val="tx1"/>
+          </a:solidFill>
+          <a:latin typeface="+mn-lt"/>
+          <a:ea typeface="+mn-ea"/>
+          <a:cs typeface="+mn-cs"/>
+        </a:defRPr>
+      </a:lvl3pPr>
+      <a:lvl4pPr marL="1371600" algn="l" defTabSz="914400" rtl="0" eaLnBrk="1" latinLnBrk="0" hangingPunct="1">
+        <a:defRPr sz="1800" kern="1200">
+          <a:solidFill>
+            <a:schemeClr val="tx1"/>
+          </a:solidFill>
+          <a:latin typeface="+mn-lt"/>
+          <a:ea typeface="+mn-ea"/>
+          <a:cs typeface="+mn-cs"/>
+        </a:defRPr>
+      </a:lvl4pPr>
+      <a:lvl5pPr marL="1828800" algn="l" defTabSz="914400" rtl="0" eaLnBrk="1" latinLnBrk="0" hangingPunct="1">
+        <a:defRPr sz="1800" kern="1200">
+          <a:solidFill>
+            <a:schemeClr val="tx1"/>
+          </a:solidFill>
+          <a:latin typeface="+mn-lt"/>
+          <a:ea typeface="+mn-ea"/>
+          <a:cs typeface="+mn-cs"/>
+        </a:defRPr>
+      </a:lvl5pPr>
+      <a:lvl6pPr marL="2286000" algn="l" defTabSz="914400" rtl="0" eaLnBrk="1" latinLnBrk="0" hangingPunct="1">
+        <a:defRPr sz="1800" kern="1200">
+          <a:solidFill>
+            <a:schemeClr val="tx1"/>
+          </a:solidFill>
+          <a:latin typeface="+mn-lt"/>
+          <a:ea typeface="+mn-ea"/>
+          <a:cs typeface="+mn-cs"/>
+        </a:defRPr>
+      </a:lvl6pPr>
+      <a:lvl7pPr marL="2743200" algn="l" defTabSz="914400" rtl="0" eaLnBrk="1" latinLnBrk="0" hangingPunct="1">
+        <a:defRPr sz="1800" kern="1200">
+          <a:solidFill>
+            <a:schemeClr val="tx1"/>
+          </a:solidFill>
+          <a:latin typeface="+mn-lt"/>
+          <a:ea typeface="+mn-ea"/>
+          <a:cs typeface="+mn-cs"/>
+        </a:defRPr>
+      </a:lvl7pPr>
+      <a:lvl8pPr marL="3200400" algn="l" defTabSz="914400" rtl="0" eaLnBrk="1" latinLnBrk="0" hangingPunct="1">
+        <a:defRPr sz="1800" kern="1200">
+          <a:solidFill>
+            <a:schemeClr val="tx1"/>
+          </a:solidFill>
+          <a:latin typeface="+mn-lt"/>
+          <a:ea typeface="+mn-ea"/>
+          <a:cs typeface="+mn-cs"/>
+        </a:defRPr>
+      </a:lvl8pPr>
+      <a:lvl9pPr marL="3657600" algn="l" defTabSz="914400" rtl="0" eaLnBrk="1" latinLnBrk="0" hangingPunct="1">
+        <a:defRPr sz="1800" kern="1200">
+          <a:solidFill>
+            <a:schemeClr val="tx1"/>
+          </a:solidFill>
+          <a:latin typeface="+mn-lt"/>
+          <a:ea typeface="+mn-ea"/>
+          <a:cs typeface="+mn-cs"/>
+        </a:defRPr>
+      </a:lvl9pPr>
+    </p:otherStyle>
+  </p:txStyles>
+</p:sldMaster>
+</file>
+
+<file path=ppt/slides/slide1.xml><?xml version="1.0" encoding="utf-8"?>
+<p:sld xmlns:a="http://schemas.openxmlformats.org/drawingml/2006/main" xmlns:r="http://schemas.openxmlformats.org/officeDocument/2006/relationships" xmlns:p="http://schemas.openxmlformats.org/presentationml/2006/main">
   <p:cSld>
     <p:spTree>
       <p:nvGrpSpPr>
@@ -2773,353 +4266,49 @@
       </p:grpSpPr>
       <p:sp>
         <p:nvSpPr>
-          <p:cNvPr id="0" name="PlaceHolder 1"/>
-          <p:cNvSpPr>
-            <a:spLocks noGrp="1"/>
-          </p:cNvSpPr>
-          <p:nvPr>
-            <p:ph type="title"/>
-          </p:nvPr>
+          <p:cNvPr id="82" name="TextShape 1"/>
+          <p:cNvSpPr txBox="1"/>
+          <p:nvPr/>
         </p:nvSpPr>
         <p:spPr>
           <a:xfrm>
             <a:off x="504000" y="226080"/>
-            <a:ext cx="9071280" cy="946080"/>
-          </a:xfrm>
-          <a:prstGeom prst="rect">
-            <a:avLst/>
-          </a:prstGeom>
-        </p:spPr>
-        <p:txBody>
-          <a:bodyPr lIns="0" rIns="0" tIns="0" bIns="0" anchor="ctr">
+            <a:ext cx="9071280" cy="4386600"/>
+          </a:xfrm>
+          <a:prstGeom prst="rect">
+            <a:avLst/>
+          </a:prstGeom>
+          <a:noFill/>
+          <a:ln>
+            <a:noFill/>
+          </a:ln>
+        </p:spPr>
+        <p:txBody>
+          <a:bodyPr lIns="0" tIns="0" rIns="0" bIns="0" anchor="ctr">
             <a:noAutofit/>
           </a:bodyPr>
-          <a:p>
-            <a:r>
-              <a:rPr b="0" lang="en-US" sz="1800" spc="-1" strike="noStrike">
-                <a:latin typeface="Arial"/>
-              </a:rPr>
-              <a:t>Click to edit the title text format</a:t>
-            </a:r>
-            <a:endParaRPr b="0" lang="en-US" sz="1800" spc="-1" strike="noStrike">
-              <a:latin typeface="Arial"/>
-            </a:endParaRPr>
-          </a:p>
-        </p:txBody>
-      </p:sp>
-      <p:sp>
-        <p:nvSpPr>
-          <p:cNvPr id="1" name="PlaceHolder 2"/>
-          <p:cNvSpPr>
-            <a:spLocks noGrp="1"/>
-          </p:cNvSpPr>
-          <p:nvPr>
-            <p:ph type="ftr"/>
-          </p:nvPr>
-        </p:nvSpPr>
-        <p:spPr>
-          <a:xfrm>
-            <a:off x="3447360" y="5165280"/>
-            <a:ext cx="3194640" cy="390240"/>
-          </a:xfrm>
-          <a:prstGeom prst="rect">
-            <a:avLst/>
-          </a:prstGeom>
-        </p:spPr>
-        <p:txBody>
-          <a:bodyPr lIns="0" rIns="0" tIns="0" bIns="0">
-            <a:noAutofit/>
-          </a:bodyPr>
-          <a:p>
-            <a:pPr algn="ctr">
-              <a:lnSpc>
-                <a:spcPct val="100000"/>
-              </a:lnSpc>
-            </a:pPr>
-            <a:r>
-              <a:rPr b="0" lang="en-US" sz="1400" spc="-1" strike="noStrike">
-                <a:latin typeface="Times New Roman"/>
-              </a:rPr>
-              <a:t>Footer</a:t>
-            </a:r>
-            <a:endParaRPr b="0" lang="en-US" sz="1400" spc="-1" strike="noStrike">
-              <a:latin typeface="Times New Roman"/>
-            </a:endParaRPr>
-          </a:p>
-        </p:txBody>
-      </p:sp>
-      <p:sp>
-        <p:nvSpPr>
-          <p:cNvPr id="2" name="PlaceHolder 3"/>
-          <p:cNvSpPr>
-            <a:spLocks noGrp="1"/>
-          </p:cNvSpPr>
-          <p:nvPr>
-            <p:ph type="sldNum"/>
-          </p:nvPr>
-        </p:nvSpPr>
-        <p:spPr>
-          <a:xfrm>
-            <a:off x="7227360" y="5165280"/>
-            <a:ext cx="2347920" cy="390240"/>
-          </a:xfrm>
-          <a:prstGeom prst="rect">
-            <a:avLst/>
-          </a:prstGeom>
-        </p:spPr>
-        <p:txBody>
-          <a:bodyPr lIns="0" rIns="0" tIns="0" bIns="0">
-            <a:noAutofit/>
-          </a:bodyPr>
-          <a:p>
-            <a:pPr algn="r">
-              <a:lnSpc>
-                <a:spcPct val="100000"/>
-              </a:lnSpc>
-            </a:pPr>
-            <a:fld id="{EA1DCFB0-81DA-48D8-ADE2-05E8F967BDD6}" type="slidenum">
-              <a:rPr b="0" lang="en-US" sz="1400" spc="-1" strike="noStrike">
-                <a:latin typeface="Times New Roman"/>
-              </a:rPr>
-              <a:t>&lt;number&gt;</a:t>
-            </a:fld>
-            <a:endParaRPr b="0" lang="en-US" sz="1400" spc="-1" strike="noStrike">
-              <a:latin typeface="Times New Roman"/>
-            </a:endParaRPr>
-          </a:p>
-        </p:txBody>
-      </p:sp>
-      <p:sp>
-        <p:nvSpPr>
-          <p:cNvPr id="3" name="PlaceHolder 4"/>
-          <p:cNvSpPr>
-            <a:spLocks noGrp="1"/>
-          </p:cNvSpPr>
-          <p:nvPr>
-            <p:ph type="dt"/>
-          </p:nvPr>
-        </p:nvSpPr>
-        <p:spPr>
-          <a:xfrm>
-            <a:off x="504000" y="5165280"/>
-            <a:ext cx="2347920" cy="390240"/>
-          </a:xfrm>
-          <a:prstGeom prst="rect">
-            <a:avLst/>
-          </a:prstGeom>
-        </p:spPr>
-        <p:txBody>
-          <a:bodyPr lIns="0" rIns="0" tIns="0" bIns="0">
-            <a:noAutofit/>
-          </a:bodyPr>
-          <a:p>
-            <a:endParaRPr b="0" lang="en-US" sz="2400" spc="-1" strike="noStrike">
-              <a:latin typeface="Times New Roman"/>
-            </a:endParaRPr>
-          </a:p>
-        </p:txBody>
-      </p:sp>
-      <p:sp>
-        <p:nvSpPr>
-          <p:cNvPr id="4" name="PlaceHolder 5"/>
-          <p:cNvSpPr>
-            <a:spLocks noGrp="1"/>
-          </p:cNvSpPr>
-          <p:nvPr>
-            <p:ph type="body"/>
-          </p:nvPr>
-        </p:nvSpPr>
-        <p:spPr>
-          <a:xfrm>
-            <a:off x="504000" y="1326600"/>
-            <a:ext cx="9072000" cy="3288600"/>
-          </a:xfrm>
-          <a:prstGeom prst="rect">
-            <a:avLst/>
-          </a:prstGeom>
-        </p:spPr>
-        <p:txBody>
-          <a:bodyPr lIns="0" rIns="0" tIns="0" bIns="0">
-            <a:normAutofit/>
-          </a:bodyPr>
-          <a:p>
-            <a:pPr marL="432000" indent="-324000">
-              <a:spcBef>
-                <a:spcPts val="1417"/>
-              </a:spcBef>
-              <a:buClr>
-                <a:srgbClr val="000000"/>
-              </a:buClr>
-              <a:buSzPct val="45000"/>
-              <a:buFont typeface="Wingdings" charset="2"/>
-              <a:buChar char=""/>
-            </a:pPr>
-            <a:r>
-              <a:rPr b="0" lang="en-US" sz="3200" spc="-1" strike="noStrike">
-                <a:latin typeface="Arial"/>
-              </a:rPr>
-              <a:t>Click to edit the outline text format</a:t>
-            </a:r>
-            <a:endParaRPr b="0" lang="en-US" sz="3200" spc="-1" strike="noStrike">
-              <a:latin typeface="Arial"/>
-            </a:endParaRPr>
-          </a:p>
-          <a:p>
-            <a:pPr lvl="1" marL="864000" indent="-324000">
-              <a:spcBef>
-                <a:spcPts val="1134"/>
-              </a:spcBef>
-              <a:buClr>
-                <a:srgbClr val="000000"/>
-              </a:buClr>
-              <a:buSzPct val="75000"/>
-              <a:buFont typeface="Symbol" charset="2"/>
-              <a:buChar char=""/>
-            </a:pPr>
-            <a:r>
-              <a:rPr b="0" lang="en-US" sz="2800" spc="-1" strike="noStrike">
-                <a:latin typeface="Arial"/>
-              </a:rPr>
-              <a:t>Second Outline Level</a:t>
-            </a:r>
-            <a:endParaRPr b="0" lang="en-US" sz="2800" spc="-1" strike="noStrike">
-              <a:latin typeface="Arial"/>
-            </a:endParaRPr>
-          </a:p>
-          <a:p>
-            <a:pPr lvl="2" marL="1296000" indent="-288000">
-              <a:spcBef>
-                <a:spcPts val="850"/>
-              </a:spcBef>
-              <a:buClr>
-                <a:srgbClr val="000000"/>
-              </a:buClr>
-              <a:buSzPct val="45000"/>
-              <a:buFont typeface="Wingdings" charset="2"/>
-              <a:buChar char=""/>
-            </a:pPr>
-            <a:r>
-              <a:rPr b="0" lang="en-US" sz="2400" spc="-1" strike="noStrike">
-                <a:latin typeface="Arial"/>
-              </a:rPr>
-              <a:t>Third Outline Level</a:t>
-            </a:r>
-            <a:endParaRPr b="0" lang="en-US" sz="2400" spc="-1" strike="noStrike">
-              <a:latin typeface="Arial"/>
-            </a:endParaRPr>
-          </a:p>
-          <a:p>
-            <a:pPr lvl="3" marL="1728000" indent="-216000">
-              <a:spcBef>
-                <a:spcPts val="567"/>
-              </a:spcBef>
-              <a:buClr>
-                <a:srgbClr val="000000"/>
-              </a:buClr>
-              <a:buSzPct val="75000"/>
-              <a:buFont typeface="Symbol" charset="2"/>
-              <a:buChar char=""/>
-            </a:pPr>
-            <a:r>
-              <a:rPr b="0" lang="en-US" sz="2000" spc="-1" strike="noStrike">
-                <a:latin typeface="Arial"/>
-              </a:rPr>
-              <a:t>Fourth Outline Level</a:t>
-            </a:r>
-            <a:endParaRPr b="0" lang="en-US" sz="2000" spc="-1" strike="noStrike">
-              <a:latin typeface="Arial"/>
-            </a:endParaRPr>
-          </a:p>
-          <a:p>
-            <a:pPr lvl="4" marL="2160000" indent="-216000">
-              <a:spcBef>
-                <a:spcPts val="283"/>
-              </a:spcBef>
-              <a:buClr>
-                <a:srgbClr val="000000"/>
-              </a:buClr>
-              <a:buSzPct val="45000"/>
-              <a:buFont typeface="Wingdings" charset="2"/>
-              <a:buChar char=""/>
-            </a:pPr>
-            <a:r>
-              <a:rPr b="0" lang="en-US" sz="2000" spc="-1" strike="noStrike">
-                <a:latin typeface="Arial"/>
-              </a:rPr>
-              <a:t>Fifth Outline Level</a:t>
-            </a:r>
-            <a:endParaRPr b="0" lang="en-US" sz="2000" spc="-1" strike="noStrike">
-              <a:latin typeface="Arial"/>
-            </a:endParaRPr>
-          </a:p>
-          <a:p>
-            <a:pPr lvl="5" marL="2592000" indent="-216000">
-              <a:spcBef>
-                <a:spcPts val="283"/>
-              </a:spcBef>
-              <a:buClr>
-                <a:srgbClr val="000000"/>
-              </a:buClr>
-              <a:buSzPct val="45000"/>
-              <a:buFont typeface="Wingdings" charset="2"/>
-              <a:buChar char=""/>
-            </a:pPr>
-            <a:r>
-              <a:rPr b="0" lang="en-US" sz="2000" spc="-1" strike="noStrike">
-                <a:latin typeface="Arial"/>
-              </a:rPr>
-              <a:t>Sixth Outline Level</a:t>
-            </a:r>
-            <a:endParaRPr b="0" lang="en-US" sz="2000" spc="-1" strike="noStrike">
-              <a:latin typeface="Arial"/>
-            </a:endParaRPr>
-          </a:p>
-          <a:p>
-            <a:pPr lvl="6" marL="3024000" indent="-216000">
-              <a:spcBef>
-                <a:spcPts val="283"/>
-              </a:spcBef>
-              <a:buClr>
-                <a:srgbClr val="000000"/>
-              </a:buClr>
-              <a:buSzPct val="45000"/>
-              <a:buFont typeface="Wingdings" charset="2"/>
-              <a:buChar char=""/>
-            </a:pPr>
-            <a:r>
-              <a:rPr b="0" lang="en-US" sz="2000" spc="-1" strike="noStrike">
-                <a:latin typeface="Arial"/>
-              </a:rPr>
-              <a:t>Seventh Outline Level</a:t>
-            </a:r>
-            <a:endParaRPr b="0" lang="en-US" sz="2000" spc="-1" strike="noStrike">
-              <a:latin typeface="Arial"/>
-            </a:endParaRPr>
+          <a:lstStyle/>
+          <a:p>
+            <a:pPr algn="ctr"/>
+            <a:r>
+              <a:rPr lang="en-US" sz="3200" b="0" strike="noStrike" spc="-1">
+                <a:latin typeface="Arial"/>
+              </a:rPr>
+              <a:t>Analytical Process Overview</a:t>
+            </a:r>
           </a:p>
         </p:txBody>
       </p:sp>
     </p:spTree>
   </p:cSld>
-  <p:clrMap bg1="lt1" bg2="lt2" tx1="dk1" tx2="dk2" accent1="accent1" accent2="accent2" accent3="accent3" accent4="accent4" accent5="accent5" accent6="accent6" hlink="hlink" folHlink="folHlink"/>
-  <p:sldLayoutIdLst>
-    <p:sldLayoutId id="2147483649" r:id="rId2"/>
-    <p:sldLayoutId id="2147483650" r:id="rId3"/>
-    <p:sldLayoutId id="2147483651" r:id="rId4"/>
-    <p:sldLayoutId id="2147483652" r:id="rId5"/>
-    <p:sldLayoutId id="2147483653" r:id="rId6"/>
-    <p:sldLayoutId id="2147483654" r:id="rId7"/>
-    <p:sldLayoutId id="2147483655" r:id="rId8"/>
-    <p:sldLayoutId id="2147483656" r:id="rId9"/>
-    <p:sldLayoutId id="2147483657" r:id="rId10"/>
-    <p:sldLayoutId id="2147483658" r:id="rId11"/>
-    <p:sldLayoutId id="2147483659" r:id="rId12"/>
-    <p:sldLayoutId id="2147483660" r:id="rId13"/>
-  </p:sldLayoutIdLst>
-</p:sldMaster>
+  <p:clrMapOvr>
+    <a:masterClrMapping/>
+  </p:clrMapOvr>
+</p:sld>
 </file>
 
-<file path=ppt/slideMasters/slideMaster2.xml><?xml version="1.0" encoding="utf-8"?>
-<p:sldMaster xmlns:a="http://schemas.openxmlformats.org/drawingml/2006/main" xmlns:p="http://schemas.openxmlformats.org/presentationml/2006/main" xmlns:r="http://schemas.openxmlformats.org/officeDocument/2006/relationships" xmlns:p14="http://schemas.microsoft.com/office/powerpoint/2010/main" xmlns:p15="http://schemas.microsoft.com/office/powerpoint/2012/main" xmlns:mc="http://schemas.openxmlformats.org/markup-compatibility/2006">
+<file path=ppt/slides/slide10.xml><?xml version="1.0" encoding="utf-8"?>
+<p:sld xmlns:a="http://schemas.openxmlformats.org/drawingml/2006/main" xmlns:r="http://schemas.openxmlformats.org/officeDocument/2006/relationships" xmlns:p="http://schemas.openxmlformats.org/presentationml/2006/main">
   <p:cSld>
     <p:spTree>
       <p:nvGrpSpPr>
@@ -3137,13 +4326,9 @@
       </p:grpSpPr>
       <p:sp>
         <p:nvSpPr>
-          <p:cNvPr id="41" name="PlaceHolder 1"/>
-          <p:cNvSpPr>
-            <a:spLocks noGrp="1"/>
-          </p:cNvSpPr>
-          <p:nvPr>
-            <p:ph type="title"/>
-          </p:nvPr>
+          <p:cNvPr id="99" name="TextShape 1"/>
+          <p:cNvSpPr txBox="1"/>
+          <p:nvPr/>
         </p:nvSpPr>
         <p:spPr>
           <a:xfrm>
@@ -3153,33 +4338,36 @@
           <a:prstGeom prst="rect">
             <a:avLst/>
           </a:prstGeom>
-        </p:spPr>
-        <p:txBody>
-          <a:bodyPr lIns="0" rIns="0" tIns="0" bIns="0" anchor="ctr">
+          <a:noFill/>
+          <a:ln>
+            <a:noFill/>
+          </a:ln>
+        </p:spPr>
+        <p:txBody>
+          <a:bodyPr lIns="0" tIns="0" rIns="0" bIns="0" anchor="ctr">
             <a:noAutofit/>
           </a:bodyPr>
-          <a:p>
-            <a:r>
-              <a:rPr b="0" lang="en-US" sz="1800" spc="-1" strike="noStrike">
-                <a:latin typeface="Arial"/>
-              </a:rPr>
-              <a:t>Click to edit the title text format</a:t>
-            </a:r>
-            <a:endParaRPr b="0" lang="en-US" sz="1800" spc="-1" strike="noStrike">
-              <a:latin typeface="Arial"/>
-            </a:endParaRPr>
-          </a:p>
-        </p:txBody>
-      </p:sp>
-      <p:sp>
-        <p:nvSpPr>
-          <p:cNvPr id="42" name="PlaceHolder 2"/>
-          <p:cNvSpPr>
-            <a:spLocks noGrp="1"/>
-          </p:cNvSpPr>
-          <p:nvPr>
-            <p:ph type="body"/>
-          </p:nvPr>
+          <a:lstStyle/>
+          <a:p>
+            <a:pPr algn="ctr">
+              <a:lnSpc>
+                <a:spcPct val="100000"/>
+              </a:lnSpc>
+            </a:pPr>
+            <a:r>
+              <a:rPr lang="en-US" sz="4400" b="0" strike="noStrike" spc="-1">
+                <a:latin typeface="Arial"/>
+              </a:rPr>
+              <a:t>Deployment</a:t>
+            </a:r>
+          </a:p>
+        </p:txBody>
+      </p:sp>
+      <p:sp>
+        <p:nvSpPr>
+          <p:cNvPr id="100" name="TextShape 2"/>
+          <p:cNvSpPr txBox="1"/>
+          <p:nvPr/>
         </p:nvSpPr>
         <p:spPr>
           <a:xfrm>
@@ -3189,301 +4377,112 @@
           <a:prstGeom prst="rect">
             <a:avLst/>
           </a:prstGeom>
-        </p:spPr>
-        <p:txBody>
-          <a:bodyPr lIns="0" rIns="0" tIns="0" bIns="0">
-            <a:normAutofit/>
-          </a:bodyPr>
-          <a:p>
-            <a:pPr marL="432000" indent="-324000">
+          <a:noFill/>
+          <a:ln>
+            <a:noFill/>
+          </a:ln>
+        </p:spPr>
+        <p:txBody>
+          <a:bodyPr lIns="0" tIns="0" rIns="0" bIns="0">
+            <a:normAutofit fontScale="35000"/>
+          </a:bodyPr>
+          <a:lstStyle/>
+          <a:p>
+            <a:pPr marL="475560" indent="-320040">
+              <a:lnSpc>
+                <a:spcPct val="100000"/>
+              </a:lnSpc>
               <a:spcBef>
                 <a:spcPts val="1417"/>
               </a:spcBef>
               <a:buClr>
                 <a:srgbClr val="000000"/>
               </a:buClr>
-              <a:buSzPct val="45000"/>
               <a:buFont typeface="Wingdings" charset="2"/>
-              <a:buChar char=""/>
-            </a:pPr>
-            <a:r>
-              <a:rPr b="0" lang="en-US" sz="1800" spc="-1" strike="noStrike">
-                <a:latin typeface="Arial"/>
-              </a:rPr>
-              <a:t>Click to edit the outline text format</a:t>
-            </a:r>
-            <a:endParaRPr b="0" lang="en-US" sz="1800" spc="-1" strike="noStrike">
-              <a:latin typeface="Arial"/>
-            </a:endParaRPr>
-          </a:p>
-          <a:p>
-            <a:pPr lvl="1" marL="864000" indent="-324000">
+              <a:buAutoNum type="arabicPeriod"/>
+            </a:pPr>
+            <a:r>
+              <a:rPr lang="en-US" sz="3200" b="0" strike="noStrike" spc="-1">
+                <a:latin typeface="Arial"/>
+              </a:rPr>
+              <a:t>Plan deployment: Develop and document a plan for deploying the model.</a:t>
+            </a:r>
+          </a:p>
+          <a:p>
+            <a:pPr marL="475560" indent="-320040">
+              <a:lnSpc>
+                <a:spcPct val="100000"/>
+              </a:lnSpc>
               <a:spcBef>
-                <a:spcPts val="1134"/>
+                <a:spcPts val="1417"/>
               </a:spcBef>
               <a:buClr>
                 <a:srgbClr val="000000"/>
               </a:buClr>
-              <a:buSzPct val="75000"/>
-              <a:buFont typeface="Symbol" charset="2"/>
-              <a:buChar char=""/>
-            </a:pPr>
-            <a:r>
-              <a:rPr b="0" lang="en-US" sz="1800" spc="-1" strike="noStrike">
-                <a:latin typeface="Arial"/>
-              </a:rPr>
-              <a:t>Second Outline Level</a:t>
-            </a:r>
-            <a:endParaRPr b="0" lang="en-US" sz="1800" spc="-1" strike="noStrike">
-              <a:latin typeface="Arial"/>
-            </a:endParaRPr>
-          </a:p>
-          <a:p>
-            <a:pPr lvl="2" marL="1296000" indent="-288000">
+              <a:buFont typeface="Wingdings" charset="2"/>
+              <a:buAutoNum type="arabicPeriod"/>
+            </a:pPr>
+            <a:r>
+              <a:rPr lang="en-US" sz="3200" b="0" strike="noStrike" spc="-1">
+                <a:latin typeface="Arial"/>
+              </a:rPr>
+              <a:t>Plan monitoring and maintenance: Develop a thorough monitoring and maintenance plan to avoid issues during the operational phase (or post-project phase) of a model.</a:t>
+            </a:r>
+          </a:p>
+          <a:p>
+            <a:pPr marL="475560" indent="-320040">
+              <a:lnSpc>
+                <a:spcPct val="100000"/>
+              </a:lnSpc>
               <a:spcBef>
-                <a:spcPts val="850"/>
+                <a:spcPts val="1417"/>
               </a:spcBef>
               <a:buClr>
                 <a:srgbClr val="000000"/>
               </a:buClr>
-              <a:buSzPct val="45000"/>
               <a:buFont typeface="Wingdings" charset="2"/>
-              <a:buChar char=""/>
-            </a:pPr>
-            <a:r>
-              <a:rPr b="0" lang="en-US" sz="1800" spc="-1" strike="noStrike">
-                <a:latin typeface="Arial"/>
-              </a:rPr>
-              <a:t>Third Outline Level</a:t>
-            </a:r>
-            <a:endParaRPr b="0" lang="en-US" sz="1800" spc="-1" strike="noStrike">
-              <a:latin typeface="Arial"/>
-            </a:endParaRPr>
-          </a:p>
-          <a:p>
-            <a:pPr lvl="3" marL="1728000" indent="-216000">
+              <a:buAutoNum type="arabicPeriod"/>
+            </a:pPr>
+            <a:r>
+              <a:rPr lang="en-US" sz="3200" b="0" strike="noStrike" spc="-1">
+                <a:latin typeface="Arial"/>
+              </a:rPr>
+              <a:t>Produce final report: The project team documents a summary of the project which might include a final presentation of data mining results.</a:t>
+            </a:r>
+          </a:p>
+          <a:p>
+            <a:pPr marL="475560" indent="-320040">
+              <a:lnSpc>
+                <a:spcPct val="100000"/>
+              </a:lnSpc>
               <a:spcBef>
-                <a:spcPts val="567"/>
+                <a:spcPts val="1417"/>
               </a:spcBef>
               <a:buClr>
                 <a:srgbClr val="000000"/>
               </a:buClr>
-              <a:buSzPct val="75000"/>
-              <a:buFont typeface="Symbol" charset="2"/>
-              <a:buChar char=""/>
-            </a:pPr>
-            <a:r>
-              <a:rPr b="0" lang="en-US" sz="1800" spc="-1" strike="noStrike">
-                <a:latin typeface="Arial"/>
-              </a:rPr>
-              <a:t>Fourth Outline Level</a:t>
-            </a:r>
-            <a:endParaRPr b="0" lang="en-US" sz="1800" spc="-1" strike="noStrike">
-              <a:latin typeface="Arial"/>
-            </a:endParaRPr>
-          </a:p>
-          <a:p>
-            <a:pPr lvl="4" marL="2160000" indent="-216000">
-              <a:spcBef>
-                <a:spcPts val="283"/>
-              </a:spcBef>
-              <a:buClr>
-                <a:srgbClr val="000000"/>
-              </a:buClr>
-              <a:buSzPct val="45000"/>
               <a:buFont typeface="Wingdings" charset="2"/>
-              <a:buChar char=""/>
-            </a:pPr>
-            <a:r>
-              <a:rPr b="0" lang="en-US" sz="1800" spc="-1" strike="noStrike">
-                <a:latin typeface="Arial"/>
-              </a:rPr>
-              <a:t>Fifth Outline Level</a:t>
-            </a:r>
-            <a:endParaRPr b="0" lang="en-US" sz="1800" spc="-1" strike="noStrike">
-              <a:latin typeface="Arial"/>
-            </a:endParaRPr>
-          </a:p>
-          <a:p>
-            <a:pPr lvl="5" marL="2592000" indent="-216000">
-              <a:spcBef>
-                <a:spcPts val="283"/>
-              </a:spcBef>
-              <a:buClr>
-                <a:srgbClr val="000000"/>
-              </a:buClr>
-              <a:buSzPct val="45000"/>
-              <a:buFont typeface="Wingdings" charset="2"/>
-              <a:buChar char=""/>
-            </a:pPr>
-            <a:r>
-              <a:rPr b="0" lang="en-US" sz="1800" spc="-1" strike="noStrike">
-                <a:latin typeface="Arial"/>
-              </a:rPr>
-              <a:t>Sixth Outline Level</a:t>
-            </a:r>
-            <a:endParaRPr b="0" lang="en-US" sz="1800" spc="-1" strike="noStrike">
-              <a:latin typeface="Arial"/>
-            </a:endParaRPr>
-          </a:p>
-          <a:p>
-            <a:pPr lvl="6" marL="3024000" indent="-216000">
-              <a:spcBef>
-                <a:spcPts val="283"/>
-              </a:spcBef>
-              <a:buClr>
-                <a:srgbClr val="000000"/>
-              </a:buClr>
-              <a:buSzPct val="45000"/>
-              <a:buFont typeface="Wingdings" charset="2"/>
-              <a:buChar char=""/>
-            </a:pPr>
-            <a:r>
-              <a:rPr b="0" lang="en-US" sz="1800" spc="-1" strike="noStrike">
-                <a:latin typeface="Arial"/>
-              </a:rPr>
-              <a:t>Seventh Outline Level</a:t>
-            </a:r>
-            <a:endParaRPr b="0" lang="en-US" sz="1800" spc="-1" strike="noStrike">
-              <a:latin typeface="Arial"/>
-            </a:endParaRPr>
-          </a:p>
-        </p:txBody>
-      </p:sp>
-      <p:sp>
-        <p:nvSpPr>
-          <p:cNvPr id="43" name="PlaceHolder 3"/>
-          <p:cNvSpPr>
-            <a:spLocks noGrp="1"/>
-          </p:cNvSpPr>
-          <p:nvPr>
-            <p:ph type="ftr"/>
-          </p:nvPr>
-        </p:nvSpPr>
-        <p:spPr>
-          <a:xfrm>
-            <a:off x="3447360" y="5165280"/>
-            <a:ext cx="3194640" cy="390240"/>
-          </a:xfrm>
-          <a:prstGeom prst="rect">
-            <a:avLst/>
-          </a:prstGeom>
-        </p:spPr>
-        <p:txBody>
-          <a:bodyPr lIns="0" rIns="0" tIns="0" bIns="0">
-            <a:noAutofit/>
-          </a:bodyPr>
-          <a:p>
-            <a:pPr algn="ctr">
-              <a:lnSpc>
-                <a:spcPct val="100000"/>
-              </a:lnSpc>
-            </a:pPr>
-            <a:r>
-              <a:rPr b="0" lang="en-US" sz="1400" spc="-1" strike="noStrike">
-                <a:latin typeface="Times New Roman"/>
-              </a:rPr>
-              <a:t>Footer</a:t>
-            </a:r>
-            <a:endParaRPr b="0" lang="en-US" sz="1400" spc="-1" strike="noStrike">
-              <a:latin typeface="Times New Roman"/>
-            </a:endParaRPr>
-          </a:p>
-        </p:txBody>
-      </p:sp>
-      <p:sp>
-        <p:nvSpPr>
-          <p:cNvPr id="44" name="PlaceHolder 4"/>
-          <p:cNvSpPr>
-            <a:spLocks noGrp="1"/>
-          </p:cNvSpPr>
-          <p:nvPr>
-            <p:ph type="sldNum"/>
-          </p:nvPr>
-        </p:nvSpPr>
-        <p:spPr>
-          <a:xfrm>
-            <a:off x="7227360" y="5165280"/>
-            <a:ext cx="2347920" cy="390240"/>
-          </a:xfrm>
-          <a:prstGeom prst="rect">
-            <a:avLst/>
-          </a:prstGeom>
-        </p:spPr>
-        <p:txBody>
-          <a:bodyPr lIns="0" rIns="0" tIns="0" bIns="0">
-            <a:noAutofit/>
-          </a:bodyPr>
-          <a:p>
-            <a:pPr algn="r">
-              <a:lnSpc>
-                <a:spcPct val="100000"/>
-              </a:lnSpc>
-            </a:pPr>
-            <a:fld id="{3A1C88F3-CFEA-41DC-9B03-28D38053920F}" type="slidenum">
-              <a:rPr b="0" lang="en-US" sz="1400" spc="-1" strike="noStrike">
-                <a:latin typeface="Times New Roman"/>
-              </a:rPr>
-              <a:t>&lt;number&gt;</a:t>
-            </a:fld>
-            <a:endParaRPr b="0" lang="en-US" sz="1400" spc="-1" strike="noStrike">
-              <a:latin typeface="Times New Roman"/>
-            </a:endParaRPr>
-          </a:p>
-        </p:txBody>
-      </p:sp>
-      <p:sp>
-        <p:nvSpPr>
-          <p:cNvPr id="45" name="PlaceHolder 5"/>
-          <p:cNvSpPr>
-            <a:spLocks noGrp="1"/>
-          </p:cNvSpPr>
-          <p:nvPr>
-            <p:ph type="dt"/>
-          </p:nvPr>
-        </p:nvSpPr>
-        <p:spPr>
-          <a:xfrm>
-            <a:off x="504000" y="5165280"/>
-            <a:ext cx="2347920" cy="390240"/>
-          </a:xfrm>
-          <a:prstGeom prst="rect">
-            <a:avLst/>
-          </a:prstGeom>
-        </p:spPr>
-        <p:txBody>
-          <a:bodyPr lIns="0" rIns="0" tIns="0" bIns="0">
-            <a:noAutofit/>
-          </a:bodyPr>
-          <a:p>
-            <a:endParaRPr b="0" lang="en-US" sz="2400" spc="-1" strike="noStrike">
-              <a:latin typeface="Times New Roman"/>
-            </a:endParaRPr>
+              <a:buAutoNum type="arabicPeriod"/>
+            </a:pPr>
+            <a:r>
+              <a:rPr lang="en-US" sz="3200" b="0" strike="noStrike" spc="-1">
+                <a:latin typeface="Arial"/>
+              </a:rPr>
+              <a:t>Review project: Conduct a project retrospective about what went well, what could have been better, and how to improve in the future.</a:t>
+            </a:r>
           </a:p>
         </p:txBody>
       </p:sp>
     </p:spTree>
   </p:cSld>
-  <p:clrMap bg1="lt1" bg2="lt2" tx1="dk1" tx2="dk2" accent1="accent1" accent2="accent2" accent3="accent3" accent4="accent4" accent5="accent5" accent6="accent6" hlink="hlink" folHlink="folHlink"/>
-  <p:sldLayoutIdLst>
-    <p:sldLayoutId id="2147483662" r:id="rId2"/>
-    <p:sldLayoutId id="2147483663" r:id="rId3"/>
-    <p:sldLayoutId id="2147483664" r:id="rId4"/>
-    <p:sldLayoutId id="2147483665" r:id="rId5"/>
-    <p:sldLayoutId id="2147483666" r:id="rId6"/>
-    <p:sldLayoutId id="2147483667" r:id="rId7"/>
-    <p:sldLayoutId id="2147483668" r:id="rId8"/>
-    <p:sldLayoutId id="2147483669" r:id="rId9"/>
-    <p:sldLayoutId id="2147483670" r:id="rId10"/>
-    <p:sldLayoutId id="2147483671" r:id="rId11"/>
-    <p:sldLayoutId id="2147483672" r:id="rId12"/>
-    <p:sldLayoutId id="2147483673" r:id="rId13"/>
-  </p:sldLayoutIdLst>
-</p:sldMaster>
+  <p:clrMapOvr>
+    <a:masterClrMapping/>
+  </p:clrMapOvr>
+</p:sld>
 </file>
 
-<file path=ppt/slides/slide1.xml><?xml version="1.0" encoding="utf-8"?>
-<p:sld xmlns:a="http://schemas.openxmlformats.org/drawingml/2006/main" xmlns:p="http://schemas.openxmlformats.org/presentationml/2006/main" xmlns:r="http://schemas.openxmlformats.org/officeDocument/2006/relationships" xmlns:p14="http://schemas.microsoft.com/office/powerpoint/2010/main" xmlns:p15="http://schemas.microsoft.com/office/powerpoint/2012/main" xmlns:mc="http://schemas.openxmlformats.org/markup-compatibility/2006">
+<file path=ppt/slides/slide11.xml><?xml version="1.0" encoding="utf-8"?>
+<p:sld xmlns:a="http://schemas.openxmlformats.org/drawingml/2006/main" xmlns:r="http://schemas.openxmlformats.org/officeDocument/2006/relationships" xmlns:p="http://schemas.openxmlformats.org/presentationml/2006/main">
   <p:cSld>
     <p:spTree>
       <p:nvGrpSpPr>
@@ -3501,14 +4500,14 @@
       </p:grpSpPr>
       <p:sp>
         <p:nvSpPr>
-          <p:cNvPr id="82" name="TextShape 1"/>
+          <p:cNvPr id="101" name="TextShape 1"/>
           <p:cNvSpPr txBox="1"/>
           <p:nvPr/>
         </p:nvSpPr>
         <p:spPr>
           <a:xfrm>
             <a:off x="504000" y="226080"/>
-            <a:ext cx="9071280" cy="4386600"/>
+            <a:ext cx="9071280" cy="946080"/>
           </a:xfrm>
           <a:prstGeom prst="rect">
             <a:avLst/>
@@ -3519,38 +4518,35 @@
           </a:ln>
         </p:spPr>
         <p:txBody>
-          <a:bodyPr lIns="0" rIns="0" tIns="0" bIns="0" anchor="ctr">
+          <a:bodyPr lIns="0" tIns="0" rIns="0" bIns="0" anchor="ctr">
             <a:noAutofit/>
           </a:bodyPr>
-          <a:p>
-            <a:pPr algn="ctr"/>
-            <a:r>
-              <a:rPr b="0" lang="en-US" sz="3200" spc="-1" strike="noStrike">
-                <a:latin typeface="Arial"/>
-              </a:rPr>
-              <a:t>Analytical Process Overview</a:t>
-            </a:r>
-            <a:endParaRPr b="0" lang="en-US" sz="3200" spc="-1" strike="noStrike">
-              <a:latin typeface="Arial"/>
-            </a:endParaRPr>
+          <a:lstStyle/>
+          <a:p>
+            <a:pPr algn="ctr">
+              <a:lnSpc>
+                <a:spcPct val="100000"/>
+              </a:lnSpc>
+            </a:pPr>
+            <a:r>
+              <a:rPr lang="en-US" sz="4400" b="0" strike="noStrike" spc="-1">
+                <a:latin typeface="Arial"/>
+              </a:rPr>
+              <a:t>Data Preparation</a:t>
+            </a:r>
           </a:p>
         </p:txBody>
       </p:sp>
     </p:spTree>
   </p:cSld>
-  <mc:AlternateContent>
-    <mc:Choice Requires="p14">
-      <p:transition spd="slow" p14:dur="2000"/>
-    </mc:Choice>
-    <mc:Fallback>
-      <p:transition spd="slow"/>
-    </mc:Fallback>
-  </mc:AlternateContent>
+  <p:clrMapOvr>
+    <a:masterClrMapping/>
+  </p:clrMapOvr>
 </p:sld>
 </file>
 
-<file path=ppt/slides/slide10.xml><?xml version="1.0" encoding="utf-8"?>
-<p:sld xmlns:a="http://schemas.openxmlformats.org/drawingml/2006/main" xmlns:p="http://schemas.openxmlformats.org/presentationml/2006/main" xmlns:r="http://schemas.openxmlformats.org/officeDocument/2006/relationships" xmlns:p14="http://schemas.microsoft.com/office/powerpoint/2010/main" xmlns:p15="http://schemas.microsoft.com/office/powerpoint/2012/main" xmlns:mc="http://schemas.openxmlformats.org/markup-compatibility/2006">
+<file path=ppt/slides/slide12.xml><?xml version="1.0" encoding="utf-8"?>
+<p:sld xmlns:a="http://schemas.openxmlformats.org/drawingml/2006/main" xmlns:r="http://schemas.openxmlformats.org/officeDocument/2006/relationships" xmlns:p="http://schemas.openxmlformats.org/presentationml/2006/main">
   <p:cSld>
     <p:spTree>
       <p:nvGrpSpPr>
@@ -3568,7 +4564,7 @@
       </p:grpSpPr>
       <p:sp>
         <p:nvSpPr>
-          <p:cNvPr id="99" name="TextShape 1"/>
+          <p:cNvPr id="102" name="TextShape 1"/>
           <p:cNvSpPr txBox="1"/>
           <p:nvPr/>
         </p:nvSpPr>
@@ -3586,9 +4582,10 @@
           </a:ln>
         </p:spPr>
         <p:txBody>
-          <a:bodyPr lIns="0" rIns="0" tIns="0" bIns="0" anchor="ctr">
+          <a:bodyPr lIns="0" tIns="0" rIns="0" bIns="0" anchor="ctr">
             <a:noAutofit/>
           </a:bodyPr>
+          <a:lstStyle/>
           <a:p>
             <a:pPr algn="ctr">
               <a:lnSpc>
@@ -3596,20 +4593,17 @@
               </a:lnSpc>
             </a:pPr>
             <a:r>
-              <a:rPr b="0" lang="en-US" sz="4400" spc="-1" strike="noStrike">
-                <a:latin typeface="Arial"/>
-              </a:rPr>
-              <a:t>Deployment</a:t>
-            </a:r>
-            <a:endParaRPr b="0" lang="en-US" sz="4400" spc="-1" strike="noStrike">
-              <a:latin typeface="Arial"/>
-            </a:endParaRPr>
-          </a:p>
-        </p:txBody>
-      </p:sp>
-      <p:sp>
-        <p:nvSpPr>
-          <p:cNvPr id="100" name="TextShape 2"/>
+              <a:rPr lang="en-US" sz="4400" b="0" strike="noStrike" spc="-1">
+                <a:latin typeface="Arial"/>
+              </a:rPr>
+              <a:t>Data Cleaning Challenges</a:t>
+            </a:r>
+          </a:p>
+        </p:txBody>
+      </p:sp>
+      <p:sp>
+        <p:nvSpPr>
+          <p:cNvPr id="103" name="TextShape 2"/>
           <p:cNvSpPr txBox="1"/>
           <p:nvPr/>
         </p:nvSpPr>
@@ -3627,9 +4621,10 @@
           </a:ln>
         </p:spPr>
         <p:txBody>
-          <a:bodyPr lIns="0" rIns="0" tIns="0" bIns="0">
-            <a:normAutofit fontScale="35000"/>
-          </a:bodyPr>
+          <a:bodyPr lIns="0" tIns="0" rIns="0" bIns="0">
+            <a:normAutofit fontScale="44000"/>
+          </a:bodyPr>
+          <a:lstStyle/>
           <a:p>
             <a:pPr marL="475560" indent="-320040">
               <a:lnSpc>
@@ -3645,14 +4640,11 @@
               <a:buAutoNum type="arabicPeriod"/>
             </a:pPr>
             <a:r>
-              <a:rPr b="0" lang="en-US" sz="3200" spc="-1" strike="noStrike">
-                <a:latin typeface="Arial"/>
-              </a:rPr>
-              <a:t>Plan deployment: Develop and document a plan for deploying the model.</a:t>
-            </a:r>
-            <a:endParaRPr b="0" lang="en-US" sz="3200" spc="-1" strike="noStrike">
-              <a:latin typeface="Arial"/>
-            </a:endParaRPr>
+              <a:rPr lang="en-US" sz="3200" b="0" strike="noStrike" spc="-1">
+                <a:latin typeface="Arial"/>
+              </a:rPr>
+              <a:t>Data Volume</a:t>
+            </a:r>
           </a:p>
           <a:p>
             <a:pPr marL="475560" indent="-320040">
@@ -3669,14 +4661,11 @@
               <a:buAutoNum type="arabicPeriod"/>
             </a:pPr>
             <a:r>
-              <a:rPr b="0" lang="en-US" sz="3200" spc="-1" strike="noStrike">
-                <a:latin typeface="Arial"/>
-              </a:rPr>
-              <a:t>Plan monitoring and maintenance: Develop a thorough monitoring and maintenance plan to avoid issues during the operational phase (or post-project phase) of a model.</a:t>
-            </a:r>
-            <a:endParaRPr b="0" lang="en-US" sz="3200" spc="-1" strike="noStrike">
-              <a:latin typeface="Arial"/>
-            </a:endParaRPr>
+              <a:rPr lang="en-US" sz="3200" b="0" strike="noStrike" spc="-1">
+                <a:latin typeface="Arial"/>
+              </a:rPr>
+              <a:t>Misspellings/Abbreviations</a:t>
+            </a:r>
           </a:p>
           <a:p>
             <a:pPr marL="475560" indent="-320040">
@@ -3693,14 +4682,11 @@
               <a:buAutoNum type="arabicPeriod"/>
             </a:pPr>
             <a:r>
-              <a:rPr b="0" lang="en-US" sz="3200" spc="-1" strike="noStrike">
-                <a:latin typeface="Arial"/>
-              </a:rPr>
-              <a:t>Produce final report: The project team documents a summary of the project which might include a final presentation of data mining results.</a:t>
-            </a:r>
-            <a:endParaRPr b="0" lang="en-US" sz="3200" spc="-1" strike="noStrike">
-              <a:latin typeface="Arial"/>
-            </a:endParaRPr>
+              <a:rPr lang="en-US" sz="3200" b="0" strike="noStrike" spc="-1">
+                <a:latin typeface="Arial"/>
+              </a:rPr>
+              <a:t>Misfielded Values – values entered in wrong fields</a:t>
+            </a:r>
           </a:p>
           <a:p>
             <a:pPr marL="475560" indent="-320040">
@@ -3717,32 +4703,87 @@
               <a:buAutoNum type="arabicPeriod"/>
             </a:pPr>
             <a:r>
-              <a:rPr b="0" lang="en-US" sz="3200" spc="-1" strike="noStrike">
-                <a:latin typeface="Arial"/>
-              </a:rPr>
-              <a:t>Review project: Conduct a project retrospective about what went well, what could have been better, and how to improve in the future.</a:t>
-            </a:r>
-            <a:endParaRPr b="0" lang="en-US" sz="3200" spc="-1" strike="noStrike">
-              <a:latin typeface="Arial"/>
-            </a:endParaRPr>
+              <a:rPr lang="en-US" sz="3200" b="0" strike="noStrike" spc="-1">
+                <a:latin typeface="Arial"/>
+              </a:rPr>
+              <a:t>Irregularities – different units/formats in same field</a:t>
+            </a:r>
+          </a:p>
+          <a:p>
+            <a:pPr marL="475560" indent="-320040">
+              <a:lnSpc>
+                <a:spcPct val="100000"/>
+              </a:lnSpc>
+              <a:spcBef>
+                <a:spcPts val="1417"/>
+              </a:spcBef>
+              <a:buClr>
+                <a:srgbClr val="000000"/>
+              </a:buClr>
+              <a:buFont typeface="Wingdings" charset="2"/>
+              <a:buAutoNum type="arabicPeriod"/>
+            </a:pPr>
+            <a:r>
+              <a:rPr lang="en-US" sz="3200" b="0" strike="noStrike" spc="-1">
+                <a:latin typeface="Arial"/>
+              </a:rPr>
+              <a:t>Missing Values</a:t>
+            </a:r>
+          </a:p>
+          <a:p>
+            <a:pPr marL="475560" indent="-320040">
+              <a:lnSpc>
+                <a:spcPct val="100000"/>
+              </a:lnSpc>
+              <a:spcBef>
+                <a:spcPts val="1417"/>
+              </a:spcBef>
+              <a:buClr>
+                <a:srgbClr val="000000"/>
+              </a:buClr>
+              <a:buFont typeface="Wingdings" charset="2"/>
+              <a:buAutoNum type="arabicPeriod"/>
+            </a:pPr>
+            <a:r>
+              <a:rPr lang="en-US" sz="3200" b="0" strike="noStrike" spc="-1">
+                <a:latin typeface="Arial"/>
+              </a:rPr>
+              <a:t>Duplication</a:t>
+            </a:r>
+          </a:p>
+          <a:p>
+            <a:pPr marL="475560" indent="-320040">
+              <a:lnSpc>
+                <a:spcPct val="100000"/>
+              </a:lnSpc>
+              <a:spcBef>
+                <a:spcPts val="1417"/>
+              </a:spcBef>
+              <a:buClr>
+                <a:srgbClr val="000000"/>
+              </a:buClr>
+              <a:buFont typeface="Wingdings" charset="2"/>
+              <a:buAutoNum type="arabicPeriod"/>
+            </a:pPr>
+            <a:r>
+              <a:rPr lang="en-US" sz="3200" b="0" strike="noStrike" spc="-1">
+                <a:latin typeface="Arial"/>
+              </a:rPr>
+              <a:t>Embedded Values – name and age in same field</a:t>
+            </a:r>
           </a:p>
         </p:txBody>
       </p:sp>
     </p:spTree>
   </p:cSld>
-  <mc:AlternateContent>
-    <mc:Choice Requires="p14">
-      <p:transition spd="slow" p14:dur="2000"/>
-    </mc:Choice>
-    <mc:Fallback>
-      <p:transition spd="slow"/>
-    </mc:Fallback>
-  </mc:AlternateContent>
+  <p:clrMapOvr>
+    <a:masterClrMapping/>
+  </p:clrMapOvr>
 </p:sld>
 </file>
 
-<file path=ppt/slides/slide11.xml><?xml version="1.0" encoding="utf-8"?>
-<p:sld xmlns:a="http://schemas.openxmlformats.org/drawingml/2006/main" xmlns:p="http://schemas.openxmlformats.org/presentationml/2006/main" xmlns:r="http://schemas.openxmlformats.org/officeDocument/2006/relationships" xmlns:p14="http://schemas.microsoft.com/office/powerpoint/2010/main" xmlns:p15="http://schemas.microsoft.com/office/powerpoint/2012/main" xmlns:mc="http://schemas.openxmlformats.org/markup-compatibility/2006">
+<file path=ppt/slides/slide13.xml><?xml version="1.0" encoding="utf-8"?>
+<p:sld xmlns:a="http://schemas.openxmlformats.org/drawingml/2006/main" xmlns:r="http://schemas.openxmlformats.org/officeDocument/2006/relationships" xmlns:p="http://schemas.openxmlformats.org/presentationml/2006/main">
   <p:cSld>
     <p:spTree>
       <p:nvGrpSpPr>
@@ -3760,7 +4801,7 @@
       </p:grpSpPr>
       <p:sp>
         <p:nvSpPr>
-          <p:cNvPr id="101" name="TextShape 1"/>
+          <p:cNvPr id="104" name="TextShape 1"/>
           <p:cNvSpPr txBox="1"/>
           <p:nvPr/>
         </p:nvSpPr>
@@ -3778,9 +4819,10 @@
           </a:ln>
         </p:spPr>
         <p:txBody>
-          <a:bodyPr lIns="0" rIns="0" tIns="0" bIns="0" anchor="ctr">
+          <a:bodyPr lIns="0" tIns="0" rIns="0" bIns="0" anchor="ctr">
             <a:noAutofit/>
           </a:bodyPr>
+          <a:lstStyle/>
           <a:p>
             <a:pPr algn="ctr">
               <a:lnSpc>
@@ -3788,32 +4830,47 @@
               </a:lnSpc>
             </a:pPr>
             <a:r>
-              <a:rPr b="0" lang="en-US" sz="4400" spc="-1" strike="noStrike">
-                <a:latin typeface="Arial"/>
-              </a:rPr>
-              <a:t>Data Preparation</a:t>
-            </a:r>
-            <a:endParaRPr b="0" lang="en-US" sz="4400" spc="-1" strike="noStrike">
-              <a:latin typeface="Arial"/>
-            </a:endParaRPr>
-          </a:p>
-        </p:txBody>
-      </p:sp>
+              <a:rPr lang="en-US" sz="4400" b="0" strike="noStrike" spc="-1">
+                <a:latin typeface="Arial"/>
+              </a:rPr>
+              <a:t>Dimensionality Reduction</a:t>
+            </a:r>
+          </a:p>
+        </p:txBody>
+      </p:sp>
+      <p:pic>
+        <p:nvPicPr>
+          <p:cNvPr id="105" name="Picture 104"/>
+          <p:cNvPicPr/>
+          <p:nvPr/>
+        </p:nvPicPr>
+        <p:blipFill>
+          <a:blip r:embed="rId2"/>
+          <a:stretch/>
+        </p:blipFill>
+        <p:spPr>
+          <a:xfrm>
+            <a:off x="956520" y="1425240"/>
+            <a:ext cx="8096040" cy="3695400"/>
+          </a:xfrm>
+          <a:prstGeom prst="rect">
+            <a:avLst/>
+          </a:prstGeom>
+          <a:ln>
+            <a:noFill/>
+          </a:ln>
+        </p:spPr>
+      </p:pic>
     </p:spTree>
   </p:cSld>
-  <mc:AlternateContent>
-    <mc:Choice Requires="p14">
-      <p:transition spd="slow" p14:dur="2000"/>
-    </mc:Choice>
-    <mc:Fallback>
-      <p:transition spd="slow"/>
-    </mc:Fallback>
-  </mc:AlternateContent>
+  <p:clrMapOvr>
+    <a:masterClrMapping/>
+  </p:clrMapOvr>
 </p:sld>
 </file>
 
-<file path=ppt/slides/slide12.xml><?xml version="1.0" encoding="utf-8"?>
-<p:sld xmlns:a="http://schemas.openxmlformats.org/drawingml/2006/main" xmlns:p="http://schemas.openxmlformats.org/presentationml/2006/main" xmlns:r="http://schemas.openxmlformats.org/officeDocument/2006/relationships" xmlns:p14="http://schemas.microsoft.com/office/powerpoint/2010/main" xmlns:p15="http://schemas.microsoft.com/office/powerpoint/2012/main" xmlns:mc="http://schemas.openxmlformats.org/markup-compatibility/2006">
+<file path=ppt/slides/slide14.xml><?xml version="1.0" encoding="utf-8"?>
+<p:sld xmlns:a="http://schemas.openxmlformats.org/drawingml/2006/main" xmlns:r="http://schemas.openxmlformats.org/officeDocument/2006/relationships" xmlns:p="http://schemas.openxmlformats.org/presentationml/2006/main">
   <p:cSld>
     <p:spTree>
       <p:nvGrpSpPr>
@@ -3831,7 +4888,7 @@
       </p:grpSpPr>
       <p:sp>
         <p:nvSpPr>
-          <p:cNvPr id="102" name="TextShape 1"/>
+          <p:cNvPr id="106" name="TextShape 1"/>
           <p:cNvSpPr txBox="1"/>
           <p:nvPr/>
         </p:nvSpPr>
@@ -3849,9 +4906,10 @@
           </a:ln>
         </p:spPr>
         <p:txBody>
-          <a:bodyPr lIns="0" rIns="0" tIns="0" bIns="0" anchor="ctr">
+          <a:bodyPr lIns="0" tIns="0" rIns="0" bIns="0" anchor="ctr">
             <a:noAutofit/>
           </a:bodyPr>
+          <a:lstStyle/>
           <a:p>
             <a:pPr algn="ctr">
               <a:lnSpc>
@@ -3859,225 +4917,48 @@
               </a:lnSpc>
             </a:pPr>
             <a:r>
-              <a:rPr b="0" lang="en-US" sz="4400" spc="-1" strike="noStrike">
-                <a:latin typeface="Arial"/>
-              </a:rPr>
-              <a:t>Data Cleaning Challenges</a:t>
-            </a:r>
-            <a:endParaRPr b="0" lang="en-US" sz="4400" spc="-1" strike="noStrike">
-              <a:latin typeface="Arial"/>
-            </a:endParaRPr>
-          </a:p>
-        </p:txBody>
-      </p:sp>
-      <p:sp>
-        <p:nvSpPr>
-          <p:cNvPr id="103" name="TextShape 2"/>
-          <p:cNvSpPr txBox="1"/>
+              <a:rPr lang="en-US" sz="4400" b="0" strike="noStrike" spc="-1">
+                <a:latin typeface="Arial"/>
+              </a:rPr>
+              <a:t>Training/Testing/Validation</a:t>
+            </a:r>
+          </a:p>
+        </p:txBody>
+      </p:sp>
+      <p:pic>
+        <p:nvPicPr>
+          <p:cNvPr id="107" name="Picture 106"/>
+          <p:cNvPicPr/>
           <p:nvPr/>
-        </p:nvSpPr>
-        <p:spPr>
-          <a:xfrm>
-            <a:off x="504000" y="1326600"/>
-            <a:ext cx="9071280" cy="3287880"/>
-          </a:xfrm>
-          <a:prstGeom prst="rect">
-            <a:avLst/>
-          </a:prstGeom>
-          <a:noFill/>
+        </p:nvPicPr>
+        <p:blipFill>
+          <a:blip r:embed="rId2"/>
+          <a:srcRect l="10982" r="11384"/>
+          <a:stretch/>
+        </p:blipFill>
+        <p:spPr>
+          <a:xfrm>
+            <a:off x="2286000" y="1454760"/>
+            <a:ext cx="5486040" cy="3514320"/>
+          </a:xfrm>
+          <a:prstGeom prst="rect">
+            <a:avLst/>
+          </a:prstGeom>
           <a:ln>
             <a:noFill/>
           </a:ln>
         </p:spPr>
-        <p:txBody>
-          <a:bodyPr lIns="0" rIns="0" tIns="0" bIns="0">
-            <a:normAutofit fontScale="44000"/>
-          </a:bodyPr>
-          <a:p>
-            <a:pPr marL="475560" indent="-320040">
-              <a:lnSpc>
-                <a:spcPct val="100000"/>
-              </a:lnSpc>
-              <a:spcBef>
-                <a:spcPts val="1417"/>
-              </a:spcBef>
-              <a:buClr>
-                <a:srgbClr val="000000"/>
-              </a:buClr>
-              <a:buFont typeface="Wingdings" charset="2"/>
-              <a:buAutoNum type="arabicPeriod"/>
-            </a:pPr>
-            <a:r>
-              <a:rPr b="0" lang="en-US" sz="3200" spc="-1" strike="noStrike">
-                <a:latin typeface="Arial"/>
-              </a:rPr>
-              <a:t>Data Volume</a:t>
-            </a:r>
-            <a:endParaRPr b="0" lang="en-US" sz="3200" spc="-1" strike="noStrike">
-              <a:latin typeface="Arial"/>
-            </a:endParaRPr>
-          </a:p>
-          <a:p>
-            <a:pPr marL="475560" indent="-320040">
-              <a:lnSpc>
-                <a:spcPct val="100000"/>
-              </a:lnSpc>
-              <a:spcBef>
-                <a:spcPts val="1417"/>
-              </a:spcBef>
-              <a:buClr>
-                <a:srgbClr val="000000"/>
-              </a:buClr>
-              <a:buFont typeface="Wingdings" charset="2"/>
-              <a:buAutoNum type="arabicPeriod"/>
-            </a:pPr>
-            <a:r>
-              <a:rPr b="0" lang="en-US" sz="3200" spc="-1" strike="noStrike">
-                <a:latin typeface="Arial"/>
-              </a:rPr>
-              <a:t>Misspellings/Abbreviations</a:t>
-            </a:r>
-            <a:endParaRPr b="0" lang="en-US" sz="3200" spc="-1" strike="noStrike">
-              <a:latin typeface="Arial"/>
-            </a:endParaRPr>
-          </a:p>
-          <a:p>
-            <a:pPr marL="475560" indent="-320040">
-              <a:lnSpc>
-                <a:spcPct val="100000"/>
-              </a:lnSpc>
-              <a:spcBef>
-                <a:spcPts val="1417"/>
-              </a:spcBef>
-              <a:buClr>
-                <a:srgbClr val="000000"/>
-              </a:buClr>
-              <a:buFont typeface="Wingdings" charset="2"/>
-              <a:buAutoNum type="arabicPeriod"/>
-            </a:pPr>
-            <a:r>
-              <a:rPr b="0" lang="en-US" sz="3200" spc="-1" strike="noStrike">
-                <a:latin typeface="Arial"/>
-              </a:rPr>
-              <a:t>Misfielded Values – values entered in wrong fields</a:t>
-            </a:r>
-            <a:endParaRPr b="0" lang="en-US" sz="3200" spc="-1" strike="noStrike">
-              <a:latin typeface="Arial"/>
-            </a:endParaRPr>
-          </a:p>
-          <a:p>
-            <a:pPr marL="475560" indent="-320040">
-              <a:lnSpc>
-                <a:spcPct val="100000"/>
-              </a:lnSpc>
-              <a:spcBef>
-                <a:spcPts val="1417"/>
-              </a:spcBef>
-              <a:buClr>
-                <a:srgbClr val="000000"/>
-              </a:buClr>
-              <a:buFont typeface="Wingdings" charset="2"/>
-              <a:buAutoNum type="arabicPeriod"/>
-            </a:pPr>
-            <a:r>
-              <a:rPr b="0" lang="en-US" sz="3200" spc="-1" strike="noStrike">
-                <a:latin typeface="Arial"/>
-              </a:rPr>
-              <a:t>Irregularities – different units/formats in same field</a:t>
-            </a:r>
-            <a:endParaRPr b="0" lang="en-US" sz="3200" spc="-1" strike="noStrike">
-              <a:latin typeface="Arial"/>
-            </a:endParaRPr>
-          </a:p>
-          <a:p>
-            <a:pPr marL="475560" indent="-320040">
-              <a:lnSpc>
-                <a:spcPct val="100000"/>
-              </a:lnSpc>
-              <a:spcBef>
-                <a:spcPts val="1417"/>
-              </a:spcBef>
-              <a:buClr>
-                <a:srgbClr val="000000"/>
-              </a:buClr>
-              <a:buFont typeface="Wingdings" charset="2"/>
-              <a:buAutoNum type="arabicPeriod"/>
-            </a:pPr>
-            <a:r>
-              <a:rPr b="0" lang="en-US" sz="3200" spc="-1" strike="noStrike">
-                <a:latin typeface="Arial"/>
-              </a:rPr>
-              <a:t>Missing Values</a:t>
-            </a:r>
-            <a:endParaRPr b="0" lang="en-US" sz="3200" spc="-1" strike="noStrike">
-              <a:latin typeface="Arial"/>
-            </a:endParaRPr>
-          </a:p>
-          <a:p>
-            <a:pPr marL="475560" indent="-320040">
-              <a:lnSpc>
-                <a:spcPct val="100000"/>
-              </a:lnSpc>
-              <a:spcBef>
-                <a:spcPts val="1417"/>
-              </a:spcBef>
-              <a:buClr>
-                <a:srgbClr val="000000"/>
-              </a:buClr>
-              <a:buFont typeface="Wingdings" charset="2"/>
-              <a:buAutoNum type="arabicPeriod"/>
-            </a:pPr>
-            <a:r>
-              <a:rPr b="0" lang="en-US" sz="3200" spc="-1" strike="noStrike">
-                <a:latin typeface="Arial"/>
-              </a:rPr>
-              <a:t>Duplication</a:t>
-            </a:r>
-            <a:endParaRPr b="0" lang="en-US" sz="3200" spc="-1" strike="noStrike">
-              <a:latin typeface="Arial"/>
-            </a:endParaRPr>
-          </a:p>
-          <a:p>
-            <a:pPr marL="475560" indent="-320040">
-              <a:lnSpc>
-                <a:spcPct val="100000"/>
-              </a:lnSpc>
-              <a:spcBef>
-                <a:spcPts val="1417"/>
-              </a:spcBef>
-              <a:buClr>
-                <a:srgbClr val="000000"/>
-              </a:buClr>
-              <a:buFont typeface="Wingdings" charset="2"/>
-              <a:buAutoNum type="arabicPeriod"/>
-            </a:pPr>
-            <a:r>
-              <a:rPr b="0" lang="en-US" sz="3200" spc="-1" strike="noStrike">
-                <a:latin typeface="Arial"/>
-              </a:rPr>
-              <a:t>Embedded Values – name and age in same field</a:t>
-            </a:r>
-            <a:endParaRPr b="0" lang="en-US" sz="3200" spc="-1" strike="noStrike">
-              <a:latin typeface="Arial"/>
-            </a:endParaRPr>
-          </a:p>
-        </p:txBody>
-      </p:sp>
+      </p:pic>
     </p:spTree>
   </p:cSld>
-  <mc:AlternateContent>
-    <mc:Choice Requires="p14">
-      <p:transition spd="slow" p14:dur="2000"/>
-    </mc:Choice>
-    <mc:Fallback>
-      <p:transition spd="slow"/>
-    </mc:Fallback>
-  </mc:AlternateContent>
+  <p:clrMapOvr>
+    <a:masterClrMapping/>
+  </p:clrMapOvr>
 </p:sld>
 </file>
 
-<file path=ppt/slides/slide13.xml><?xml version="1.0" encoding="utf-8"?>
-<p:sld xmlns:a="http://schemas.openxmlformats.org/drawingml/2006/main" xmlns:p="http://schemas.openxmlformats.org/presentationml/2006/main" xmlns:r="http://schemas.openxmlformats.org/officeDocument/2006/relationships" xmlns:p14="http://schemas.microsoft.com/office/powerpoint/2010/main" xmlns:p15="http://schemas.microsoft.com/office/powerpoint/2012/main" xmlns:mc="http://schemas.openxmlformats.org/markup-compatibility/2006">
+<file path=ppt/slides/slide15.xml><?xml version="1.0" encoding="utf-8"?>
+<p:sld xmlns:a="http://schemas.openxmlformats.org/drawingml/2006/main" xmlns:r="http://schemas.openxmlformats.org/officeDocument/2006/relationships" xmlns:p="http://schemas.openxmlformats.org/presentationml/2006/main">
   <p:cSld>
     <p:spTree>
       <p:nvGrpSpPr>
@@ -4095,7 +4976,7 @@
       </p:grpSpPr>
       <p:sp>
         <p:nvSpPr>
-          <p:cNvPr id="104" name="TextShape 1"/>
+          <p:cNvPr id="108" name="TextShape 1"/>
           <p:cNvSpPr txBox="1"/>
           <p:nvPr/>
         </p:nvSpPr>
@@ -4113,9 +4994,10 @@
           </a:ln>
         </p:spPr>
         <p:txBody>
-          <a:bodyPr lIns="0" rIns="0" tIns="0" bIns="0" anchor="ctr">
+          <a:bodyPr lIns="0" tIns="0" rIns="0" bIns="0" anchor="ctr">
             <a:noAutofit/>
           </a:bodyPr>
+          <a:lstStyle/>
           <a:p>
             <a:pPr algn="ctr">
               <a:lnSpc>
@@ -4123,31 +5005,28 @@
               </a:lnSpc>
             </a:pPr>
             <a:r>
-              <a:rPr b="0" lang="en-US" sz="4400" spc="-1" strike="noStrike">
-                <a:latin typeface="Arial"/>
-              </a:rPr>
-              <a:t>Dimensionality Reduction</a:t>
-            </a:r>
-            <a:endParaRPr b="0" lang="en-US" sz="4400" spc="-1" strike="noStrike">
-              <a:latin typeface="Arial"/>
-            </a:endParaRPr>
+              <a:rPr lang="en-US" sz="4400" b="0" strike="noStrike" spc="-1">
+                <a:latin typeface="Arial"/>
+              </a:rPr>
+              <a:t>Training/Testing/Validation</a:t>
+            </a:r>
           </a:p>
         </p:txBody>
       </p:sp>
       <p:pic>
         <p:nvPicPr>
-          <p:cNvPr id="105" name="" descr=""/>
+          <p:cNvPr id="109" name="Picture 108"/>
           <p:cNvPicPr/>
           <p:nvPr/>
         </p:nvPicPr>
         <p:blipFill>
-          <a:blip r:embed="rId1"/>
+          <a:blip r:embed="rId2"/>
           <a:stretch/>
         </p:blipFill>
         <p:spPr>
           <a:xfrm>
-            <a:off x="956520" y="1425240"/>
-            <a:ext cx="8096040" cy="3695400"/>
+            <a:off x="2194560" y="1371600"/>
+            <a:ext cx="5880960" cy="3943800"/>
           </a:xfrm>
           <a:prstGeom prst="rect">
             <a:avLst/>
@@ -4159,19 +5038,14 @@
       </p:pic>
     </p:spTree>
   </p:cSld>
-  <mc:AlternateContent>
-    <mc:Choice Requires="p14">
-      <p:transition spd="slow" p14:dur="2000"/>
-    </mc:Choice>
-    <mc:Fallback>
-      <p:transition spd="slow"/>
-    </mc:Fallback>
-  </mc:AlternateContent>
+  <p:clrMapOvr>
+    <a:masterClrMapping/>
+  </p:clrMapOvr>
 </p:sld>
 </file>
 
-<file path=ppt/slides/slide14.xml><?xml version="1.0" encoding="utf-8"?>
-<p:sld xmlns:a="http://schemas.openxmlformats.org/drawingml/2006/main" xmlns:p="http://schemas.openxmlformats.org/presentationml/2006/main" xmlns:r="http://schemas.openxmlformats.org/officeDocument/2006/relationships" xmlns:p14="http://schemas.microsoft.com/office/powerpoint/2010/main" xmlns:p15="http://schemas.microsoft.com/office/powerpoint/2012/main" xmlns:mc="http://schemas.openxmlformats.org/markup-compatibility/2006">
+<file path=ppt/slides/slide16.xml><?xml version="1.0" encoding="utf-8"?>
+<p:sld xmlns:a="http://schemas.openxmlformats.org/drawingml/2006/main" xmlns:r="http://schemas.openxmlformats.org/officeDocument/2006/relationships" xmlns:p="http://schemas.openxmlformats.org/presentationml/2006/main">
   <p:cSld>
     <p:spTree>
       <p:nvGrpSpPr>
@@ -4189,7 +5063,7 @@
       </p:grpSpPr>
       <p:sp>
         <p:nvSpPr>
-          <p:cNvPr id="106" name="TextShape 1"/>
+          <p:cNvPr id="110" name="TextShape 1"/>
           <p:cNvSpPr txBox="1"/>
           <p:nvPr/>
         </p:nvSpPr>
@@ -4207,9 +5081,10 @@
           </a:ln>
         </p:spPr>
         <p:txBody>
-          <a:bodyPr lIns="0" rIns="0" tIns="0" bIns="0" anchor="ctr">
+          <a:bodyPr lIns="0" tIns="0" rIns="0" bIns="0" anchor="ctr">
             <a:noAutofit/>
           </a:bodyPr>
+          <a:lstStyle/>
           <a:p>
             <a:pPr algn="ctr">
               <a:lnSpc>
@@ -4217,32 +5092,28 @@
               </a:lnSpc>
             </a:pPr>
             <a:r>
-              <a:rPr b="0" lang="en-US" sz="4400" spc="-1" strike="noStrike">
+              <a:rPr lang="en-US" sz="4400" b="0" strike="noStrike" spc="-1">
                 <a:latin typeface="Arial"/>
               </a:rPr>
               <a:t>Training/Testing/Validation</a:t>
             </a:r>
-            <a:endParaRPr b="0" lang="en-US" sz="4400" spc="-1" strike="noStrike">
-              <a:latin typeface="Arial"/>
-            </a:endParaRPr>
           </a:p>
         </p:txBody>
       </p:sp>
       <p:pic>
         <p:nvPicPr>
-          <p:cNvPr id="107" name="" descr=""/>
+          <p:cNvPr id="111" name="Picture 110"/>
           <p:cNvPicPr/>
           <p:nvPr/>
         </p:nvPicPr>
         <p:blipFill>
-          <a:blip r:embed="rId1"/>
-          <a:srcRect l="10982" t="0" r="11384" b="0"/>
+          <a:blip r:embed="rId2"/>
           <a:stretch/>
         </p:blipFill>
         <p:spPr>
           <a:xfrm>
-            <a:off x="2286000" y="1454760"/>
-            <a:ext cx="5486040" cy="3514320"/>
+            <a:off x="2121480" y="1283040"/>
+            <a:ext cx="5957640" cy="4126680"/>
           </a:xfrm>
           <a:prstGeom prst="rect">
             <a:avLst/>
@@ -4254,19 +5125,14 @@
       </p:pic>
     </p:spTree>
   </p:cSld>
-  <mc:AlternateContent>
-    <mc:Choice Requires="p14">
-      <p:transition spd="slow" p14:dur="2000"/>
-    </mc:Choice>
-    <mc:Fallback>
-      <p:transition spd="slow"/>
-    </mc:Fallback>
-  </mc:AlternateContent>
+  <p:clrMapOvr>
+    <a:masterClrMapping/>
+  </p:clrMapOvr>
 </p:sld>
 </file>
 
-<file path=ppt/slides/slide15.xml><?xml version="1.0" encoding="utf-8"?>
-<p:sld xmlns:a="http://schemas.openxmlformats.org/drawingml/2006/main" xmlns:p="http://schemas.openxmlformats.org/presentationml/2006/main" xmlns:r="http://schemas.openxmlformats.org/officeDocument/2006/relationships" xmlns:p14="http://schemas.microsoft.com/office/powerpoint/2010/main" xmlns:p15="http://schemas.microsoft.com/office/powerpoint/2012/main" xmlns:mc="http://schemas.openxmlformats.org/markup-compatibility/2006">
+<file path=ppt/slides/slide17.xml><?xml version="1.0" encoding="utf-8"?>
+<p:sld xmlns:a="http://schemas.openxmlformats.org/drawingml/2006/main" xmlns:r="http://schemas.openxmlformats.org/officeDocument/2006/relationships" xmlns:p="http://schemas.openxmlformats.org/presentationml/2006/main">
   <p:cSld>
     <p:spTree>
       <p:nvGrpSpPr>
@@ -4284,7 +5150,7 @@
       </p:grpSpPr>
       <p:sp>
         <p:nvSpPr>
-          <p:cNvPr id="108" name="TextShape 1"/>
+          <p:cNvPr id="112" name="TextShape 1"/>
           <p:cNvSpPr txBox="1"/>
           <p:nvPr/>
         </p:nvSpPr>
@@ -4302,9 +5168,10 @@
           </a:ln>
         </p:spPr>
         <p:txBody>
-          <a:bodyPr lIns="0" rIns="0" tIns="0" bIns="0" anchor="ctr">
+          <a:bodyPr lIns="0" tIns="0" rIns="0" bIns="0" anchor="ctr">
             <a:noAutofit/>
           </a:bodyPr>
+          <a:lstStyle/>
           <a:p>
             <a:pPr algn="ctr">
               <a:lnSpc>
@@ -4312,31 +5179,28 @@
               </a:lnSpc>
             </a:pPr>
             <a:r>
-              <a:rPr b="0" lang="en-US" sz="4400" spc="-1" strike="noStrike">
-                <a:latin typeface="Arial"/>
-              </a:rPr>
-              <a:t>Training/Testing/Validation</a:t>
-            </a:r>
-            <a:endParaRPr b="0" lang="en-US" sz="4400" spc="-1" strike="noStrike">
-              <a:latin typeface="Arial"/>
-            </a:endParaRPr>
+              <a:rPr lang="en-US" sz="4400" b="0" strike="noStrike" spc="-1">
+                <a:latin typeface="Arial"/>
+              </a:rPr>
+              <a:t>Stratified Crossvalidation</a:t>
+            </a:r>
           </a:p>
         </p:txBody>
       </p:sp>
       <p:pic>
         <p:nvPicPr>
-          <p:cNvPr id="109" name="" descr=""/>
+          <p:cNvPr id="113" name="Picture 112"/>
           <p:cNvPicPr/>
           <p:nvPr/>
         </p:nvPicPr>
         <p:blipFill>
-          <a:blip r:embed="rId1"/>
+          <a:blip r:embed="rId2"/>
           <a:stretch/>
         </p:blipFill>
         <p:spPr>
           <a:xfrm>
-            <a:off x="2194560" y="1371600"/>
-            <a:ext cx="5880960" cy="3943800"/>
+            <a:off x="326880" y="1828800"/>
+            <a:ext cx="4572000" cy="2468880"/>
           </a:xfrm>
           <a:prstGeom prst="rect">
             <a:avLst/>
@@ -4346,21 +5210,39 @@
           </a:ln>
         </p:spPr>
       </p:pic>
+      <p:pic>
+        <p:nvPicPr>
+          <p:cNvPr id="114" name="Picture 113"/>
+          <p:cNvPicPr/>
+          <p:nvPr/>
+        </p:nvPicPr>
+        <p:blipFill>
+          <a:blip r:embed="rId3"/>
+          <a:stretch/>
+        </p:blipFill>
+        <p:spPr>
+          <a:xfrm>
+            <a:off x="5264640" y="1828800"/>
+            <a:ext cx="4572000" cy="2468880"/>
+          </a:xfrm>
+          <a:prstGeom prst="rect">
+            <a:avLst/>
+          </a:prstGeom>
+          <a:ln>
+            <a:noFill/>
+          </a:ln>
+        </p:spPr>
+      </p:pic>
     </p:spTree>
   </p:cSld>
-  <mc:AlternateContent>
-    <mc:Choice Requires="p14">
-      <p:transition spd="slow" p14:dur="2000"/>
-    </mc:Choice>
-    <mc:Fallback>
-      <p:transition spd="slow"/>
-    </mc:Fallback>
-  </mc:AlternateContent>
+  <p:clrMapOvr>
+    <a:masterClrMapping/>
+  </p:clrMapOvr>
 </p:sld>
 </file>
 
-<file path=ppt/slides/slide16.xml><?xml version="1.0" encoding="utf-8"?>
-<p:sld xmlns:a="http://schemas.openxmlformats.org/drawingml/2006/main" xmlns:p="http://schemas.openxmlformats.org/presentationml/2006/main" xmlns:r="http://schemas.openxmlformats.org/officeDocument/2006/relationships" xmlns:p14="http://schemas.microsoft.com/office/powerpoint/2010/main" xmlns:p15="http://schemas.microsoft.com/office/powerpoint/2012/main" xmlns:mc="http://schemas.openxmlformats.org/markup-compatibility/2006">
+<file path=ppt/slides/slide18.xml><?xml version="1.0" encoding="utf-8"?>
+<p:sld xmlns:a="http://schemas.openxmlformats.org/drawingml/2006/main" xmlns:r="http://schemas.openxmlformats.org/officeDocument/2006/relationships" xmlns:p="http://schemas.openxmlformats.org/presentationml/2006/main">
   <p:cSld>
     <p:spTree>
       <p:nvGrpSpPr>
@@ -4378,7 +5260,7 @@
       </p:grpSpPr>
       <p:sp>
         <p:nvSpPr>
-          <p:cNvPr id="110" name="TextShape 1"/>
+          <p:cNvPr id="115" name="TextShape 1"/>
           <p:cNvSpPr txBox="1"/>
           <p:nvPr/>
         </p:nvSpPr>
@@ -4396,9 +5278,10 @@
           </a:ln>
         </p:spPr>
         <p:txBody>
-          <a:bodyPr lIns="0" rIns="0" tIns="0" bIns="0" anchor="ctr">
+          <a:bodyPr lIns="0" tIns="0" rIns="0" bIns="0" anchor="ctr">
             <a:noAutofit/>
           </a:bodyPr>
+          <a:lstStyle/>
           <a:p>
             <a:pPr algn="ctr">
               <a:lnSpc>
@@ -4406,55 +5289,281 @@
               </a:lnSpc>
             </a:pPr>
             <a:r>
-              <a:rPr b="0" lang="en-US" sz="4400" spc="-1" strike="noStrike">
-                <a:latin typeface="Arial"/>
-              </a:rPr>
-              <a:t>Training/Testing/Validation</a:t>
-            </a:r>
-            <a:endParaRPr b="0" lang="en-US" sz="4400" spc="-1" strike="noStrike">
-              <a:latin typeface="Arial"/>
-            </a:endParaRPr>
-          </a:p>
-        </p:txBody>
-      </p:sp>
-      <p:pic>
-        <p:nvPicPr>
-          <p:cNvPr id="111" name="" descr=""/>
-          <p:cNvPicPr/>
+              <a:rPr lang="en-US" sz="4400" b="0" strike="noStrike" spc="-1">
+                <a:latin typeface="Arial"/>
+              </a:rPr>
+              <a:t>Modeling</a:t>
+            </a:r>
+          </a:p>
+        </p:txBody>
+      </p:sp>
+      <p:sp>
+        <p:nvSpPr>
+          <p:cNvPr id="116" name="TextShape 2"/>
+          <p:cNvSpPr txBox="1"/>
           <p:nvPr/>
-        </p:nvPicPr>
-        <p:blipFill>
-          <a:blip r:embed="rId1"/>
-          <a:stretch/>
-        </p:blipFill>
-        <p:spPr>
-          <a:xfrm>
-            <a:off x="2121480" y="1283040"/>
-            <a:ext cx="5957640" cy="4126680"/>
-          </a:xfrm>
-          <a:prstGeom prst="rect">
-            <a:avLst/>
-          </a:prstGeom>
+        </p:nvSpPr>
+        <p:spPr>
+          <a:xfrm>
+            <a:off x="504000" y="1326600"/>
+            <a:ext cx="9071280" cy="3287880"/>
+          </a:xfrm>
+          <a:prstGeom prst="rect">
+            <a:avLst/>
+          </a:prstGeom>
+          <a:noFill/>
           <a:ln>
             <a:noFill/>
           </a:ln>
         </p:spPr>
-      </p:pic>
+        <p:txBody>
+          <a:bodyPr lIns="0" tIns="0" rIns="0" bIns="0">
+            <a:normAutofit fontScale="31000"/>
+          </a:bodyPr>
+          <a:lstStyle/>
+          <a:p>
+            <a:pPr marL="475560" indent="-320040">
+              <a:lnSpc>
+                <a:spcPct val="100000"/>
+              </a:lnSpc>
+              <a:spcBef>
+                <a:spcPts val="1417"/>
+              </a:spcBef>
+              <a:buClr>
+                <a:srgbClr val="000000"/>
+              </a:buClr>
+              <a:buFont typeface="Symbol" charset="2"/>
+              <a:buChar char=""/>
+            </a:pPr>
+            <a:r>
+              <a:rPr lang="en-US" sz="3200" b="0" strike="noStrike" spc="-1">
+                <a:latin typeface="Arial"/>
+              </a:rPr>
+              <a:t>Diagnostic</a:t>
+            </a:r>
+          </a:p>
+          <a:p>
+            <a:pPr marL="864000" lvl="1" indent="-324000">
+              <a:lnSpc>
+                <a:spcPct val="100000"/>
+              </a:lnSpc>
+              <a:spcBef>
+                <a:spcPts val="1134"/>
+              </a:spcBef>
+              <a:buClr>
+                <a:srgbClr val="000000"/>
+              </a:buClr>
+              <a:buFont typeface="Symbol" charset="2"/>
+              <a:buChar char=""/>
+            </a:pPr>
+            <a:r>
+              <a:rPr lang="en-US" sz="3200" b="0" strike="noStrike" spc="-1">
+                <a:latin typeface="Arial"/>
+              </a:rPr>
+              <a:t>Correlation Analysis</a:t>
+            </a:r>
+          </a:p>
+          <a:p>
+            <a:pPr marL="864000" lvl="1" indent="-324000">
+              <a:lnSpc>
+                <a:spcPct val="100000"/>
+              </a:lnSpc>
+              <a:spcBef>
+                <a:spcPts val="1134"/>
+              </a:spcBef>
+              <a:buClr>
+                <a:srgbClr val="000000"/>
+              </a:buClr>
+              <a:buFont typeface="Symbol" charset="2"/>
+              <a:buChar char=""/>
+            </a:pPr>
+            <a:r>
+              <a:rPr lang="en-US" sz="3200" b="0" strike="noStrike" spc="-1">
+                <a:latin typeface="Arial"/>
+              </a:rPr>
+              <a:t>Changepoint Detection</a:t>
+            </a:r>
+          </a:p>
+          <a:p>
+            <a:pPr marL="475560" indent="-320040">
+              <a:lnSpc>
+                <a:spcPct val="100000"/>
+              </a:lnSpc>
+              <a:spcBef>
+                <a:spcPts val="1417"/>
+              </a:spcBef>
+              <a:buClr>
+                <a:srgbClr val="000000"/>
+              </a:buClr>
+              <a:buFont typeface="Symbol" charset="2"/>
+              <a:buChar char=""/>
+            </a:pPr>
+            <a:r>
+              <a:rPr lang="en-US" sz="3200" b="0" strike="noStrike" spc="-1">
+                <a:latin typeface="Arial"/>
+              </a:rPr>
+              <a:t>Predictive</a:t>
+            </a:r>
+          </a:p>
+          <a:p>
+            <a:pPr marL="864000" lvl="1" indent="-324000">
+              <a:lnSpc>
+                <a:spcPct val="100000"/>
+              </a:lnSpc>
+              <a:spcBef>
+                <a:spcPts val="1134"/>
+              </a:spcBef>
+              <a:buClr>
+                <a:srgbClr val="000000"/>
+              </a:buClr>
+              <a:buFont typeface="Symbol" charset="2"/>
+              <a:buChar char=""/>
+            </a:pPr>
+            <a:r>
+              <a:rPr lang="en-US" sz="3200" b="0" strike="noStrike" spc="-1">
+                <a:latin typeface="Arial"/>
+              </a:rPr>
+              <a:t>Supervised Learning</a:t>
+            </a:r>
+          </a:p>
+          <a:p>
+            <a:pPr marL="864000" lvl="1" indent="-324000">
+              <a:lnSpc>
+                <a:spcPct val="100000"/>
+              </a:lnSpc>
+              <a:spcBef>
+                <a:spcPts val="1134"/>
+              </a:spcBef>
+              <a:buClr>
+                <a:srgbClr val="000000"/>
+              </a:buClr>
+              <a:buFont typeface="Symbol" charset="2"/>
+              <a:buChar char=""/>
+            </a:pPr>
+            <a:r>
+              <a:rPr lang="en-US" sz="3200" b="0" strike="noStrike" spc="-1">
+                <a:latin typeface="Arial"/>
+              </a:rPr>
+              <a:t>Unsupervised Learning</a:t>
+            </a:r>
+          </a:p>
+          <a:p>
+            <a:pPr marL="864000" lvl="1" indent="-324000">
+              <a:lnSpc>
+                <a:spcPct val="100000"/>
+              </a:lnSpc>
+              <a:spcBef>
+                <a:spcPts val="1134"/>
+              </a:spcBef>
+              <a:buClr>
+                <a:srgbClr val="000000"/>
+              </a:buClr>
+              <a:buFont typeface="Symbol" charset="2"/>
+              <a:buChar char=""/>
+            </a:pPr>
+            <a:r>
+              <a:rPr lang="en-US" sz="3200" b="0" strike="noStrike" spc="-1">
+                <a:latin typeface="Arial"/>
+              </a:rPr>
+              <a:t>Semi-supervised Learning (Reinforcement Learning)</a:t>
+            </a:r>
+          </a:p>
+          <a:p>
+            <a:pPr marL="475560" indent="-320040">
+              <a:lnSpc>
+                <a:spcPct val="100000"/>
+              </a:lnSpc>
+              <a:spcBef>
+                <a:spcPts val="1417"/>
+              </a:spcBef>
+              <a:buClr>
+                <a:srgbClr val="000000"/>
+              </a:buClr>
+              <a:buFont typeface="Symbol" charset="2"/>
+              <a:buChar char=""/>
+            </a:pPr>
+            <a:r>
+              <a:rPr lang="en-US" sz="3200" b="0" strike="noStrike" spc="-1">
+                <a:latin typeface="Arial"/>
+              </a:rPr>
+              <a:t>Prescriptive</a:t>
+            </a:r>
+          </a:p>
+          <a:p>
+            <a:pPr marL="864000" lvl="1" indent="-324000">
+              <a:lnSpc>
+                <a:spcPct val="100000"/>
+              </a:lnSpc>
+              <a:spcBef>
+                <a:spcPts val="1134"/>
+              </a:spcBef>
+              <a:buClr>
+                <a:srgbClr val="000000"/>
+              </a:buClr>
+              <a:buFont typeface="Symbol" charset="2"/>
+              <a:buChar char=""/>
+            </a:pPr>
+            <a:r>
+              <a:rPr lang="en-US" sz="3200" b="0" strike="noStrike" spc="-1">
+                <a:latin typeface="Arial"/>
+              </a:rPr>
+              <a:t>Math Programming</a:t>
+            </a:r>
+          </a:p>
+          <a:p>
+            <a:pPr marL="864000" lvl="1" indent="-324000">
+              <a:lnSpc>
+                <a:spcPct val="100000"/>
+              </a:lnSpc>
+              <a:spcBef>
+                <a:spcPts val="1134"/>
+              </a:spcBef>
+              <a:buClr>
+                <a:srgbClr val="000000"/>
+              </a:buClr>
+              <a:buFont typeface="Symbol" charset="2"/>
+              <a:buChar char=""/>
+            </a:pPr>
+            <a:r>
+              <a:rPr lang="en-US" sz="3200" b="0" strike="noStrike" spc="-1">
+                <a:latin typeface="Arial"/>
+              </a:rPr>
+              <a:t>Heuristics</a:t>
+            </a:r>
+          </a:p>
+          <a:p>
+            <a:pPr marL="864000" lvl="1" indent="-324000">
+              <a:lnSpc>
+                <a:spcPct val="100000"/>
+              </a:lnSpc>
+              <a:spcBef>
+                <a:spcPts val="1134"/>
+              </a:spcBef>
+              <a:buClr>
+                <a:srgbClr val="000000"/>
+              </a:buClr>
+              <a:buFont typeface="Symbol" charset="2"/>
+              <a:buChar char=""/>
+            </a:pPr>
+            <a:r>
+              <a:rPr lang="en-US" sz="3200" b="0" strike="noStrike" spc="-1">
+                <a:latin typeface="Arial"/>
+              </a:rPr>
+              <a:t>Simulation-Optimization</a:t>
+            </a:r>
+          </a:p>
+        </p:txBody>
+      </p:sp>
     </p:spTree>
   </p:cSld>
-  <mc:AlternateContent>
-    <mc:Choice Requires="p14">
-      <p:transition spd="slow" p14:dur="2000"/>
-    </mc:Choice>
-    <mc:Fallback>
-      <p:transition spd="slow"/>
-    </mc:Fallback>
-  </mc:AlternateContent>
+  <p:clrMapOvr>
+    <a:masterClrMapping/>
+  </p:clrMapOvr>
 </p:sld>
 </file>
 
-<file path=ppt/slides/slide17.xml><?xml version="1.0" encoding="utf-8"?>
-<p:sld xmlns:a="http://schemas.openxmlformats.org/drawingml/2006/main" xmlns:p="http://schemas.openxmlformats.org/presentationml/2006/main" xmlns:r="http://schemas.openxmlformats.org/officeDocument/2006/relationships" xmlns:p14="http://schemas.microsoft.com/office/powerpoint/2010/main" xmlns:p15="http://schemas.microsoft.com/office/powerpoint/2012/main" xmlns:mc="http://schemas.openxmlformats.org/markup-compatibility/2006">
+<file path=ppt/slides/slide19.xml><?xml version="1.0" encoding="utf-8"?>
+<p:sld xmlns:a="http://schemas.openxmlformats.org/drawingml/2006/main" xmlns:r="http://schemas.openxmlformats.org/officeDocument/2006/relationships" xmlns:p="http://schemas.openxmlformats.org/presentationml/2006/main">
   <p:cSld>
     <p:spTree>
       <p:nvGrpSpPr>
@@ -4472,7 +5581,7 @@
       </p:grpSpPr>
       <p:sp>
         <p:nvSpPr>
-          <p:cNvPr id="112" name="TextShape 1"/>
+          <p:cNvPr id="117" name="TextShape 1"/>
           <p:cNvSpPr txBox="1"/>
           <p:nvPr/>
         </p:nvSpPr>
@@ -4490,9 +5599,10 @@
           </a:ln>
         </p:spPr>
         <p:txBody>
-          <a:bodyPr lIns="0" rIns="0" tIns="0" bIns="0" anchor="ctr">
+          <a:bodyPr lIns="0" tIns="0" rIns="0" bIns="0" anchor="ctr">
             <a:noAutofit/>
           </a:bodyPr>
+          <a:lstStyle/>
           <a:p>
             <a:pPr algn="ctr">
               <a:lnSpc>
@@ -4500,78 +5610,24 @@
               </a:lnSpc>
             </a:pPr>
             <a:r>
-              <a:rPr b="0" lang="en-US" sz="4400" spc="-1" strike="noStrike">
-                <a:latin typeface="Arial"/>
-              </a:rPr>
-              <a:t>Stratified Crossvalidation</a:t>
-            </a:r>
-            <a:endParaRPr b="0" lang="en-US" sz="4400" spc="-1" strike="noStrike">
-              <a:latin typeface="Arial"/>
-            </a:endParaRPr>
-          </a:p>
-        </p:txBody>
-      </p:sp>
-      <p:pic>
-        <p:nvPicPr>
-          <p:cNvPr id="113" name="" descr=""/>
-          <p:cNvPicPr/>
-          <p:nvPr/>
-        </p:nvPicPr>
-        <p:blipFill>
-          <a:blip r:embed="rId1"/>
-          <a:stretch/>
-        </p:blipFill>
-        <p:spPr>
-          <a:xfrm>
-            <a:off x="326880" y="1828800"/>
-            <a:ext cx="4572000" cy="2468880"/>
-          </a:xfrm>
-          <a:prstGeom prst="rect">
-            <a:avLst/>
-          </a:prstGeom>
-          <a:ln>
-            <a:noFill/>
-          </a:ln>
-        </p:spPr>
-      </p:pic>
-      <p:pic>
-        <p:nvPicPr>
-          <p:cNvPr id="114" name="" descr=""/>
-          <p:cNvPicPr/>
-          <p:nvPr/>
-        </p:nvPicPr>
-        <p:blipFill>
-          <a:blip r:embed="rId2"/>
-          <a:stretch/>
-        </p:blipFill>
-        <p:spPr>
-          <a:xfrm>
-            <a:off x="5264640" y="1828800"/>
-            <a:ext cx="4572000" cy="2468880"/>
-          </a:xfrm>
-          <a:prstGeom prst="rect">
-            <a:avLst/>
-          </a:prstGeom>
-          <a:ln>
-            <a:noFill/>
-          </a:ln>
-        </p:spPr>
-      </p:pic>
+              <a:rPr lang="en-US" sz="4400" b="0" strike="noStrike" spc="-1">
+                <a:latin typeface="Arial"/>
+              </a:rPr>
+              <a:t>Diagnostic Analytics</a:t>
+            </a:r>
+          </a:p>
+        </p:txBody>
+      </p:sp>
     </p:spTree>
   </p:cSld>
-  <mc:AlternateContent>
-    <mc:Choice Requires="p14">
-      <p:transition spd="slow" p14:dur="2000"/>
-    </mc:Choice>
-    <mc:Fallback>
-      <p:transition spd="slow"/>
-    </mc:Fallback>
-  </mc:AlternateContent>
+  <p:clrMapOvr>
+    <a:masterClrMapping/>
+  </p:clrMapOvr>
 </p:sld>
 </file>
 
-<file path=ppt/slides/slide18.xml><?xml version="1.0" encoding="utf-8"?>
-<p:sld xmlns:a="http://schemas.openxmlformats.org/drawingml/2006/main" xmlns:p="http://schemas.openxmlformats.org/presentationml/2006/main" xmlns:r="http://schemas.openxmlformats.org/officeDocument/2006/relationships" xmlns:p14="http://schemas.microsoft.com/office/powerpoint/2010/main" xmlns:p15="http://schemas.microsoft.com/office/powerpoint/2012/main" xmlns:mc="http://schemas.openxmlformats.org/markup-compatibility/2006">
+<file path=ppt/slides/slide2.xml><?xml version="1.0" encoding="utf-8"?>
+<p:sld xmlns:a="http://schemas.openxmlformats.org/drawingml/2006/main" xmlns:r="http://schemas.openxmlformats.org/officeDocument/2006/relationships" xmlns:p="http://schemas.openxmlformats.org/presentationml/2006/main">
   <p:cSld>
     <p:spTree>
       <p:nvGrpSpPr>
@@ -4589,7 +5645,7 @@
       </p:grpSpPr>
       <p:sp>
         <p:nvSpPr>
-          <p:cNvPr id="115" name="TextShape 1"/>
+          <p:cNvPr id="83" name="TextShape 1"/>
           <p:cNvSpPr txBox="1"/>
           <p:nvPr/>
         </p:nvSpPr>
@@ -4607,9 +5663,10 @@
           </a:ln>
         </p:spPr>
         <p:txBody>
-          <a:bodyPr lIns="0" rIns="0" tIns="0" bIns="0" anchor="ctr">
+          <a:bodyPr lIns="0" tIns="0" rIns="0" bIns="0" anchor="ctr">
             <a:noAutofit/>
           </a:bodyPr>
+          <a:lstStyle/>
           <a:p>
             <a:pPr algn="ctr">
               <a:lnSpc>
@@ -4617,20 +5674,17 @@
               </a:lnSpc>
             </a:pPr>
             <a:r>
-              <a:rPr b="0" lang="en-US" sz="4400" spc="-1" strike="noStrike">
-                <a:latin typeface="Arial"/>
-              </a:rPr>
-              <a:t>Modeling</a:t>
-            </a:r>
-            <a:endParaRPr b="0" lang="en-US" sz="4400" spc="-1" strike="noStrike">
-              <a:latin typeface="Arial"/>
-            </a:endParaRPr>
-          </a:p>
-        </p:txBody>
-      </p:sp>
-      <p:sp>
-        <p:nvSpPr>
-          <p:cNvPr id="116" name="TextShape 2"/>
+              <a:rPr lang="en-US" sz="4400" b="0" strike="noStrike" spc="-1">
+                <a:latin typeface="Arial"/>
+              </a:rPr>
+              <a:t>4 Types of Analytics</a:t>
+            </a:r>
+          </a:p>
+        </p:txBody>
+      </p:sp>
+      <p:sp>
+        <p:nvSpPr>
+          <p:cNvPr id="84" name="TextShape 2"/>
           <p:cNvSpPr txBox="1"/>
           <p:nvPr/>
         </p:nvSpPr>
@@ -4648,11 +5702,12 @@
           </a:ln>
         </p:spPr>
         <p:txBody>
-          <a:bodyPr lIns="0" rIns="0" tIns="0" bIns="0">
-            <a:normAutofit fontScale="31000"/>
-          </a:bodyPr>
-          <a:p>
-            <a:pPr marL="475560" indent="-320040">
+          <a:bodyPr lIns="0" tIns="0" rIns="0" bIns="0">
+            <a:normAutofit/>
+          </a:bodyPr>
+          <a:lstStyle/>
+          <a:p>
+            <a:pPr marL="432000" indent="-323640">
               <a:lnSpc>
                 <a:spcPct val="100000"/>
               </a:lnSpc>
@@ -4662,69 +5717,19 @@
               <a:buClr>
                 <a:srgbClr val="000000"/>
               </a:buClr>
-              <a:buFont typeface="Symbol" charset="2"/>
-              <a:buChar char=""/>
-            </a:pPr>
-            <a:r>
-              <a:rPr b="0" lang="en-US" sz="3200" spc="-1" strike="noStrike">
-                <a:latin typeface="Arial"/>
-              </a:rPr>
-              <a:t>Diagnostic</a:t>
-            </a:r>
-            <a:endParaRPr b="0" lang="en-US" sz="3200" spc="-1" strike="noStrike">
-              <a:latin typeface="Arial"/>
-            </a:endParaRPr>
-          </a:p>
-          <a:p>
-            <a:pPr lvl="1" marL="864000" indent="-324000">
-              <a:lnSpc>
-                <a:spcPct val="100000"/>
-              </a:lnSpc>
-              <a:spcBef>
-                <a:spcPts val="1134"/>
-              </a:spcBef>
-              <a:buClr>
-                <a:srgbClr val="000000"/>
-              </a:buClr>
-              <a:buFont typeface="Symbol" charset="2"/>
-              <a:buChar char=""/>
-            </a:pPr>
-            <a:r>
-              <a:rPr b="0" lang="en-US" sz="3200" spc="-1" strike="noStrike">
-                <a:latin typeface="Arial"/>
-              </a:rPr>
-              <a:t>Correlation Analysis</a:t>
-            </a:r>
-            <a:endParaRPr b="0" lang="en-US" sz="3200" spc="-1" strike="noStrike">
-              <a:latin typeface="Arial"/>
-            </a:endParaRPr>
-          </a:p>
-          <a:p>
-            <a:pPr lvl="1" marL="864000" indent="-324000">
-              <a:lnSpc>
-                <a:spcPct val="100000"/>
-              </a:lnSpc>
-              <a:spcBef>
-                <a:spcPts val="1134"/>
-              </a:spcBef>
-              <a:buClr>
-                <a:srgbClr val="000000"/>
-              </a:buClr>
-              <a:buFont typeface="Symbol" charset="2"/>
-              <a:buChar char=""/>
-            </a:pPr>
-            <a:r>
-              <a:rPr b="0" lang="en-US" sz="3200" spc="-1" strike="noStrike">
-                <a:latin typeface="Arial"/>
-              </a:rPr>
-              <a:t>Changepoint Detection</a:t>
-            </a:r>
-            <a:endParaRPr b="0" lang="en-US" sz="3200" spc="-1" strike="noStrike">
-              <a:latin typeface="Arial"/>
-            </a:endParaRPr>
-          </a:p>
-          <a:p>
-            <a:pPr marL="475560" indent="-320040">
+              <a:buSzPct val="45000"/>
+              <a:buFont typeface="Wingdings" charset="2"/>
+              <a:buChar char=""/>
+            </a:pPr>
+            <a:r>
+              <a:rPr lang="en-US" sz="3200" b="0" strike="noStrike" spc="-1">
+                <a:latin typeface="Arial"/>
+              </a:rPr>
+              <a:t>Descriptive – “What happened?”</a:t>
+            </a:r>
+          </a:p>
+          <a:p>
+            <a:pPr marL="432000" indent="-323640">
               <a:lnSpc>
                 <a:spcPct val="100000"/>
               </a:lnSpc>
@@ -4734,93 +5739,19 @@
               <a:buClr>
                 <a:srgbClr val="000000"/>
               </a:buClr>
-              <a:buFont typeface="Symbol" charset="2"/>
-              <a:buChar char=""/>
-            </a:pPr>
-            <a:r>
-              <a:rPr b="0" lang="en-US" sz="3200" spc="-1" strike="noStrike">
-                <a:latin typeface="Arial"/>
-              </a:rPr>
-              <a:t>Predictive</a:t>
-            </a:r>
-            <a:endParaRPr b="0" lang="en-US" sz="3200" spc="-1" strike="noStrike">
-              <a:latin typeface="Arial"/>
-            </a:endParaRPr>
-          </a:p>
-          <a:p>
-            <a:pPr lvl="1" marL="864000" indent="-324000">
-              <a:lnSpc>
-                <a:spcPct val="100000"/>
-              </a:lnSpc>
-              <a:spcBef>
-                <a:spcPts val="1134"/>
-              </a:spcBef>
-              <a:buClr>
-                <a:srgbClr val="000000"/>
-              </a:buClr>
-              <a:buFont typeface="Symbol" charset="2"/>
-              <a:buChar char=""/>
-            </a:pPr>
-            <a:r>
-              <a:rPr b="0" lang="en-US" sz="3200" spc="-1" strike="noStrike">
-                <a:latin typeface="Arial"/>
-              </a:rPr>
-              <a:t>Supervised Learning</a:t>
-            </a:r>
-            <a:endParaRPr b="0" lang="en-US" sz="3200" spc="-1" strike="noStrike">
-              <a:latin typeface="Arial"/>
-            </a:endParaRPr>
-          </a:p>
-          <a:p>
-            <a:pPr lvl="1" marL="864000" indent="-324000">
-              <a:lnSpc>
-                <a:spcPct val="100000"/>
-              </a:lnSpc>
-              <a:spcBef>
-                <a:spcPts val="1134"/>
-              </a:spcBef>
-              <a:buClr>
-                <a:srgbClr val="000000"/>
-              </a:buClr>
-              <a:buFont typeface="Symbol" charset="2"/>
-              <a:buChar char=""/>
-            </a:pPr>
-            <a:r>
-              <a:rPr b="0" lang="en-US" sz="3200" spc="-1" strike="noStrike">
-                <a:latin typeface="Arial"/>
-              </a:rPr>
-              <a:t>Unsupervised Learning</a:t>
-            </a:r>
-            <a:endParaRPr b="0" lang="en-US" sz="3200" spc="-1" strike="noStrike">
-              <a:latin typeface="Arial"/>
-            </a:endParaRPr>
-          </a:p>
-          <a:p>
-            <a:pPr lvl="1" marL="864000" indent="-324000">
-              <a:lnSpc>
-                <a:spcPct val="100000"/>
-              </a:lnSpc>
-              <a:spcBef>
-                <a:spcPts val="1134"/>
-              </a:spcBef>
-              <a:buClr>
-                <a:srgbClr val="000000"/>
-              </a:buClr>
-              <a:buFont typeface="Symbol" charset="2"/>
-              <a:buChar char=""/>
-            </a:pPr>
-            <a:r>
-              <a:rPr b="0" lang="en-US" sz="3200" spc="-1" strike="noStrike">
-                <a:latin typeface="Arial"/>
-              </a:rPr>
-              <a:t>Semi-supervised Learning (Reinforcement Learning)</a:t>
-            </a:r>
-            <a:endParaRPr b="0" lang="en-US" sz="3200" spc="-1" strike="noStrike">
-              <a:latin typeface="Arial"/>
-            </a:endParaRPr>
-          </a:p>
-          <a:p>
-            <a:pPr marL="475560" indent="-320040">
+              <a:buSzPct val="45000"/>
+              <a:buFont typeface="Wingdings" charset="2"/>
+              <a:buChar char=""/>
+            </a:pPr>
+            <a:r>
+              <a:rPr lang="en-US" sz="3200" b="0" strike="noStrike" spc="-1">
+                <a:latin typeface="Arial"/>
+              </a:rPr>
+              <a:t>Diagnostic – “Why did it happen?”</a:t>
+            </a:r>
+          </a:p>
+          <a:p>
+            <a:pPr marL="432000" indent="-323640">
               <a:lnSpc>
                 <a:spcPct val="100000"/>
               </a:lnSpc>
@@ -4830,108 +5761,51 @@
               <a:buClr>
                 <a:srgbClr val="000000"/>
               </a:buClr>
-              <a:buFont typeface="Symbol" charset="2"/>
-              <a:buChar char=""/>
-            </a:pPr>
-            <a:r>
-              <a:rPr b="0" lang="en-US" sz="3200" spc="-1" strike="noStrike">
-                <a:latin typeface="Arial"/>
-              </a:rPr>
-              <a:t>Prescriptive</a:t>
-            </a:r>
-            <a:endParaRPr b="0" lang="en-US" sz="3200" spc="-1" strike="noStrike">
-              <a:latin typeface="Arial"/>
-            </a:endParaRPr>
-          </a:p>
-          <a:p>
-            <a:pPr lvl="1" marL="864000" indent="-324000">
+              <a:buSzPct val="45000"/>
+              <a:buFont typeface="Wingdings" charset="2"/>
+              <a:buChar char=""/>
+            </a:pPr>
+            <a:r>
+              <a:rPr lang="en-US" sz="3200" b="0" strike="noStrike" spc="-1">
+                <a:latin typeface="Arial"/>
+              </a:rPr>
+              <a:t>Predictive – “What might happen in the future?”</a:t>
+            </a:r>
+          </a:p>
+          <a:p>
+            <a:pPr marL="432000" indent="-323640">
               <a:lnSpc>
                 <a:spcPct val="100000"/>
               </a:lnSpc>
               <a:spcBef>
-                <a:spcPts val="1134"/>
+                <a:spcPts val="1417"/>
               </a:spcBef>
               <a:buClr>
                 <a:srgbClr val="000000"/>
               </a:buClr>
-              <a:buFont typeface="Symbol" charset="2"/>
-              <a:buChar char=""/>
-            </a:pPr>
-            <a:r>
-              <a:rPr b="0" lang="en-US" sz="3200" spc="-1" strike="noStrike">
-                <a:latin typeface="Arial"/>
-              </a:rPr>
-              <a:t>Math Programming</a:t>
-            </a:r>
-            <a:endParaRPr b="0" lang="en-US" sz="3200" spc="-1" strike="noStrike">
-              <a:latin typeface="Arial"/>
-            </a:endParaRPr>
-          </a:p>
-          <a:p>
-            <a:pPr lvl="1" marL="864000" indent="-324000">
-              <a:lnSpc>
-                <a:spcPct val="100000"/>
-              </a:lnSpc>
-              <a:spcBef>
-                <a:spcPts val="1134"/>
-              </a:spcBef>
-              <a:buClr>
-                <a:srgbClr val="000000"/>
-              </a:buClr>
-              <a:buFont typeface="Symbol" charset="2"/>
-              <a:buChar char=""/>
-            </a:pPr>
-            <a:r>
-              <a:rPr b="0" lang="en-US" sz="3200" spc="-1" strike="noStrike">
-                <a:latin typeface="Arial"/>
-              </a:rPr>
-              <a:t>Heuristics</a:t>
-            </a:r>
-            <a:endParaRPr b="0" lang="en-US" sz="3200" spc="-1" strike="noStrike">
-              <a:latin typeface="Arial"/>
-            </a:endParaRPr>
-          </a:p>
-          <a:p>
-            <a:pPr lvl="1" marL="864000" indent="-324000">
-              <a:lnSpc>
-                <a:spcPct val="100000"/>
-              </a:lnSpc>
-              <a:spcBef>
-                <a:spcPts val="1134"/>
-              </a:spcBef>
-              <a:buClr>
-                <a:srgbClr val="000000"/>
-              </a:buClr>
-              <a:buFont typeface="Symbol" charset="2"/>
-              <a:buChar char=""/>
-            </a:pPr>
-            <a:r>
-              <a:rPr b="0" lang="en-US" sz="3200" spc="-1" strike="noStrike">
-                <a:latin typeface="Arial"/>
-              </a:rPr>
-              <a:t>Simulation-Optimization</a:t>
-            </a:r>
-            <a:endParaRPr b="0" lang="en-US" sz="3200" spc="-1" strike="noStrike">
-              <a:latin typeface="Arial"/>
-            </a:endParaRPr>
+              <a:buSzPct val="45000"/>
+              <a:buFont typeface="Wingdings" charset="2"/>
+              <a:buChar char=""/>
+            </a:pPr>
+            <a:r>
+              <a:rPr lang="en-US" sz="3200" b="0" strike="noStrike" spc="-1">
+                <a:latin typeface="Arial"/>
+              </a:rPr>
+              <a:t>Prescriptive – “What should we do about it?”</a:t>
+            </a:r>
           </a:p>
         </p:txBody>
       </p:sp>
     </p:spTree>
   </p:cSld>
-  <mc:AlternateContent>
-    <mc:Choice Requires="p14">
-      <p:transition spd="slow" p14:dur="2000"/>
-    </mc:Choice>
-    <mc:Fallback>
-      <p:transition spd="slow"/>
-    </mc:Fallback>
-  </mc:AlternateContent>
+  <p:clrMapOvr>
+    <a:masterClrMapping/>
+  </p:clrMapOvr>
 </p:sld>
 </file>
 
-<file path=ppt/slides/slide19.xml><?xml version="1.0" encoding="utf-8"?>
-<p:sld xmlns:a="http://schemas.openxmlformats.org/drawingml/2006/main" xmlns:p="http://schemas.openxmlformats.org/presentationml/2006/main" xmlns:r="http://schemas.openxmlformats.org/officeDocument/2006/relationships" xmlns:p14="http://schemas.microsoft.com/office/powerpoint/2010/main" xmlns:p15="http://schemas.microsoft.com/office/powerpoint/2012/main" xmlns:mc="http://schemas.openxmlformats.org/markup-compatibility/2006">
+<file path=ppt/slides/slide20.xml><?xml version="1.0" encoding="utf-8"?>
+<p:sld xmlns:a="http://schemas.openxmlformats.org/drawingml/2006/main" xmlns:r="http://schemas.openxmlformats.org/officeDocument/2006/relationships" xmlns:p="http://schemas.openxmlformats.org/presentationml/2006/main">
   <p:cSld>
     <p:spTree>
       <p:nvGrpSpPr>
@@ -4949,7 +5823,7 @@
       </p:grpSpPr>
       <p:sp>
         <p:nvSpPr>
-          <p:cNvPr id="117" name="TextShape 1"/>
+          <p:cNvPr id="118" name="TextShape 1"/>
           <p:cNvSpPr txBox="1"/>
           <p:nvPr/>
         </p:nvSpPr>
@@ -4967,9 +5841,10 @@
           </a:ln>
         </p:spPr>
         <p:txBody>
-          <a:bodyPr lIns="0" rIns="0" tIns="0" bIns="0" anchor="ctr">
+          <a:bodyPr lIns="0" tIns="0" rIns="0" bIns="0" anchor="ctr">
             <a:noAutofit/>
           </a:bodyPr>
+          <a:lstStyle/>
           <a:p>
             <a:pPr algn="ctr">
               <a:lnSpc>
@@ -4977,32 +5852,47 @@
               </a:lnSpc>
             </a:pPr>
             <a:r>
-              <a:rPr b="0" lang="en-US" sz="4400" spc="-1" strike="noStrike">
-                <a:latin typeface="Arial"/>
-              </a:rPr>
-              <a:t>Diagnostic Analytics</a:t>
-            </a:r>
-            <a:endParaRPr b="0" lang="en-US" sz="4400" spc="-1" strike="noStrike">
-              <a:latin typeface="Arial"/>
-            </a:endParaRPr>
-          </a:p>
-        </p:txBody>
-      </p:sp>
+              <a:rPr lang="en-US" sz="4400" b="0" strike="noStrike" spc="-1">
+                <a:latin typeface="Arial"/>
+              </a:rPr>
+              <a:t>Correlation Analysis</a:t>
+            </a:r>
+          </a:p>
+        </p:txBody>
+      </p:sp>
+      <p:pic>
+        <p:nvPicPr>
+          <p:cNvPr id="119" name="Picture 118"/>
+          <p:cNvPicPr/>
+          <p:nvPr/>
+        </p:nvPicPr>
+        <p:blipFill>
+          <a:blip r:embed="rId2"/>
+          <a:stretch/>
+        </p:blipFill>
+        <p:spPr>
+          <a:xfrm>
+            <a:off x="3383280" y="1396440"/>
+            <a:ext cx="3907080" cy="3907080"/>
+          </a:xfrm>
+          <a:prstGeom prst="rect">
+            <a:avLst/>
+          </a:prstGeom>
+          <a:ln>
+            <a:noFill/>
+          </a:ln>
+        </p:spPr>
+      </p:pic>
     </p:spTree>
   </p:cSld>
-  <mc:AlternateContent>
-    <mc:Choice Requires="p14">
-      <p:transition spd="slow" p14:dur="2000"/>
-    </mc:Choice>
-    <mc:Fallback>
-      <p:transition spd="slow"/>
-    </mc:Fallback>
-  </mc:AlternateContent>
+  <p:clrMapOvr>
+    <a:masterClrMapping/>
+  </p:clrMapOvr>
 </p:sld>
 </file>
 
-<file path=ppt/slides/slide2.xml><?xml version="1.0" encoding="utf-8"?>
-<p:sld xmlns:a="http://schemas.openxmlformats.org/drawingml/2006/main" xmlns:p="http://schemas.openxmlformats.org/presentationml/2006/main" xmlns:r="http://schemas.openxmlformats.org/officeDocument/2006/relationships" xmlns:p14="http://schemas.microsoft.com/office/powerpoint/2010/main" xmlns:p15="http://schemas.microsoft.com/office/powerpoint/2012/main" xmlns:mc="http://schemas.openxmlformats.org/markup-compatibility/2006">
+<file path=ppt/slides/slide21.xml><?xml version="1.0" encoding="utf-8"?>
+<p:sld xmlns:a="http://schemas.openxmlformats.org/drawingml/2006/main" xmlns:r="http://schemas.openxmlformats.org/officeDocument/2006/relationships" xmlns:p="http://schemas.openxmlformats.org/presentationml/2006/main">
   <p:cSld>
     <p:spTree>
       <p:nvGrpSpPr>
@@ -5020,7 +5910,7 @@
       </p:grpSpPr>
       <p:sp>
         <p:nvSpPr>
-          <p:cNvPr id="83" name="TextShape 1"/>
+          <p:cNvPr id="120" name="TextShape 1"/>
           <p:cNvSpPr txBox="1"/>
           <p:nvPr/>
         </p:nvSpPr>
@@ -5038,9 +5928,10 @@
           </a:ln>
         </p:spPr>
         <p:txBody>
-          <a:bodyPr lIns="0" rIns="0" tIns="0" bIns="0" anchor="ctr">
+          <a:bodyPr lIns="0" tIns="0" rIns="0" bIns="0" anchor="ctr">
             <a:noAutofit/>
           </a:bodyPr>
+          <a:lstStyle/>
           <a:p>
             <a:pPr algn="ctr">
               <a:lnSpc>
@@ -5048,157 +5939,48 @@
               </a:lnSpc>
             </a:pPr>
             <a:r>
-              <a:rPr b="0" lang="en-US" sz="4400" spc="-1" strike="noStrike">
-                <a:latin typeface="Arial"/>
-              </a:rPr>
-              <a:t>4 Types of Analytics</a:t>
-            </a:r>
-            <a:endParaRPr b="0" lang="en-US" sz="4400" spc="-1" strike="noStrike">
-              <a:latin typeface="Arial"/>
-            </a:endParaRPr>
-          </a:p>
-        </p:txBody>
-      </p:sp>
-      <p:sp>
-        <p:nvSpPr>
-          <p:cNvPr id="84" name="TextShape 2"/>
-          <p:cNvSpPr txBox="1"/>
+              <a:rPr lang="en-US" sz="4400" b="0" strike="noStrike" spc="-1">
+                <a:latin typeface="Arial"/>
+              </a:rPr>
+              <a:t>Changepoint Detection</a:t>
+            </a:r>
+          </a:p>
+        </p:txBody>
+      </p:sp>
+      <p:pic>
+        <p:nvPicPr>
+          <p:cNvPr id="121" name="Picture 120"/>
+          <p:cNvPicPr/>
           <p:nvPr/>
-        </p:nvSpPr>
-        <p:spPr>
-          <a:xfrm>
-            <a:off x="504000" y="1326600"/>
-            <a:ext cx="9071280" cy="3287880"/>
-          </a:xfrm>
-          <a:prstGeom prst="rect">
-            <a:avLst/>
-          </a:prstGeom>
-          <a:noFill/>
+        </p:nvPicPr>
+        <p:blipFill>
+          <a:blip r:embed="rId2"/>
+          <a:srcRect l="1394" r="996" b="740"/>
+          <a:stretch/>
+        </p:blipFill>
+        <p:spPr>
+          <a:xfrm>
+            <a:off x="1829160" y="1554480"/>
+            <a:ext cx="6400440" cy="3657240"/>
+          </a:xfrm>
+          <a:prstGeom prst="rect">
+            <a:avLst/>
+          </a:prstGeom>
           <a:ln>
             <a:noFill/>
           </a:ln>
         </p:spPr>
-        <p:txBody>
-          <a:bodyPr lIns="0" rIns="0" tIns="0" bIns="0">
-            <a:normAutofit/>
-          </a:bodyPr>
-          <a:p>
-            <a:pPr marL="432000" indent="-323640">
-              <a:lnSpc>
-                <a:spcPct val="100000"/>
-              </a:lnSpc>
-              <a:spcBef>
-                <a:spcPts val="1417"/>
-              </a:spcBef>
-              <a:buClr>
-                <a:srgbClr val="000000"/>
-              </a:buClr>
-              <a:buSzPct val="45000"/>
-              <a:buFont typeface="Wingdings" charset="2"/>
-              <a:buChar char=""/>
-            </a:pPr>
-            <a:r>
-              <a:rPr b="0" lang="en-US" sz="3200" spc="-1" strike="noStrike">
-                <a:latin typeface="Arial"/>
-              </a:rPr>
-              <a:t>Descriptive – “What happened?”</a:t>
-            </a:r>
-            <a:endParaRPr b="0" lang="en-US" sz="3200" spc="-1" strike="noStrike">
-              <a:latin typeface="Arial"/>
-            </a:endParaRPr>
-          </a:p>
-          <a:p>
-            <a:pPr marL="432000" indent="-323640">
-              <a:lnSpc>
-                <a:spcPct val="100000"/>
-              </a:lnSpc>
-              <a:spcBef>
-                <a:spcPts val="1417"/>
-              </a:spcBef>
-              <a:buClr>
-                <a:srgbClr val="000000"/>
-              </a:buClr>
-              <a:buSzPct val="45000"/>
-              <a:buFont typeface="Wingdings" charset="2"/>
-              <a:buChar char=""/>
-            </a:pPr>
-            <a:r>
-              <a:rPr b="0" lang="en-US" sz="3200" spc="-1" strike="noStrike">
-                <a:latin typeface="Arial"/>
-              </a:rPr>
-              <a:t>Diagnostic – “Why did it happen?”</a:t>
-            </a:r>
-            <a:endParaRPr b="0" lang="en-US" sz="3200" spc="-1" strike="noStrike">
-              <a:latin typeface="Arial"/>
-            </a:endParaRPr>
-          </a:p>
-          <a:p>
-            <a:pPr marL="432000" indent="-323640">
-              <a:lnSpc>
-                <a:spcPct val="100000"/>
-              </a:lnSpc>
-              <a:spcBef>
-                <a:spcPts val="1417"/>
-              </a:spcBef>
-              <a:buClr>
-                <a:srgbClr val="000000"/>
-              </a:buClr>
-              <a:buSzPct val="45000"/>
-              <a:buFont typeface="Wingdings" charset="2"/>
-              <a:buChar char=""/>
-            </a:pPr>
-            <a:r>
-              <a:rPr b="0" lang="en-US" sz="3200" spc="-1" strike="noStrike">
-                <a:latin typeface="Arial"/>
-              </a:rPr>
-              <a:t>Predictive – “What might happen in the future?”</a:t>
-            </a:r>
-            <a:endParaRPr b="0" lang="en-US" sz="3200" spc="-1" strike="noStrike">
-              <a:latin typeface="Arial"/>
-            </a:endParaRPr>
-          </a:p>
-          <a:p>
-            <a:pPr marL="432000" indent="-323640">
-              <a:lnSpc>
-                <a:spcPct val="100000"/>
-              </a:lnSpc>
-              <a:spcBef>
-                <a:spcPts val="1417"/>
-              </a:spcBef>
-              <a:buClr>
-                <a:srgbClr val="000000"/>
-              </a:buClr>
-              <a:buSzPct val="45000"/>
-              <a:buFont typeface="Wingdings" charset="2"/>
-              <a:buChar char=""/>
-            </a:pPr>
-            <a:r>
-              <a:rPr b="0" lang="en-US" sz="3200" spc="-1" strike="noStrike">
-                <a:latin typeface="Arial"/>
-              </a:rPr>
-              <a:t>Prescriptive – “What should we do about it?”</a:t>
-            </a:r>
-            <a:endParaRPr b="0" lang="en-US" sz="3200" spc="-1" strike="noStrike">
-              <a:latin typeface="Arial"/>
-            </a:endParaRPr>
-          </a:p>
-        </p:txBody>
-      </p:sp>
+      </p:pic>
     </p:spTree>
   </p:cSld>
-  <mc:AlternateContent>
-    <mc:Choice Requires="p14">
-      <p:transition spd="slow" p14:dur="2000"/>
-    </mc:Choice>
-    <mc:Fallback>
-      <p:transition spd="slow"/>
-    </mc:Fallback>
-  </mc:AlternateContent>
+  <p:clrMapOvr>
+    <a:masterClrMapping/>
+  </p:clrMapOvr>
 </p:sld>
 </file>
 
-<file path=ppt/slides/slide20.xml><?xml version="1.0" encoding="utf-8"?>
-<p:sld xmlns:a="http://schemas.openxmlformats.org/drawingml/2006/main" xmlns:p="http://schemas.openxmlformats.org/presentationml/2006/main" xmlns:r="http://schemas.openxmlformats.org/officeDocument/2006/relationships" xmlns:p14="http://schemas.microsoft.com/office/powerpoint/2010/main" xmlns:p15="http://schemas.microsoft.com/office/powerpoint/2012/main" xmlns:mc="http://schemas.openxmlformats.org/markup-compatibility/2006">
+<file path=ppt/slides/slide22.xml><?xml version="1.0" encoding="utf-8"?>
+<p:sld xmlns:a="http://schemas.openxmlformats.org/drawingml/2006/main" xmlns:r="http://schemas.openxmlformats.org/officeDocument/2006/relationships" xmlns:p="http://schemas.openxmlformats.org/presentationml/2006/main">
   <p:cSld>
     <p:spTree>
       <p:nvGrpSpPr>
@@ -5216,7 +5998,7 @@
       </p:grpSpPr>
       <p:sp>
         <p:nvSpPr>
-          <p:cNvPr id="118" name="TextShape 1"/>
+          <p:cNvPr id="122" name="TextShape 1"/>
           <p:cNvSpPr txBox="1"/>
           <p:nvPr/>
         </p:nvSpPr>
@@ -5234,9 +6016,10 @@
           </a:ln>
         </p:spPr>
         <p:txBody>
-          <a:bodyPr lIns="0" rIns="0" tIns="0" bIns="0" anchor="ctr">
+          <a:bodyPr lIns="0" tIns="0" rIns="0" bIns="0" anchor="ctr">
             <a:noAutofit/>
           </a:bodyPr>
+          <a:lstStyle/>
           <a:p>
             <a:pPr algn="ctr">
               <a:lnSpc>
@@ -5244,55 +6027,24 @@
               </a:lnSpc>
             </a:pPr>
             <a:r>
-              <a:rPr b="0" lang="en-US" sz="4400" spc="-1" strike="noStrike">
-                <a:latin typeface="Arial"/>
-              </a:rPr>
-              <a:t>Correlation Analysis</a:t>
-            </a:r>
-            <a:endParaRPr b="0" lang="en-US" sz="4400" spc="-1" strike="noStrike">
-              <a:latin typeface="Arial"/>
-            </a:endParaRPr>
-          </a:p>
-        </p:txBody>
-      </p:sp>
-      <p:pic>
-        <p:nvPicPr>
-          <p:cNvPr id="119" name="" descr=""/>
-          <p:cNvPicPr/>
-          <p:nvPr/>
-        </p:nvPicPr>
-        <p:blipFill>
-          <a:blip r:embed="rId1"/>
-          <a:stretch/>
-        </p:blipFill>
-        <p:spPr>
-          <a:xfrm>
-            <a:off x="3383280" y="1396440"/>
-            <a:ext cx="3907080" cy="3907080"/>
-          </a:xfrm>
-          <a:prstGeom prst="rect">
-            <a:avLst/>
-          </a:prstGeom>
-          <a:ln>
-            <a:noFill/>
-          </a:ln>
-        </p:spPr>
-      </p:pic>
+              <a:rPr lang="en-US" sz="4400" b="0" strike="noStrike" spc="-1">
+                <a:latin typeface="Arial"/>
+              </a:rPr>
+              <a:t>Predictive Analytics</a:t>
+            </a:r>
+          </a:p>
+        </p:txBody>
+      </p:sp>
     </p:spTree>
   </p:cSld>
-  <mc:AlternateContent>
-    <mc:Choice Requires="p14">
-      <p:transition spd="slow" p14:dur="2000"/>
-    </mc:Choice>
-    <mc:Fallback>
-      <p:transition spd="slow"/>
-    </mc:Fallback>
-  </mc:AlternateContent>
+  <p:clrMapOvr>
+    <a:masterClrMapping/>
+  </p:clrMapOvr>
 </p:sld>
 </file>
 
-<file path=ppt/slides/slide21.xml><?xml version="1.0" encoding="utf-8"?>
-<p:sld xmlns:a="http://schemas.openxmlformats.org/drawingml/2006/main" xmlns:p="http://schemas.openxmlformats.org/presentationml/2006/main" xmlns:r="http://schemas.openxmlformats.org/officeDocument/2006/relationships" xmlns:p14="http://schemas.microsoft.com/office/powerpoint/2010/main" xmlns:p15="http://schemas.microsoft.com/office/powerpoint/2012/main" xmlns:mc="http://schemas.openxmlformats.org/markup-compatibility/2006">
+<file path=ppt/slides/slide23.xml><?xml version="1.0" encoding="utf-8"?>
+<p:sld xmlns:a="http://schemas.openxmlformats.org/drawingml/2006/main" xmlns:r="http://schemas.openxmlformats.org/officeDocument/2006/relationships" xmlns:p="http://schemas.openxmlformats.org/presentationml/2006/main">
   <p:cSld>
     <p:spTree>
       <p:nvGrpSpPr>
@@ -5310,7 +6062,7 @@
       </p:grpSpPr>
       <p:sp>
         <p:nvSpPr>
-          <p:cNvPr id="120" name="TextShape 1"/>
+          <p:cNvPr id="123" name="TextShape 1"/>
           <p:cNvSpPr txBox="1"/>
           <p:nvPr/>
         </p:nvSpPr>
@@ -5328,9 +6080,10 @@
           </a:ln>
         </p:spPr>
         <p:txBody>
-          <a:bodyPr lIns="0" rIns="0" tIns="0" bIns="0" anchor="ctr">
+          <a:bodyPr lIns="0" tIns="0" rIns="0" bIns="0" anchor="ctr">
             <a:noAutofit/>
           </a:bodyPr>
+          <a:lstStyle/>
           <a:p>
             <a:pPr algn="ctr">
               <a:lnSpc>
@@ -5338,32 +6091,28 @@
               </a:lnSpc>
             </a:pPr>
             <a:r>
-              <a:rPr b="0" lang="en-US" sz="4400" spc="-1" strike="noStrike">
-                <a:latin typeface="Arial"/>
-              </a:rPr>
-              <a:t>Changepoint Detection</a:t>
-            </a:r>
-            <a:endParaRPr b="0" lang="en-US" sz="4400" spc="-1" strike="noStrike">
-              <a:latin typeface="Arial"/>
-            </a:endParaRPr>
+              <a:rPr lang="en-US" sz="4400" b="0" strike="noStrike" spc="-1">
+                <a:latin typeface="Arial"/>
+              </a:rPr>
+              <a:t>Supervised Learning</a:t>
+            </a:r>
           </a:p>
         </p:txBody>
       </p:sp>
       <p:pic>
         <p:nvPicPr>
-          <p:cNvPr id="121" name="" descr=""/>
+          <p:cNvPr id="124" name="Picture 123"/>
           <p:cNvPicPr/>
           <p:nvPr/>
         </p:nvPicPr>
         <p:blipFill>
-          <a:blip r:embed="rId1"/>
-          <a:srcRect l="1394" t="0" r="996" b="740"/>
+          <a:blip r:embed="rId2"/>
           <a:stretch/>
         </p:blipFill>
         <p:spPr>
           <a:xfrm>
-            <a:off x="1829160" y="1554480"/>
-            <a:ext cx="6400440" cy="3657240"/>
+            <a:off x="1508400" y="1280160"/>
+            <a:ext cx="7544160" cy="4111200"/>
           </a:xfrm>
           <a:prstGeom prst="rect">
             <a:avLst/>
@@ -5375,19 +6124,14 @@
       </p:pic>
     </p:spTree>
   </p:cSld>
-  <mc:AlternateContent>
-    <mc:Choice Requires="p14">
-      <p:transition spd="slow" p14:dur="2000"/>
-    </mc:Choice>
-    <mc:Fallback>
-      <p:transition spd="slow"/>
-    </mc:Fallback>
-  </mc:AlternateContent>
+  <p:clrMapOvr>
+    <a:masterClrMapping/>
+  </p:clrMapOvr>
 </p:sld>
 </file>
 
-<file path=ppt/slides/slide22.xml><?xml version="1.0" encoding="utf-8"?>
-<p:sld xmlns:a="http://schemas.openxmlformats.org/drawingml/2006/main" xmlns:p="http://schemas.openxmlformats.org/presentationml/2006/main" xmlns:r="http://schemas.openxmlformats.org/officeDocument/2006/relationships" xmlns:p14="http://schemas.microsoft.com/office/powerpoint/2010/main" xmlns:p15="http://schemas.microsoft.com/office/powerpoint/2012/main" xmlns:mc="http://schemas.openxmlformats.org/markup-compatibility/2006">
+<file path=ppt/slides/slide24.xml><?xml version="1.0" encoding="utf-8"?>
+<p:sld xmlns:a="http://schemas.openxmlformats.org/drawingml/2006/main" xmlns:r="http://schemas.openxmlformats.org/officeDocument/2006/relationships" xmlns:p="http://schemas.openxmlformats.org/presentationml/2006/main">
   <p:cSld>
     <p:spTree>
       <p:nvGrpSpPr>
@@ -5405,7 +6149,7 @@
       </p:grpSpPr>
       <p:sp>
         <p:nvSpPr>
-          <p:cNvPr id="122" name="TextShape 1"/>
+          <p:cNvPr id="125" name="TextShape 1"/>
           <p:cNvSpPr txBox="1"/>
           <p:nvPr/>
         </p:nvSpPr>
@@ -5423,9 +6167,10 @@
           </a:ln>
         </p:spPr>
         <p:txBody>
-          <a:bodyPr lIns="0" rIns="0" tIns="0" bIns="0" anchor="ctr">
+          <a:bodyPr lIns="0" tIns="0" rIns="0" bIns="0" anchor="ctr">
             <a:noAutofit/>
           </a:bodyPr>
+          <a:lstStyle/>
           <a:p>
             <a:pPr algn="ctr">
               <a:lnSpc>
@@ -5433,32 +6178,47 @@
               </a:lnSpc>
             </a:pPr>
             <a:r>
-              <a:rPr b="0" lang="en-US" sz="4400" spc="-1" strike="noStrike">
-                <a:latin typeface="Arial"/>
-              </a:rPr>
-              <a:t>Predictive Analytics</a:t>
-            </a:r>
-            <a:endParaRPr b="0" lang="en-US" sz="4400" spc="-1" strike="noStrike">
-              <a:latin typeface="Arial"/>
-            </a:endParaRPr>
-          </a:p>
-        </p:txBody>
-      </p:sp>
+              <a:rPr lang="en-US" sz="4400" b="0" strike="noStrike" spc="-1">
+                <a:latin typeface="Arial"/>
+              </a:rPr>
+              <a:t>Supervised Learning</a:t>
+            </a:r>
+          </a:p>
+        </p:txBody>
+      </p:sp>
+      <p:pic>
+        <p:nvPicPr>
+          <p:cNvPr id="126" name="Picture 125"/>
+          <p:cNvPicPr/>
+          <p:nvPr/>
+        </p:nvPicPr>
+        <p:blipFill>
+          <a:blip r:embed="rId2"/>
+          <a:stretch/>
+        </p:blipFill>
+        <p:spPr>
+          <a:xfrm>
+            <a:off x="1283040" y="1371600"/>
+            <a:ext cx="8043840" cy="4021920"/>
+          </a:xfrm>
+          <a:prstGeom prst="rect">
+            <a:avLst/>
+          </a:prstGeom>
+          <a:ln>
+            <a:noFill/>
+          </a:ln>
+        </p:spPr>
+      </p:pic>
     </p:spTree>
   </p:cSld>
-  <mc:AlternateContent>
-    <mc:Choice Requires="p14">
-      <p:transition spd="slow" p14:dur="2000"/>
-    </mc:Choice>
-    <mc:Fallback>
-      <p:transition spd="slow"/>
-    </mc:Fallback>
-  </mc:AlternateContent>
+  <p:clrMapOvr>
+    <a:masterClrMapping/>
+  </p:clrMapOvr>
 </p:sld>
 </file>
 
-<file path=ppt/slides/slide23.xml><?xml version="1.0" encoding="utf-8"?>
-<p:sld xmlns:a="http://schemas.openxmlformats.org/drawingml/2006/main" xmlns:p="http://schemas.openxmlformats.org/presentationml/2006/main" xmlns:r="http://schemas.openxmlformats.org/officeDocument/2006/relationships" xmlns:p14="http://schemas.microsoft.com/office/powerpoint/2010/main" xmlns:p15="http://schemas.microsoft.com/office/powerpoint/2012/main" xmlns:mc="http://schemas.openxmlformats.org/markup-compatibility/2006">
+<file path=ppt/slides/slide25.xml><?xml version="1.0" encoding="utf-8"?>
+<p:sld xmlns:a="http://schemas.openxmlformats.org/drawingml/2006/main" xmlns:r="http://schemas.openxmlformats.org/officeDocument/2006/relationships" xmlns:p="http://schemas.openxmlformats.org/presentationml/2006/main">
   <p:cSld>
     <p:spTree>
       <p:nvGrpSpPr>
@@ -5476,7 +6236,7 @@
       </p:grpSpPr>
       <p:sp>
         <p:nvSpPr>
-          <p:cNvPr id="123" name="TextShape 1"/>
+          <p:cNvPr id="127" name="TextShape 1"/>
           <p:cNvSpPr txBox="1"/>
           <p:nvPr/>
         </p:nvSpPr>
@@ -5494,9 +6254,10 @@
           </a:ln>
         </p:spPr>
         <p:txBody>
-          <a:bodyPr lIns="0" rIns="0" tIns="0" bIns="0" anchor="ctr">
+          <a:bodyPr lIns="0" tIns="0" rIns="0" bIns="0" anchor="ctr">
             <a:noAutofit/>
           </a:bodyPr>
+          <a:lstStyle/>
           <a:p>
             <a:pPr algn="ctr">
               <a:lnSpc>
@@ -5504,31 +6265,28 @@
               </a:lnSpc>
             </a:pPr>
             <a:r>
-              <a:rPr b="0" lang="en-US" sz="4400" spc="-1" strike="noStrike">
-                <a:latin typeface="Arial"/>
-              </a:rPr>
-              <a:t>Supervised Learning</a:t>
-            </a:r>
-            <a:endParaRPr b="0" lang="en-US" sz="4400" spc="-1" strike="noStrike">
-              <a:latin typeface="Arial"/>
-            </a:endParaRPr>
+              <a:rPr lang="en-US" sz="4400" b="0" strike="noStrike" spc="-1">
+                <a:latin typeface="Arial"/>
+              </a:rPr>
+              <a:t>Unsupervised Learning</a:t>
+            </a:r>
           </a:p>
         </p:txBody>
       </p:sp>
       <p:pic>
         <p:nvPicPr>
-          <p:cNvPr id="124" name="" descr=""/>
+          <p:cNvPr id="128" name="Picture 127"/>
           <p:cNvPicPr/>
           <p:nvPr/>
         </p:nvPicPr>
         <p:blipFill>
-          <a:blip r:embed="rId1"/>
+          <a:blip r:embed="rId2"/>
           <a:stretch/>
         </p:blipFill>
         <p:spPr>
           <a:xfrm>
-            <a:off x="1508400" y="1280160"/>
-            <a:ext cx="7544160" cy="4111200"/>
+            <a:off x="3281040" y="1646640"/>
+            <a:ext cx="3524040" cy="2361960"/>
           </a:xfrm>
           <a:prstGeom prst="rect">
             <a:avLst/>
@@ -5540,19 +6298,14 @@
       </p:pic>
     </p:spTree>
   </p:cSld>
-  <mc:AlternateContent>
-    <mc:Choice Requires="p14">
-      <p:transition spd="slow" p14:dur="2000"/>
-    </mc:Choice>
-    <mc:Fallback>
-      <p:transition spd="slow"/>
-    </mc:Fallback>
-  </mc:AlternateContent>
+  <p:clrMapOvr>
+    <a:masterClrMapping/>
+  </p:clrMapOvr>
 </p:sld>
 </file>
 
-<file path=ppt/slides/slide24.xml><?xml version="1.0" encoding="utf-8"?>
-<p:sld xmlns:a="http://schemas.openxmlformats.org/drawingml/2006/main" xmlns:p="http://schemas.openxmlformats.org/presentationml/2006/main" xmlns:r="http://schemas.openxmlformats.org/officeDocument/2006/relationships" xmlns:p14="http://schemas.microsoft.com/office/powerpoint/2010/main" xmlns:p15="http://schemas.microsoft.com/office/powerpoint/2012/main" xmlns:mc="http://schemas.openxmlformats.org/markup-compatibility/2006">
+<file path=ppt/slides/slide26.xml><?xml version="1.0" encoding="utf-8"?>
+<p:sld xmlns:a="http://schemas.openxmlformats.org/drawingml/2006/main" xmlns:r="http://schemas.openxmlformats.org/officeDocument/2006/relationships" xmlns:p="http://schemas.openxmlformats.org/presentationml/2006/main">
   <p:cSld>
     <p:spTree>
       <p:nvGrpSpPr>
@@ -5570,7 +6323,7 @@
       </p:grpSpPr>
       <p:sp>
         <p:nvSpPr>
-          <p:cNvPr id="125" name="TextShape 1"/>
+          <p:cNvPr id="129" name="TextShape 1"/>
           <p:cNvSpPr txBox="1"/>
           <p:nvPr/>
         </p:nvSpPr>
@@ -5588,9 +6341,10 @@
           </a:ln>
         </p:spPr>
         <p:txBody>
-          <a:bodyPr lIns="0" rIns="0" tIns="0" bIns="0" anchor="ctr">
+          <a:bodyPr lIns="0" tIns="0" rIns="0" bIns="0" anchor="ctr">
             <a:noAutofit/>
           </a:bodyPr>
+          <a:lstStyle/>
           <a:p>
             <a:pPr algn="ctr">
               <a:lnSpc>
@@ -5598,31 +6352,28 @@
               </a:lnSpc>
             </a:pPr>
             <a:r>
-              <a:rPr b="0" lang="en-US" sz="4400" spc="-1" strike="noStrike">
-                <a:latin typeface="Arial"/>
-              </a:rPr>
-              <a:t>Supervised Learning</a:t>
-            </a:r>
-            <a:endParaRPr b="0" lang="en-US" sz="4400" spc="-1" strike="noStrike">
-              <a:latin typeface="Arial"/>
-            </a:endParaRPr>
+              <a:rPr lang="en-US" sz="4400" b="0" strike="noStrike" spc="-1">
+                <a:latin typeface="Arial"/>
+              </a:rPr>
+              <a:t>Reinforcement Learning</a:t>
+            </a:r>
           </a:p>
         </p:txBody>
       </p:sp>
       <p:pic>
         <p:nvPicPr>
-          <p:cNvPr id="126" name="" descr=""/>
+          <p:cNvPr id="130" name="Picture 129"/>
           <p:cNvPicPr/>
           <p:nvPr/>
         </p:nvPicPr>
         <p:blipFill>
-          <a:blip r:embed="rId1"/>
+          <a:blip r:embed="rId2"/>
           <a:stretch/>
         </p:blipFill>
         <p:spPr>
           <a:xfrm>
-            <a:off x="1283040" y="1371600"/>
-            <a:ext cx="8043840" cy="4021920"/>
+            <a:off x="2104920" y="1442160"/>
+            <a:ext cx="5876640" cy="2771280"/>
           </a:xfrm>
           <a:prstGeom prst="rect">
             <a:avLst/>
@@ -5634,19 +6385,14 @@
       </p:pic>
     </p:spTree>
   </p:cSld>
-  <mc:AlternateContent>
-    <mc:Choice Requires="p14">
-      <p:transition spd="slow" p14:dur="2000"/>
-    </mc:Choice>
-    <mc:Fallback>
-      <p:transition spd="slow"/>
-    </mc:Fallback>
-  </mc:AlternateContent>
+  <p:clrMapOvr>
+    <a:masterClrMapping/>
+  </p:clrMapOvr>
 </p:sld>
 </file>
 
-<file path=ppt/slides/slide25.xml><?xml version="1.0" encoding="utf-8"?>
-<p:sld xmlns:a="http://schemas.openxmlformats.org/drawingml/2006/main" xmlns:p="http://schemas.openxmlformats.org/presentationml/2006/main" xmlns:r="http://schemas.openxmlformats.org/officeDocument/2006/relationships" xmlns:p14="http://schemas.microsoft.com/office/powerpoint/2010/main" xmlns:p15="http://schemas.microsoft.com/office/powerpoint/2012/main" xmlns:mc="http://schemas.openxmlformats.org/markup-compatibility/2006">
+<file path=ppt/slides/slide27.xml><?xml version="1.0" encoding="utf-8"?>
+<p:sld xmlns:a="http://schemas.openxmlformats.org/drawingml/2006/main" xmlns:r="http://schemas.openxmlformats.org/officeDocument/2006/relationships" xmlns:p="http://schemas.openxmlformats.org/presentationml/2006/main">
   <p:cSld>
     <p:spTree>
       <p:nvGrpSpPr>
@@ -5664,7 +6410,7 @@
       </p:grpSpPr>
       <p:sp>
         <p:nvSpPr>
-          <p:cNvPr id="127" name="TextShape 1"/>
+          <p:cNvPr id="131" name="TextShape 1"/>
           <p:cNvSpPr txBox="1"/>
           <p:nvPr/>
         </p:nvSpPr>
@@ -5682,9 +6428,10 @@
           </a:ln>
         </p:spPr>
         <p:txBody>
-          <a:bodyPr lIns="0" rIns="0" tIns="0" bIns="0" anchor="ctr">
+          <a:bodyPr lIns="0" tIns="0" rIns="0" bIns="0" anchor="ctr">
             <a:noAutofit/>
           </a:bodyPr>
+          <a:lstStyle/>
           <a:p>
             <a:pPr algn="ctr">
               <a:lnSpc>
@@ -5692,55 +6439,24 @@
               </a:lnSpc>
             </a:pPr>
             <a:r>
-              <a:rPr b="0" lang="en-US" sz="4400" spc="-1" strike="noStrike">
-                <a:latin typeface="Arial"/>
-              </a:rPr>
-              <a:t>Unsupervised Learning</a:t>
-            </a:r>
-            <a:endParaRPr b="0" lang="en-US" sz="4400" spc="-1" strike="noStrike">
-              <a:latin typeface="Arial"/>
-            </a:endParaRPr>
-          </a:p>
-        </p:txBody>
-      </p:sp>
-      <p:pic>
-        <p:nvPicPr>
-          <p:cNvPr id="128" name="" descr=""/>
-          <p:cNvPicPr/>
-          <p:nvPr/>
-        </p:nvPicPr>
-        <p:blipFill>
-          <a:blip r:embed="rId1"/>
-          <a:stretch/>
-        </p:blipFill>
-        <p:spPr>
-          <a:xfrm>
-            <a:off x="3281040" y="1646640"/>
-            <a:ext cx="3524040" cy="2361960"/>
-          </a:xfrm>
-          <a:prstGeom prst="rect">
-            <a:avLst/>
-          </a:prstGeom>
-          <a:ln>
-            <a:noFill/>
-          </a:ln>
-        </p:spPr>
-      </p:pic>
+              <a:rPr lang="en-US" sz="4400" b="0" strike="noStrike" spc="-1">
+                <a:latin typeface="Arial"/>
+              </a:rPr>
+              <a:t>Prescriptive Analytics</a:t>
+            </a:r>
+          </a:p>
+        </p:txBody>
+      </p:sp>
     </p:spTree>
   </p:cSld>
-  <mc:AlternateContent>
-    <mc:Choice Requires="p14">
-      <p:transition spd="slow" p14:dur="2000"/>
-    </mc:Choice>
-    <mc:Fallback>
-      <p:transition spd="slow"/>
-    </mc:Fallback>
-  </mc:AlternateContent>
+  <p:clrMapOvr>
+    <a:masterClrMapping/>
+  </p:clrMapOvr>
 </p:sld>
 </file>
 
-<file path=ppt/slides/slide26.xml><?xml version="1.0" encoding="utf-8"?>
-<p:sld xmlns:a="http://schemas.openxmlformats.org/drawingml/2006/main" xmlns:p="http://schemas.openxmlformats.org/presentationml/2006/main" xmlns:r="http://schemas.openxmlformats.org/officeDocument/2006/relationships" xmlns:p14="http://schemas.microsoft.com/office/powerpoint/2010/main" xmlns:p15="http://schemas.microsoft.com/office/powerpoint/2012/main" xmlns:mc="http://schemas.openxmlformats.org/markup-compatibility/2006">
+<file path=ppt/slides/slide28.xml><?xml version="1.0" encoding="utf-8"?>
+<p:sld xmlns:a="http://schemas.openxmlformats.org/drawingml/2006/main" xmlns:r="http://schemas.openxmlformats.org/officeDocument/2006/relationships" xmlns:p="http://schemas.openxmlformats.org/presentationml/2006/main">
   <p:cSld>
     <p:spTree>
       <p:nvGrpSpPr>
@@ -5758,7 +6474,7 @@
       </p:grpSpPr>
       <p:sp>
         <p:nvSpPr>
-          <p:cNvPr id="129" name="TextShape 1"/>
+          <p:cNvPr id="132" name="TextShape 1"/>
           <p:cNvSpPr txBox="1"/>
           <p:nvPr/>
         </p:nvSpPr>
@@ -5776,9 +6492,10 @@
           </a:ln>
         </p:spPr>
         <p:txBody>
-          <a:bodyPr lIns="0" rIns="0" tIns="0" bIns="0" anchor="ctr">
+          <a:bodyPr lIns="0" tIns="0" rIns="0" bIns="0" anchor="ctr">
             <a:noAutofit/>
           </a:bodyPr>
+          <a:lstStyle/>
           <a:p>
             <a:pPr algn="ctr">
               <a:lnSpc>
@@ -5786,31 +6503,28 @@
               </a:lnSpc>
             </a:pPr>
             <a:r>
-              <a:rPr b="0" lang="en-US" sz="4400" spc="-1" strike="noStrike">
-                <a:latin typeface="Arial"/>
-              </a:rPr>
-              <a:t>Reinforcement Learning</a:t>
-            </a:r>
-            <a:endParaRPr b="0" lang="en-US" sz="4400" spc="-1" strike="noStrike">
-              <a:latin typeface="Arial"/>
-            </a:endParaRPr>
+              <a:rPr lang="en-US" sz="4400" b="0" strike="noStrike" spc="-1">
+                <a:latin typeface="Arial"/>
+              </a:rPr>
+              <a:t>Math Programming</a:t>
+            </a:r>
           </a:p>
         </p:txBody>
       </p:sp>
       <p:pic>
         <p:nvPicPr>
-          <p:cNvPr id="130" name="" descr=""/>
+          <p:cNvPr id="133" name="Picture 132"/>
           <p:cNvPicPr/>
           <p:nvPr/>
         </p:nvPicPr>
         <p:blipFill>
-          <a:blip r:embed="rId1"/>
+          <a:blip r:embed="rId2"/>
           <a:stretch/>
         </p:blipFill>
         <p:spPr>
           <a:xfrm>
-            <a:off x="2104920" y="1442160"/>
-            <a:ext cx="5876640" cy="2771280"/>
+            <a:off x="1005840" y="2213280"/>
+            <a:ext cx="8476920" cy="3364560"/>
           </a:xfrm>
           <a:prstGeom prst="rect">
             <a:avLst/>
@@ -5820,21 +6534,63 @@
           </a:ln>
         </p:spPr>
       </p:pic>
+      <p:sp>
+        <p:nvSpPr>
+          <p:cNvPr id="134" name="TextShape 2"/>
+          <p:cNvSpPr txBox="1"/>
+          <p:nvPr/>
+        </p:nvSpPr>
+        <p:spPr>
+          <a:xfrm>
+            <a:off x="504000" y="1326960"/>
+            <a:ext cx="9071280" cy="776160"/>
+          </a:xfrm>
+          <a:prstGeom prst="rect">
+            <a:avLst/>
+          </a:prstGeom>
+          <a:noFill/>
+          <a:ln>
+            <a:noFill/>
+          </a:ln>
+        </p:spPr>
+        <p:txBody>
+          <a:bodyPr lIns="0" tIns="0" rIns="0" bIns="0">
+            <a:normAutofit/>
+          </a:bodyPr>
+          <a:lstStyle/>
+          <a:p>
+            <a:pPr marL="475560" indent="-320040">
+              <a:lnSpc>
+                <a:spcPct val="100000"/>
+              </a:lnSpc>
+              <a:spcBef>
+                <a:spcPts val="1417"/>
+              </a:spcBef>
+              <a:buClr>
+                <a:srgbClr val="000000"/>
+              </a:buClr>
+              <a:buFont typeface="Symbol" charset="2"/>
+              <a:buChar char=""/>
+            </a:pPr>
+            <a:r>
+              <a:rPr lang="en-US" sz="2200" b="0" strike="noStrike" spc="-1">
+                <a:latin typeface="Arial"/>
+              </a:rPr>
+              <a:t>Mathematical representations of problems that focusing on finding “optimal” solutions.</a:t>
+            </a:r>
+          </a:p>
+        </p:txBody>
+      </p:sp>
     </p:spTree>
   </p:cSld>
-  <mc:AlternateContent>
-    <mc:Choice Requires="p14">
-      <p:transition spd="slow" p14:dur="2000"/>
-    </mc:Choice>
-    <mc:Fallback>
-      <p:transition spd="slow"/>
-    </mc:Fallback>
-  </mc:AlternateContent>
+  <p:clrMapOvr>
+    <a:masterClrMapping/>
+  </p:clrMapOvr>
 </p:sld>
 </file>
 
-<file path=ppt/slides/slide27.xml><?xml version="1.0" encoding="utf-8"?>
-<p:sld xmlns:a="http://schemas.openxmlformats.org/drawingml/2006/main" xmlns:p="http://schemas.openxmlformats.org/presentationml/2006/main" xmlns:r="http://schemas.openxmlformats.org/officeDocument/2006/relationships" xmlns:p14="http://schemas.microsoft.com/office/powerpoint/2010/main" xmlns:p15="http://schemas.microsoft.com/office/powerpoint/2012/main" xmlns:mc="http://schemas.openxmlformats.org/markup-compatibility/2006">
+<file path=ppt/slides/slide29.xml><?xml version="1.0" encoding="utf-8"?>
+<p:sld xmlns:a="http://schemas.openxmlformats.org/drawingml/2006/main" xmlns:r="http://schemas.openxmlformats.org/officeDocument/2006/relationships" xmlns:p="http://schemas.openxmlformats.org/presentationml/2006/main">
   <p:cSld>
     <p:spTree>
       <p:nvGrpSpPr>
@@ -5852,7 +6608,7 @@
       </p:grpSpPr>
       <p:sp>
         <p:nvSpPr>
-          <p:cNvPr id="131" name="TextShape 1"/>
+          <p:cNvPr id="135" name="TextShape 1"/>
           <p:cNvSpPr txBox="1"/>
           <p:nvPr/>
         </p:nvSpPr>
@@ -5870,9 +6626,10 @@
           </a:ln>
         </p:spPr>
         <p:txBody>
-          <a:bodyPr lIns="0" rIns="0" tIns="0" bIns="0" anchor="ctr">
+          <a:bodyPr lIns="0" tIns="0" rIns="0" bIns="0" anchor="ctr">
             <a:noAutofit/>
           </a:bodyPr>
+          <a:lstStyle/>
           <a:p>
             <a:pPr algn="ctr">
               <a:lnSpc>
@@ -5880,32 +6637,92 @@
               </a:lnSpc>
             </a:pPr>
             <a:r>
-              <a:rPr b="0" lang="en-US" sz="4400" spc="-1" strike="noStrike">
-                <a:latin typeface="Arial"/>
-              </a:rPr>
-              <a:t>Prescriptive Analytics</a:t>
-            </a:r>
-            <a:endParaRPr b="0" lang="en-US" sz="4400" spc="-1" strike="noStrike">
-              <a:latin typeface="Arial"/>
-            </a:endParaRPr>
+              <a:rPr lang="en-US" sz="4400" b="0" strike="noStrike" spc="-1">
+                <a:latin typeface="Arial"/>
+              </a:rPr>
+              <a:t>Heuristics</a:t>
+            </a:r>
+          </a:p>
+        </p:txBody>
+      </p:sp>
+      <p:sp>
+        <p:nvSpPr>
+          <p:cNvPr id="136" name="TextShape 2"/>
+          <p:cNvSpPr txBox="1"/>
+          <p:nvPr/>
+        </p:nvSpPr>
+        <p:spPr>
+          <a:xfrm>
+            <a:off x="504000" y="1326600"/>
+            <a:ext cx="9071280" cy="3287880"/>
+          </a:xfrm>
+          <a:prstGeom prst="rect">
+            <a:avLst/>
+          </a:prstGeom>
+          <a:noFill/>
+          <a:ln>
+            <a:noFill/>
+          </a:ln>
+        </p:spPr>
+        <p:txBody>
+          <a:bodyPr lIns="0" tIns="0" rIns="0" bIns="0">
+            <a:normAutofit/>
+          </a:bodyPr>
+          <a:lstStyle/>
+          <a:p>
+            <a:pPr marL="475560" indent="-320040">
+              <a:lnSpc>
+                <a:spcPct val="100000"/>
+              </a:lnSpc>
+              <a:spcBef>
+                <a:spcPts val="1417"/>
+              </a:spcBef>
+              <a:buClr>
+                <a:srgbClr val="000000"/>
+              </a:buClr>
+              <a:buFont typeface="Symbol" charset="2"/>
+              <a:buChar char=""/>
+            </a:pPr>
+            <a:r>
+              <a:rPr lang="en-US" sz="3200" b="0" strike="noStrike" spc="-1" dirty="0">
+                <a:latin typeface="Arial"/>
+              </a:rPr>
+              <a:t>“Rule of Thumb” procedures for constructing “good” but not necessarily “optimal” solutions.</a:t>
+            </a:r>
+          </a:p>
+          <a:p>
+            <a:pPr marL="475560" indent="-320040">
+              <a:lnSpc>
+                <a:spcPct val="100000"/>
+              </a:lnSpc>
+              <a:spcBef>
+                <a:spcPts val="1417"/>
+              </a:spcBef>
+              <a:buClr>
+                <a:srgbClr val="000000"/>
+              </a:buClr>
+              <a:buFont typeface="Symbol" charset="2"/>
+              <a:buChar char=""/>
+            </a:pPr>
+            <a:r>
+              <a:rPr lang="en-US" sz="3200" b="0" strike="noStrike" spc="-1" dirty="0">
+                <a:latin typeface="Arial"/>
+              </a:rPr>
+              <a:t>https://stemlounge.com/animated-algorithms-for-the-traveling-salesman-problem/</a:t>
+            </a:r>
           </a:p>
         </p:txBody>
       </p:sp>
     </p:spTree>
   </p:cSld>
-  <mc:AlternateContent>
-    <mc:Choice Requires="p14">
-      <p:transition spd="slow" p14:dur="2000"/>
-    </mc:Choice>
-    <mc:Fallback>
-      <p:transition spd="slow"/>
-    </mc:Fallback>
-  </mc:AlternateContent>
+  <p:clrMapOvr>
+    <a:masterClrMapping/>
+  </p:clrMapOvr>
 </p:sld>
 </file>
 
-<file path=ppt/slides/slide28.xml><?xml version="1.0" encoding="utf-8"?>
-<p:sld xmlns:a="http://schemas.openxmlformats.org/drawingml/2006/main" xmlns:p="http://schemas.openxmlformats.org/presentationml/2006/main" xmlns:r="http://schemas.openxmlformats.org/officeDocument/2006/relationships" xmlns:p14="http://schemas.microsoft.com/office/powerpoint/2010/main" xmlns:p15="http://schemas.microsoft.com/office/powerpoint/2012/main" xmlns:mc="http://schemas.openxmlformats.org/markup-compatibility/2006">
+<file path=ppt/slides/slide3.xml><?xml version="1.0" encoding="utf-8"?>
+<p:sld xmlns:a="http://schemas.openxmlformats.org/drawingml/2006/main" xmlns:r="http://schemas.openxmlformats.org/officeDocument/2006/relationships" xmlns:p="http://schemas.openxmlformats.org/presentationml/2006/main">
   <p:cSld>
     <p:spTree>
       <p:nvGrpSpPr>
@@ -5923,7 +6740,7 @@
       </p:grpSpPr>
       <p:sp>
         <p:nvSpPr>
-          <p:cNvPr id="132" name="TextShape 1"/>
+          <p:cNvPr id="85" name="TextShape 1"/>
           <p:cNvSpPr txBox="1"/>
           <p:nvPr/>
         </p:nvSpPr>
@@ -5941,9 +6758,10 @@
           </a:ln>
         </p:spPr>
         <p:txBody>
-          <a:bodyPr lIns="0" rIns="0" tIns="0" bIns="0" anchor="ctr">
+          <a:bodyPr lIns="0" tIns="0" rIns="0" bIns="0" anchor="ctr">
             <a:noAutofit/>
           </a:bodyPr>
+          <a:lstStyle/>
           <a:p>
             <a:pPr algn="ctr">
               <a:lnSpc>
@@ -5951,50 +6769,24 @@
               </a:lnSpc>
             </a:pPr>
             <a:r>
-              <a:rPr b="0" lang="en-US" sz="4400" spc="-1" strike="noStrike">
-                <a:latin typeface="Arial"/>
-              </a:rPr>
-              <a:t>Math Programming</a:t>
-            </a:r>
-            <a:endParaRPr b="0" lang="en-US" sz="4400" spc="-1" strike="noStrike">
-              <a:latin typeface="Arial"/>
-            </a:endParaRPr>
-          </a:p>
-        </p:txBody>
-      </p:sp>
-      <p:pic>
-        <p:nvPicPr>
-          <p:cNvPr id="133" name="" descr=""/>
-          <p:cNvPicPr/>
-          <p:nvPr/>
-        </p:nvPicPr>
-        <p:blipFill>
-          <a:blip r:embed="rId1"/>
-          <a:stretch/>
-        </p:blipFill>
-        <p:spPr>
-          <a:xfrm>
-            <a:off x="1005840" y="2213280"/>
-            <a:ext cx="8476920" cy="3364560"/>
-          </a:xfrm>
-          <a:prstGeom prst="rect">
-            <a:avLst/>
-          </a:prstGeom>
-          <a:ln>
-            <a:noFill/>
-          </a:ln>
-        </p:spPr>
-      </p:pic>
-      <p:sp>
-        <p:nvSpPr>
-          <p:cNvPr id="134" name="TextShape 2"/>
+              <a:rPr lang="en-US" sz="4400" b="0" strike="noStrike" spc="-1">
+                <a:latin typeface="Arial"/>
+              </a:rPr>
+              <a:t>CRISP-DM</a:t>
+            </a:r>
+          </a:p>
+        </p:txBody>
+      </p:sp>
+      <p:sp>
+        <p:nvSpPr>
+          <p:cNvPr id="86" name="TextShape 2"/>
           <p:cNvSpPr txBox="1"/>
           <p:nvPr/>
         </p:nvSpPr>
         <p:spPr>
           <a:xfrm>
-            <a:off x="504000" y="1326960"/>
-            <a:ext cx="9071280" cy="776160"/>
+            <a:off x="504000" y="1326600"/>
+            <a:ext cx="9071280" cy="3287880"/>
           </a:xfrm>
           <a:prstGeom prst="rect">
             <a:avLst/>
@@ -6005,11 +6797,12 @@
           </a:ln>
         </p:spPr>
         <p:txBody>
-          <a:bodyPr lIns="0" rIns="0" tIns="0" bIns="0">
-            <a:normAutofit/>
-          </a:bodyPr>
-          <a:p>
-            <a:pPr marL="475560" indent="-320040">
+          <a:bodyPr lIns="0" tIns="0" rIns="0" bIns="0">
+            <a:normAutofit fontScale="73000"/>
+          </a:bodyPr>
+          <a:lstStyle/>
+          <a:p>
+            <a:pPr marL="432000" indent="-323640">
               <a:lnSpc>
                 <a:spcPct val="100000"/>
               </a:lnSpc>
@@ -6019,36 +6812,73 @@
               <a:buClr>
                 <a:srgbClr val="000000"/>
               </a:buClr>
-              <a:buFont typeface="Symbol" charset="2"/>
-              <a:buChar char=""/>
-            </a:pPr>
-            <a:r>
-              <a:rPr b="0" lang="en-US" sz="2200" spc="-1" strike="noStrike">
-                <a:latin typeface="Arial"/>
-              </a:rPr>
-              <a:t>Mathematical representations of problems that focusing on finding “optimal” solutions.</a:t>
-            </a:r>
-            <a:endParaRPr b="0" lang="en-US" sz="2200" spc="-1" strike="noStrike">
-              <a:latin typeface="Arial"/>
-            </a:endParaRPr>
+              <a:buSzPct val="45000"/>
+              <a:buFont typeface="Wingdings" charset="2"/>
+              <a:buChar char=""/>
+            </a:pPr>
+            <a:r>
+              <a:rPr lang="en-US" sz="3200" b="0" strike="noStrike" spc="-1">
+                <a:latin typeface="Arial"/>
+              </a:rPr>
+              <a:t>Cross-Industry Standard Process for Data Mining</a:t>
+            </a:r>
+          </a:p>
+          <a:p>
+            <a:pPr marL="432000" indent="-323640">
+              <a:lnSpc>
+                <a:spcPct val="100000"/>
+              </a:lnSpc>
+              <a:spcBef>
+                <a:spcPts val="1417"/>
+              </a:spcBef>
+              <a:buClr>
+                <a:srgbClr val="000000"/>
+              </a:buClr>
+              <a:buSzPct val="45000"/>
+              <a:buFont typeface="Wingdings" charset="2"/>
+              <a:buChar char=""/>
+            </a:pPr>
+            <a:r>
+              <a:rPr lang="en-US" sz="3200" b="0" strike="noStrike" spc="-1">
+                <a:latin typeface="Arial"/>
+              </a:rPr>
+              <a:t>Conceived in 1996 and became a European Union project under the ESPRIT funding initiative in 1997. </a:t>
+            </a:r>
+          </a:p>
+          <a:p>
+            <a:pPr marL="432000" indent="-323640">
+              <a:lnSpc>
+                <a:spcPct val="100000"/>
+              </a:lnSpc>
+              <a:spcBef>
+                <a:spcPts val="1417"/>
+              </a:spcBef>
+              <a:buClr>
+                <a:srgbClr val="000000"/>
+              </a:buClr>
+              <a:buSzPct val="45000"/>
+              <a:buFont typeface="Wingdings" charset="2"/>
+              <a:buChar char=""/>
+            </a:pPr>
+            <a:r>
+              <a:rPr lang="en-US" sz="3200" b="0" strike="noStrike" spc="-1">
+                <a:latin typeface="Arial"/>
+              </a:rPr>
+              <a:t>Project was led by five companies: Integral Solutions Ltd (ISL), Teradata, Daimler AG, NCR Corporation and OHRA, an insurance company.</a:t>
+            </a:r>
           </a:p>
         </p:txBody>
       </p:sp>
     </p:spTree>
   </p:cSld>
-  <mc:AlternateContent>
-    <mc:Choice Requires="p14">
-      <p:transition spd="slow" p14:dur="2000"/>
-    </mc:Choice>
-    <mc:Fallback>
-      <p:transition spd="slow"/>
-    </mc:Fallback>
-  </mc:AlternateContent>
+  <p:clrMapOvr>
+    <a:masterClrMapping/>
+  </p:clrMapOvr>
 </p:sld>
 </file>
 
-<file path=ppt/slides/slide29.xml><?xml version="1.0" encoding="utf-8"?>
-<p:sld xmlns:a="http://schemas.openxmlformats.org/drawingml/2006/main" xmlns:p="http://schemas.openxmlformats.org/presentationml/2006/main" xmlns:r="http://schemas.openxmlformats.org/officeDocument/2006/relationships" xmlns:p14="http://schemas.microsoft.com/office/powerpoint/2010/main" xmlns:p15="http://schemas.microsoft.com/office/powerpoint/2012/main" xmlns:mc="http://schemas.openxmlformats.org/markup-compatibility/2006">
+<file path=ppt/slides/slide30.xml><?xml version="1.0" encoding="utf-8"?>
+<p:sld xmlns:a="http://schemas.openxmlformats.org/drawingml/2006/main" xmlns:r="http://schemas.openxmlformats.org/officeDocument/2006/relationships" xmlns:p="http://schemas.openxmlformats.org/presentationml/2006/main">
   <p:cSld>
     <p:spTree>
       <p:nvGrpSpPr>
@@ -6066,7 +6896,7 @@
       </p:grpSpPr>
       <p:sp>
         <p:nvSpPr>
-          <p:cNvPr id="135" name="TextShape 1"/>
+          <p:cNvPr id="137" name="TextShape 1"/>
           <p:cNvSpPr txBox="1"/>
           <p:nvPr/>
         </p:nvSpPr>
@@ -6084,9 +6914,10 @@
           </a:ln>
         </p:spPr>
         <p:txBody>
-          <a:bodyPr lIns="0" rIns="0" tIns="0" bIns="0" anchor="ctr">
+          <a:bodyPr lIns="0" tIns="0" rIns="0" bIns="0" anchor="ctr">
             <a:noAutofit/>
           </a:bodyPr>
+          <a:lstStyle/>
           <a:p>
             <a:pPr algn="ctr">
               <a:lnSpc>
@@ -6094,123 +6925,47 @@
               </a:lnSpc>
             </a:pPr>
             <a:r>
-              <a:rPr b="0" lang="en-US" sz="4400" spc="-1" strike="noStrike">
-                <a:latin typeface="Arial"/>
-              </a:rPr>
-              <a:t>Heuristics</a:t>
-            </a:r>
-            <a:endParaRPr b="0" lang="en-US" sz="4400" spc="-1" strike="noStrike">
-              <a:latin typeface="Arial"/>
-            </a:endParaRPr>
-          </a:p>
-        </p:txBody>
-      </p:sp>
-      <p:sp>
-        <p:nvSpPr>
-          <p:cNvPr id="136" name="TextShape 2"/>
-          <p:cNvSpPr txBox="1"/>
+              <a:rPr lang="en-US" sz="4400" b="0" strike="noStrike" spc="-1">
+                <a:latin typeface="Arial"/>
+              </a:rPr>
+              <a:t>Simulation-Optimization</a:t>
+            </a:r>
+          </a:p>
+        </p:txBody>
+      </p:sp>
+      <p:pic>
+        <p:nvPicPr>
+          <p:cNvPr id="138" name="Picture 137"/>
+          <p:cNvPicPr/>
           <p:nvPr/>
-        </p:nvSpPr>
-        <p:spPr>
-          <a:xfrm>
-            <a:off x="504000" y="1326600"/>
-            <a:ext cx="9071280" cy="3287880"/>
-          </a:xfrm>
-          <a:prstGeom prst="rect">
-            <a:avLst/>
-          </a:prstGeom>
-          <a:noFill/>
+        </p:nvPicPr>
+        <p:blipFill>
+          <a:blip r:embed="rId2"/>
+          <a:stretch/>
+        </p:blipFill>
+        <p:spPr>
+          <a:xfrm>
+            <a:off x="1824480" y="1744560"/>
+            <a:ext cx="6752880" cy="3133440"/>
+          </a:xfrm>
+          <a:prstGeom prst="rect">
+            <a:avLst/>
+          </a:prstGeom>
           <a:ln>
             <a:noFill/>
           </a:ln>
         </p:spPr>
-        <p:txBody>
-          <a:bodyPr lIns="0" rIns="0" tIns="0" bIns="0">
-            <a:normAutofit/>
-          </a:bodyPr>
-          <a:p>
-            <a:pPr marL="475560" indent="-320040">
-              <a:lnSpc>
-                <a:spcPct val="100000"/>
-              </a:lnSpc>
-              <a:spcBef>
-                <a:spcPts val="1417"/>
-              </a:spcBef>
-              <a:buClr>
-                <a:srgbClr val="000000"/>
-              </a:buClr>
-              <a:buFont typeface="Symbol" charset="2"/>
-              <a:buChar char=""/>
-            </a:pPr>
-            <a:r>
-              <a:rPr b="0" lang="en-US" sz="3200" spc="-1" strike="noStrike">
-                <a:latin typeface="Arial"/>
-              </a:rPr>
-              <a:t>“</a:t>
-            </a:r>
-            <a:r>
-              <a:rPr b="0" lang="en-US" sz="3200" spc="-1" strike="noStrike">
-                <a:latin typeface="Arial"/>
-              </a:rPr>
-              <a:t>Rule of Thumb” procedures for constructing “good” but not necessarily </a:t>
-            </a:r>
-            <a:r>
-              <a:rPr b="0" lang="en-US" sz="3200" spc="-1" strike="noStrike">
-                <a:latin typeface="Arial"/>
-              </a:rPr>
-              <a:t>“optimal” solutions.</a:t>
-            </a:r>
-            <a:endParaRPr b="0" lang="en-US" sz="3200" spc="-1" strike="noStrike">
-              <a:latin typeface="Arial"/>
-            </a:endParaRPr>
-          </a:p>
-          <a:p>
-            <a:pPr marL="475560" indent="-320040">
-              <a:lnSpc>
-                <a:spcPct val="100000"/>
-              </a:lnSpc>
-              <a:spcBef>
-                <a:spcPts val="1417"/>
-              </a:spcBef>
-              <a:buClr>
-                <a:srgbClr val="000000"/>
-              </a:buClr>
-              <a:buFont typeface="Symbol" charset="2"/>
-              <a:buChar char=""/>
-            </a:pPr>
-            <a:r>
-              <a:rPr b="0" lang="en-US" sz="3200" spc="-1" strike="noStrike">
-                <a:latin typeface="Arial"/>
-              </a:rPr>
-              <a:t>https://stemlounge.com/animated-algorithms-for-the-traveling-salesman-</a:t>
-            </a:r>
-            <a:r>
-              <a:rPr b="0" lang="en-US" sz="3200" spc="-1" strike="noStrike">
-                <a:latin typeface="Arial"/>
-              </a:rPr>
-              <a:t>problem/</a:t>
-            </a:r>
-            <a:endParaRPr b="0" lang="en-US" sz="3200" spc="-1" strike="noStrike">
-              <a:latin typeface="Arial"/>
-            </a:endParaRPr>
-          </a:p>
-        </p:txBody>
-      </p:sp>
+      </p:pic>
     </p:spTree>
   </p:cSld>
-  <mc:AlternateContent>
-    <mc:Choice Requires="p14">
-      <p:transition spd="slow" p14:dur="2000"/>
-    </mc:Choice>
-    <mc:Fallback>
-      <p:transition spd="slow"/>
-    </mc:Fallback>
-  </mc:AlternateContent>
+  <p:clrMapOvr>
+    <a:masterClrMapping/>
+  </p:clrMapOvr>
 </p:sld>
 </file>
 
-<file path=ppt/slides/slide3.xml><?xml version="1.0" encoding="utf-8"?>
-<p:sld xmlns:a="http://schemas.openxmlformats.org/drawingml/2006/main" xmlns:p="http://schemas.openxmlformats.org/presentationml/2006/main" xmlns:r="http://schemas.openxmlformats.org/officeDocument/2006/relationships" xmlns:p14="http://schemas.microsoft.com/office/powerpoint/2010/main" xmlns:p15="http://schemas.microsoft.com/office/powerpoint/2012/main" xmlns:mc="http://schemas.openxmlformats.org/markup-compatibility/2006">
+<file path=ppt/slides/slide4.xml><?xml version="1.0" encoding="utf-8"?>
+<p:sld xmlns:a="http://schemas.openxmlformats.org/drawingml/2006/main" xmlns:r="http://schemas.openxmlformats.org/officeDocument/2006/relationships" xmlns:p="http://schemas.openxmlformats.org/presentationml/2006/main">
   <p:cSld>
     <p:spTree>
       <p:nvGrpSpPr>
@@ -6228,7 +6983,7 @@
       </p:grpSpPr>
       <p:sp>
         <p:nvSpPr>
-          <p:cNvPr id="85" name="TextShape 1"/>
+          <p:cNvPr id="87" name="TextShape 1"/>
           <p:cNvSpPr txBox="1"/>
           <p:nvPr/>
         </p:nvSpPr>
@@ -6246,9 +7001,10 @@
           </a:ln>
         </p:spPr>
         <p:txBody>
-          <a:bodyPr lIns="0" rIns="0" tIns="0" bIns="0" anchor="ctr">
+          <a:bodyPr lIns="0" tIns="0" rIns="0" bIns="0" anchor="ctr">
             <a:noAutofit/>
           </a:bodyPr>
+          <a:lstStyle/>
           <a:p>
             <a:pPr algn="ctr">
               <a:lnSpc>
@@ -6256,132 +7012,47 @@
               </a:lnSpc>
             </a:pPr>
             <a:r>
-              <a:rPr b="0" lang="en-US" sz="4400" spc="-1" strike="noStrike">
+              <a:rPr lang="en-US" sz="4400" b="0" strike="noStrike" spc="-1">
                 <a:latin typeface="Arial"/>
               </a:rPr>
               <a:t>CRISP-DM</a:t>
             </a:r>
-            <a:endParaRPr b="0" lang="en-US" sz="4400" spc="-1" strike="noStrike">
-              <a:latin typeface="Arial"/>
-            </a:endParaRPr>
-          </a:p>
-        </p:txBody>
-      </p:sp>
-      <p:sp>
-        <p:nvSpPr>
-          <p:cNvPr id="86" name="TextShape 2"/>
-          <p:cNvSpPr txBox="1"/>
+          </a:p>
+        </p:txBody>
+      </p:sp>
+      <p:pic>
+        <p:nvPicPr>
+          <p:cNvPr id="88" name="Picture 87"/>
+          <p:cNvPicPr/>
           <p:nvPr/>
-        </p:nvSpPr>
-        <p:spPr>
-          <a:xfrm>
-            <a:off x="504000" y="1326600"/>
-            <a:ext cx="9071280" cy="3287880"/>
-          </a:xfrm>
-          <a:prstGeom prst="rect">
-            <a:avLst/>
-          </a:prstGeom>
-          <a:noFill/>
+        </p:nvPicPr>
+        <p:blipFill>
+          <a:blip r:embed="rId2"/>
+          <a:stretch/>
+        </p:blipFill>
+        <p:spPr>
+          <a:xfrm>
+            <a:off x="2912040" y="1136520"/>
+            <a:ext cx="4282200" cy="4295880"/>
+          </a:xfrm>
+          <a:prstGeom prst="rect">
+            <a:avLst/>
+          </a:prstGeom>
           <a:ln>
             <a:noFill/>
           </a:ln>
         </p:spPr>
-        <p:txBody>
-          <a:bodyPr lIns="0" rIns="0" tIns="0" bIns="0">
-            <a:normAutofit fontScale="73000"/>
-          </a:bodyPr>
-          <a:p>
-            <a:pPr marL="432000" indent="-323640">
-              <a:lnSpc>
-                <a:spcPct val="100000"/>
-              </a:lnSpc>
-              <a:spcBef>
-                <a:spcPts val="1417"/>
-              </a:spcBef>
-              <a:buClr>
-                <a:srgbClr val="000000"/>
-              </a:buClr>
-              <a:buSzPct val="45000"/>
-              <a:buFont typeface="Wingdings" charset="2"/>
-              <a:buChar char=""/>
-            </a:pPr>
-            <a:r>
-              <a:rPr b="0" lang="en-US" sz="3200" spc="-1" strike="noStrike">
-                <a:latin typeface="Arial"/>
-              </a:rPr>
-              <a:t>Cross-Industry Standard Process for Data Mining</a:t>
-            </a:r>
-            <a:endParaRPr b="0" lang="en-US" sz="3200" spc="-1" strike="noStrike">
-              <a:latin typeface="Arial"/>
-            </a:endParaRPr>
-          </a:p>
-          <a:p>
-            <a:pPr marL="432000" indent="-323640">
-              <a:lnSpc>
-                <a:spcPct val="100000"/>
-              </a:lnSpc>
-              <a:spcBef>
-                <a:spcPts val="1417"/>
-              </a:spcBef>
-              <a:buClr>
-                <a:srgbClr val="000000"/>
-              </a:buClr>
-              <a:buSzPct val="45000"/>
-              <a:buFont typeface="Wingdings" charset="2"/>
-              <a:buChar char=""/>
-            </a:pPr>
-            <a:r>
-              <a:rPr b="0" lang="en-US" sz="3200" spc="-1" strike="noStrike">
-                <a:latin typeface="Arial"/>
-              </a:rPr>
-              <a:t>Conceived in 1996 and became a European Union project under the ESPRIT funding initiative in 1997. </a:t>
-            </a:r>
-            <a:endParaRPr b="0" lang="en-US" sz="3200" spc="-1" strike="noStrike">
-              <a:latin typeface="Arial"/>
-            </a:endParaRPr>
-          </a:p>
-          <a:p>
-            <a:pPr marL="432000" indent="-323640">
-              <a:lnSpc>
-                <a:spcPct val="100000"/>
-              </a:lnSpc>
-              <a:spcBef>
-                <a:spcPts val="1417"/>
-              </a:spcBef>
-              <a:buClr>
-                <a:srgbClr val="000000"/>
-              </a:buClr>
-              <a:buSzPct val="45000"/>
-              <a:buFont typeface="Wingdings" charset="2"/>
-              <a:buChar char=""/>
-            </a:pPr>
-            <a:r>
-              <a:rPr b="0" lang="en-US" sz="3200" spc="-1" strike="noStrike">
-                <a:latin typeface="Arial"/>
-              </a:rPr>
-              <a:t>Project was led by five companies: Integral Solutions Ltd (ISL), Teradata, Daimler AG, NCR Corporation and OHRA, an insurance company.</a:t>
-            </a:r>
-            <a:endParaRPr b="0" lang="en-US" sz="3200" spc="-1" strike="noStrike">
-              <a:latin typeface="Arial"/>
-            </a:endParaRPr>
-          </a:p>
-        </p:txBody>
-      </p:sp>
+      </p:pic>
     </p:spTree>
   </p:cSld>
-  <mc:AlternateContent>
-    <mc:Choice Requires="p14">
-      <p:transition spd="slow" p14:dur="2000"/>
-    </mc:Choice>
-    <mc:Fallback>
-      <p:transition spd="slow"/>
-    </mc:Fallback>
-  </mc:AlternateContent>
+  <p:clrMapOvr>
+    <a:masterClrMapping/>
+  </p:clrMapOvr>
 </p:sld>
 </file>
 
-<file path=ppt/slides/slide30.xml><?xml version="1.0" encoding="utf-8"?>
-<p:sld xmlns:a="http://schemas.openxmlformats.org/drawingml/2006/main" xmlns:p="http://schemas.openxmlformats.org/presentationml/2006/main" xmlns:r="http://schemas.openxmlformats.org/officeDocument/2006/relationships" xmlns:p14="http://schemas.microsoft.com/office/powerpoint/2010/main" xmlns:p15="http://schemas.microsoft.com/office/powerpoint/2012/main" xmlns:mc="http://schemas.openxmlformats.org/markup-compatibility/2006">
+<file path=ppt/slides/slide5.xml><?xml version="1.0" encoding="utf-8"?>
+<p:sld xmlns:a="http://schemas.openxmlformats.org/drawingml/2006/main" xmlns:r="http://schemas.openxmlformats.org/officeDocument/2006/relationships" xmlns:p="http://schemas.openxmlformats.org/presentationml/2006/main">
   <p:cSld>
     <p:spTree>
       <p:nvGrpSpPr>
@@ -6399,7 +7070,7 @@
       </p:grpSpPr>
       <p:sp>
         <p:nvSpPr>
-          <p:cNvPr id="137" name="TextShape 1"/>
+          <p:cNvPr id="89" name="TextShape 1"/>
           <p:cNvSpPr txBox="1"/>
           <p:nvPr/>
         </p:nvSpPr>
@@ -6417,9 +7088,10 @@
           </a:ln>
         </p:spPr>
         <p:txBody>
-          <a:bodyPr lIns="0" rIns="0" tIns="0" bIns="0" anchor="ctr">
+          <a:bodyPr lIns="0" tIns="0" rIns="0" bIns="0" anchor="ctr">
             <a:noAutofit/>
           </a:bodyPr>
+          <a:lstStyle/>
           <a:p>
             <a:pPr algn="ctr">
               <a:lnSpc>
@@ -6427,55 +7099,134 @@
               </a:lnSpc>
             </a:pPr>
             <a:r>
-              <a:rPr b="0" lang="en-US" sz="4400" spc="-1" strike="noStrike">
-                <a:latin typeface="Arial"/>
-              </a:rPr>
-              <a:t>Simulation-Optimization</a:t>
-            </a:r>
-            <a:endParaRPr b="0" lang="en-US" sz="4400" spc="-1" strike="noStrike">
-              <a:latin typeface="Arial"/>
-            </a:endParaRPr>
-          </a:p>
-        </p:txBody>
-      </p:sp>
-      <p:pic>
-        <p:nvPicPr>
-          <p:cNvPr id="138" name="" descr=""/>
-          <p:cNvPicPr/>
+              <a:rPr lang="en-US" sz="4400" b="0" strike="noStrike" spc="-1">
+                <a:latin typeface="Arial"/>
+              </a:rPr>
+              <a:t>Business Understanding</a:t>
+            </a:r>
+          </a:p>
+        </p:txBody>
+      </p:sp>
+      <p:sp>
+        <p:nvSpPr>
+          <p:cNvPr id="90" name="TextShape 2"/>
+          <p:cNvSpPr txBox="1"/>
           <p:nvPr/>
-        </p:nvPicPr>
-        <p:blipFill>
-          <a:blip r:embed="rId1"/>
-          <a:stretch/>
-        </p:blipFill>
-        <p:spPr>
-          <a:xfrm>
-            <a:off x="1824480" y="1744560"/>
-            <a:ext cx="6752880" cy="3133440"/>
-          </a:xfrm>
-          <a:prstGeom prst="rect">
-            <a:avLst/>
-          </a:prstGeom>
+        </p:nvSpPr>
+        <p:spPr>
+          <a:xfrm>
+            <a:off x="504000" y="1326600"/>
+            <a:ext cx="9071280" cy="3287880"/>
+          </a:xfrm>
+          <a:prstGeom prst="rect">
+            <a:avLst/>
+          </a:prstGeom>
+          <a:noFill/>
           <a:ln>
             <a:noFill/>
           </a:ln>
         </p:spPr>
-      </p:pic>
+        <p:txBody>
+          <a:bodyPr lIns="0" tIns="0" rIns="0" bIns="0">
+            <a:noAutofit/>
+          </a:bodyPr>
+          <a:lstStyle/>
+          <a:p>
+            <a:pPr marL="475560" indent="-320040">
+              <a:lnSpc>
+                <a:spcPct val="100000"/>
+              </a:lnSpc>
+              <a:spcBef>
+                <a:spcPts val="1417"/>
+              </a:spcBef>
+              <a:buClr>
+                <a:srgbClr val="000000"/>
+              </a:buClr>
+              <a:buFont typeface="Wingdings" charset="2"/>
+              <a:buAutoNum type="arabicPeriod"/>
+            </a:pPr>
+            <a:r>
+              <a:rPr lang="en-US" sz="2000" b="0" strike="noStrike" spc="-1" dirty="0">
+                <a:latin typeface="Arial"/>
+              </a:rPr>
+              <a:t>Determine business objectives: You should first “thoroughly understand, from a business perspective, what the customer really wants to accomplish” and then define business success criteria.</a:t>
+            </a:r>
+          </a:p>
+          <a:p>
+            <a:pPr marL="475560" indent="-320040">
+              <a:lnSpc>
+                <a:spcPct val="100000"/>
+              </a:lnSpc>
+              <a:spcBef>
+                <a:spcPts val="1417"/>
+              </a:spcBef>
+              <a:buClr>
+                <a:srgbClr val="000000"/>
+              </a:buClr>
+              <a:buFont typeface="Wingdings" charset="2"/>
+              <a:buAutoNum type="arabicPeriod"/>
+            </a:pPr>
+            <a:r>
+              <a:rPr lang="en-US" sz="2000" b="0" strike="noStrike" spc="-1" dirty="0">
+                <a:latin typeface="Arial"/>
+              </a:rPr>
+              <a:t>Assess situation: Determine resources availability, project requirements, assess risks and contingencies, and conduct a cost-benefit analysis.</a:t>
+            </a:r>
+          </a:p>
+          <a:p>
+            <a:pPr marL="475560" indent="-320040">
+              <a:lnSpc>
+                <a:spcPct val="100000"/>
+              </a:lnSpc>
+              <a:spcBef>
+                <a:spcPts val="1417"/>
+              </a:spcBef>
+              <a:buClr>
+                <a:srgbClr val="000000"/>
+              </a:buClr>
+              <a:buFont typeface="Wingdings" charset="2"/>
+              <a:buAutoNum type="arabicPeriod"/>
+            </a:pPr>
+            <a:r>
+              <a:rPr lang="en-US" sz="2000" b="0" strike="noStrike" spc="-1" dirty="0">
+                <a:latin typeface="Arial"/>
+              </a:rPr>
+              <a:t>Determine data mining goals: In addition to defining the business objectives, you should also define what success looks like from a technical data mining perspective.</a:t>
+            </a:r>
+          </a:p>
+          <a:p>
+            <a:pPr marL="475560" indent="-320040">
+              <a:lnSpc>
+                <a:spcPct val="100000"/>
+              </a:lnSpc>
+              <a:spcBef>
+                <a:spcPts val="1417"/>
+              </a:spcBef>
+              <a:buClr>
+                <a:srgbClr val="000000"/>
+              </a:buClr>
+              <a:buFont typeface="Wingdings" charset="2"/>
+              <a:buAutoNum type="arabicPeriod"/>
+            </a:pPr>
+            <a:r>
+              <a:rPr lang="en-US" sz="2000" b="0" strike="noStrike" spc="-1" dirty="0">
+                <a:latin typeface="Arial"/>
+              </a:rPr>
+              <a:t>Produce project plan: Select technologies and tools and define detailed plans for each project phase.</a:t>
+            </a:r>
+          </a:p>
+        </p:txBody>
+      </p:sp>
     </p:spTree>
   </p:cSld>
-  <mc:AlternateContent>
-    <mc:Choice Requires="p14">
-      <p:transition spd="slow" p14:dur="2000"/>
-    </mc:Choice>
-    <mc:Fallback>
-      <p:transition spd="slow"/>
-    </mc:Fallback>
-  </mc:AlternateContent>
+  <p:clrMapOvr>
+    <a:masterClrMapping/>
+  </p:clrMapOvr>
 </p:sld>
 </file>
 
-<file path=ppt/slides/slide4.xml><?xml version="1.0" encoding="utf-8"?>
-<p:sld xmlns:a="http://schemas.openxmlformats.org/drawingml/2006/main" xmlns:p="http://schemas.openxmlformats.org/presentationml/2006/main" xmlns:r="http://schemas.openxmlformats.org/officeDocument/2006/relationships" xmlns:p14="http://schemas.microsoft.com/office/powerpoint/2010/main" xmlns:p15="http://schemas.microsoft.com/office/powerpoint/2012/main" xmlns:mc="http://schemas.openxmlformats.org/markup-compatibility/2006">
+<file path=ppt/slides/slide6.xml><?xml version="1.0" encoding="utf-8"?>
+<p:sld xmlns:a="http://schemas.openxmlformats.org/drawingml/2006/main" xmlns:r="http://schemas.openxmlformats.org/officeDocument/2006/relationships" xmlns:p="http://schemas.openxmlformats.org/presentationml/2006/main">
   <p:cSld>
     <p:spTree>
       <p:nvGrpSpPr>
@@ -6493,7 +7244,7 @@
       </p:grpSpPr>
       <p:sp>
         <p:nvSpPr>
-          <p:cNvPr id="87" name="TextShape 1"/>
+          <p:cNvPr id="91" name="TextShape 1"/>
           <p:cNvSpPr txBox="1"/>
           <p:nvPr/>
         </p:nvSpPr>
@@ -6511,9 +7262,10 @@
           </a:ln>
         </p:spPr>
         <p:txBody>
-          <a:bodyPr lIns="0" rIns="0" tIns="0" bIns="0" anchor="ctr">
+          <a:bodyPr lIns="0" tIns="0" rIns="0" bIns="0" anchor="ctr">
             <a:noAutofit/>
           </a:bodyPr>
+          <a:lstStyle/>
           <a:p>
             <a:pPr algn="ctr">
               <a:lnSpc>
@@ -6521,55 +7273,134 @@
               </a:lnSpc>
             </a:pPr>
             <a:r>
-              <a:rPr b="0" lang="en-US" sz="4400" spc="-1" strike="noStrike">
-                <a:latin typeface="Arial"/>
-              </a:rPr>
-              <a:t>CRISP-DM</a:t>
-            </a:r>
-            <a:endParaRPr b="0" lang="en-US" sz="4400" spc="-1" strike="noStrike">
-              <a:latin typeface="Arial"/>
-            </a:endParaRPr>
-          </a:p>
-        </p:txBody>
-      </p:sp>
-      <p:pic>
-        <p:nvPicPr>
-          <p:cNvPr id="88" name="" descr=""/>
-          <p:cNvPicPr/>
+              <a:rPr lang="en-US" sz="4400" b="0" strike="noStrike" spc="-1">
+                <a:latin typeface="Arial"/>
+              </a:rPr>
+              <a:t>Data Understanding</a:t>
+            </a:r>
+          </a:p>
+        </p:txBody>
+      </p:sp>
+      <p:sp>
+        <p:nvSpPr>
+          <p:cNvPr id="92" name="TextShape 2"/>
+          <p:cNvSpPr txBox="1"/>
           <p:nvPr/>
-        </p:nvPicPr>
-        <p:blipFill>
-          <a:blip r:embed="rId1"/>
-          <a:stretch/>
-        </p:blipFill>
-        <p:spPr>
-          <a:xfrm>
-            <a:off x="2912040" y="1136520"/>
-            <a:ext cx="4282200" cy="4295880"/>
-          </a:xfrm>
-          <a:prstGeom prst="rect">
-            <a:avLst/>
-          </a:prstGeom>
+        </p:nvSpPr>
+        <p:spPr>
+          <a:xfrm>
+            <a:off x="504000" y="1326600"/>
+            <a:ext cx="9071280" cy="3287880"/>
+          </a:xfrm>
+          <a:prstGeom prst="rect">
+            <a:avLst/>
+          </a:prstGeom>
+          <a:noFill/>
           <a:ln>
             <a:noFill/>
           </a:ln>
         </p:spPr>
-      </p:pic>
+        <p:txBody>
+          <a:bodyPr lIns="0" tIns="0" rIns="0" bIns="0">
+            <a:normAutofit fontScale="51000"/>
+          </a:bodyPr>
+          <a:lstStyle/>
+          <a:p>
+            <a:pPr marL="475560" indent="-320040">
+              <a:lnSpc>
+                <a:spcPct val="100000"/>
+              </a:lnSpc>
+              <a:spcBef>
+                <a:spcPts val="1417"/>
+              </a:spcBef>
+              <a:buClr>
+                <a:srgbClr val="000000"/>
+              </a:buClr>
+              <a:buFont typeface="Wingdings" charset="2"/>
+              <a:buAutoNum type="arabicPeriod"/>
+            </a:pPr>
+            <a:r>
+              <a:rPr lang="en-US" sz="3200" b="0" strike="noStrike" spc="-1">
+                <a:latin typeface="Arial"/>
+              </a:rPr>
+              <a:t>Collect initial data: Acquire the necessary data and (if necessary) load it into your analysis tool.</a:t>
+            </a:r>
+          </a:p>
+          <a:p>
+            <a:pPr marL="475560" indent="-320040">
+              <a:lnSpc>
+                <a:spcPct val="100000"/>
+              </a:lnSpc>
+              <a:spcBef>
+                <a:spcPts val="1417"/>
+              </a:spcBef>
+              <a:buClr>
+                <a:srgbClr val="000000"/>
+              </a:buClr>
+              <a:buFont typeface="Wingdings" charset="2"/>
+              <a:buAutoNum type="arabicPeriod"/>
+            </a:pPr>
+            <a:r>
+              <a:rPr lang="en-US" sz="3200" b="0" strike="noStrike" spc="-1">
+                <a:latin typeface="Arial"/>
+              </a:rPr>
+              <a:t>Describe data: Examine the data and document its surface properties like data format, number of records, or field identities.</a:t>
+            </a:r>
+          </a:p>
+          <a:p>
+            <a:pPr marL="475560" indent="-320040">
+              <a:lnSpc>
+                <a:spcPct val="100000"/>
+              </a:lnSpc>
+              <a:spcBef>
+                <a:spcPts val="1417"/>
+              </a:spcBef>
+              <a:buClr>
+                <a:srgbClr val="000000"/>
+              </a:buClr>
+              <a:buFont typeface="Wingdings" charset="2"/>
+              <a:buAutoNum type="arabicPeriod"/>
+            </a:pPr>
+            <a:r>
+              <a:rPr lang="en-US" sz="3200" b="0" strike="noStrike" spc="-1">
+                <a:latin typeface="Arial"/>
+              </a:rPr>
+              <a:t>Explore data: Dig deeper into the data. Query it, visualize it, and identify relationships among the data.</a:t>
+            </a:r>
+          </a:p>
+          <a:p>
+            <a:pPr marL="475560" indent="-320040">
+              <a:lnSpc>
+                <a:spcPct val="100000"/>
+              </a:lnSpc>
+              <a:spcBef>
+                <a:spcPts val="1417"/>
+              </a:spcBef>
+              <a:buClr>
+                <a:srgbClr val="000000"/>
+              </a:buClr>
+              <a:buFont typeface="Wingdings" charset="2"/>
+              <a:buAutoNum type="arabicPeriod"/>
+            </a:pPr>
+            <a:r>
+              <a:rPr lang="en-US" sz="3200" b="0" strike="noStrike" spc="-1">
+                <a:latin typeface="Arial"/>
+              </a:rPr>
+              <a:t>Verify data quality: How clean/dirty is the data? Document any quality issues.</a:t>
+            </a:r>
+          </a:p>
+        </p:txBody>
+      </p:sp>
     </p:spTree>
   </p:cSld>
-  <mc:AlternateContent>
-    <mc:Choice Requires="p14">
-      <p:transition spd="slow" p14:dur="2000"/>
-    </mc:Choice>
-    <mc:Fallback>
-      <p:transition spd="slow"/>
-    </mc:Fallback>
-  </mc:AlternateContent>
+  <p:clrMapOvr>
+    <a:masterClrMapping/>
+  </p:clrMapOvr>
 </p:sld>
 </file>
 
-<file path=ppt/slides/slide5.xml><?xml version="1.0" encoding="utf-8"?>
-<p:sld xmlns:a="http://schemas.openxmlformats.org/drawingml/2006/main" xmlns:p="http://schemas.openxmlformats.org/presentationml/2006/main" xmlns:r="http://schemas.openxmlformats.org/officeDocument/2006/relationships" xmlns:p14="http://schemas.microsoft.com/office/powerpoint/2010/main" xmlns:p15="http://schemas.microsoft.com/office/powerpoint/2012/main" xmlns:mc="http://schemas.openxmlformats.org/markup-compatibility/2006">
+<file path=ppt/slides/slide7.xml><?xml version="1.0" encoding="utf-8"?>
+<p:sld xmlns:a="http://schemas.openxmlformats.org/drawingml/2006/main" xmlns:r="http://schemas.openxmlformats.org/officeDocument/2006/relationships" xmlns:p="http://schemas.openxmlformats.org/presentationml/2006/main">
   <p:cSld>
     <p:spTree>
       <p:nvGrpSpPr>
@@ -6587,7 +7418,7 @@
       </p:grpSpPr>
       <p:sp>
         <p:nvSpPr>
-          <p:cNvPr id="89" name="TextShape 1"/>
+          <p:cNvPr id="93" name="TextShape 1"/>
           <p:cNvSpPr txBox="1"/>
           <p:nvPr/>
         </p:nvSpPr>
@@ -6605,9 +7436,10 @@
           </a:ln>
         </p:spPr>
         <p:txBody>
-          <a:bodyPr lIns="0" rIns="0" tIns="0" bIns="0" anchor="ctr">
+          <a:bodyPr lIns="0" tIns="0" rIns="0" bIns="0" anchor="ctr">
             <a:noAutofit/>
           </a:bodyPr>
+          <a:lstStyle/>
           <a:p>
             <a:pPr algn="ctr">
               <a:lnSpc>
@@ -6615,20 +7447,17 @@
               </a:lnSpc>
             </a:pPr>
             <a:r>
-              <a:rPr b="0" lang="en-US" sz="4400" spc="-1" strike="noStrike">
-                <a:latin typeface="Arial"/>
-              </a:rPr>
-              <a:t>Business Understanding</a:t>
-            </a:r>
-            <a:endParaRPr b="0" lang="en-US" sz="4400" spc="-1" strike="noStrike">
-              <a:latin typeface="Arial"/>
-            </a:endParaRPr>
-          </a:p>
-        </p:txBody>
-      </p:sp>
-      <p:sp>
-        <p:nvSpPr>
-          <p:cNvPr id="90" name="TextShape 2"/>
+              <a:rPr lang="en-US" sz="4400" b="0" strike="noStrike" spc="-1">
+                <a:latin typeface="Arial"/>
+              </a:rPr>
+              <a:t>Data Preparation</a:t>
+            </a:r>
+          </a:p>
+        </p:txBody>
+      </p:sp>
+      <p:sp>
+        <p:nvSpPr>
+          <p:cNvPr id="94" name="TextShape 2"/>
           <p:cNvSpPr txBox="1"/>
           <p:nvPr/>
         </p:nvSpPr>
@@ -6646,9 +7475,10 @@
           </a:ln>
         </p:spPr>
         <p:txBody>
-          <a:bodyPr lIns="0" rIns="0" tIns="0" bIns="0">
-            <a:normAutofit fontScale="26000"/>
-          </a:bodyPr>
+          <a:bodyPr lIns="0" tIns="0" rIns="0" bIns="0">
+            <a:normAutofit fontScale="21000"/>
+          </a:bodyPr>
+          <a:lstStyle/>
           <a:p>
             <a:pPr marL="475560" indent="-320040">
               <a:lnSpc>
@@ -6664,14 +7494,11 @@
               <a:buAutoNum type="arabicPeriod"/>
             </a:pPr>
             <a:r>
-              <a:rPr b="0" lang="en-US" sz="3200" spc="-1" strike="noStrike">
-                <a:latin typeface="Arial"/>
-              </a:rPr>
-              <a:t>Determine business objectives: You should first “thoroughly understand, from a business perspective, what the customer really wants to accomplish” and then define business success criteria.</a:t>
-            </a:r>
-            <a:endParaRPr b="0" lang="en-US" sz="3200" spc="-1" strike="noStrike">
-              <a:latin typeface="Arial"/>
-            </a:endParaRPr>
+              <a:rPr lang="en-US" sz="3200" b="0" strike="noStrike" spc="-1">
+                <a:latin typeface="Arial"/>
+              </a:rPr>
+              <a:t>Select data: Determine which data sets will be used and document reasons for inclusion/exclusion.</a:t>
+            </a:r>
           </a:p>
           <a:p>
             <a:pPr marL="475560" indent="-320040">
@@ -6688,12 +7515,12 @@
               <a:buAutoNum type="arabicPeriod"/>
             </a:pPr>
             <a:r>
-              <a:rPr b="0" lang="en-US" sz="3200" spc="-1" strike="noStrike">
-                <a:latin typeface="Arial"/>
-              </a:rPr>
-              <a:t>Assess situation: Determine resources availability, project requirements, assess risks and contingencies, and conduct a cost-benefit analysis.</a:t>
-            </a:r>
-            <a:endParaRPr b="0" lang="en-US" sz="3200" spc="-1" strike="noStrike">
+              <a:rPr lang="en-US" sz="3200" b="1" strike="noStrike" spc="-1">
+                <a:latin typeface="Arial"/>
+              </a:rPr>
+              <a:t>Clean data: Often this is the lengthiest task. Without it, you’ll likely fall victim to garbage-in, garbage-out. A common practice during this task is to correct, impute, or remove erroneous values.</a:t>
+            </a:r>
+            <a:endParaRPr lang="en-US" sz="3200" b="0" strike="noStrike" spc="-1">
               <a:latin typeface="Arial"/>
             </a:endParaRPr>
           </a:p>
@@ -6712,14 +7539,11 @@
               <a:buAutoNum type="arabicPeriod"/>
             </a:pPr>
             <a:r>
-              <a:rPr b="0" lang="en-US" sz="3200" spc="-1" strike="noStrike">
-                <a:latin typeface="Arial"/>
-              </a:rPr>
-              <a:t>Determine data mining goals: In addition to defining the business objectives, you should also define what success looks like from a technical data mining perspective.</a:t>
-            </a:r>
-            <a:endParaRPr b="0" lang="en-US" sz="3200" spc="-1" strike="noStrike">
-              <a:latin typeface="Arial"/>
-            </a:endParaRPr>
+              <a:rPr lang="en-US" sz="3200" b="0" strike="noStrike" spc="-1">
+                <a:latin typeface="Arial"/>
+              </a:rPr>
+              <a:t>Construct data: Derive new attributes that will be helpful. For example, derive someone’s body mass index from height and weight fields.</a:t>
+            </a:r>
           </a:p>
           <a:p>
             <a:pPr marL="475560" indent="-320040">
@@ -6736,12 +7560,33 @@
               <a:buAutoNum type="arabicPeriod"/>
             </a:pPr>
             <a:r>
-              <a:rPr b="0" lang="en-US" sz="3200" spc="-1" strike="noStrike">
-                <a:latin typeface="Arial"/>
-              </a:rPr>
-              <a:t>Produce project plan: Select technologies and tools and define detailed plans for each project phase.</a:t>
-            </a:r>
-            <a:endParaRPr b="0" lang="en-US" sz="3200" spc="-1" strike="noStrike">
+              <a:rPr lang="en-US" sz="3200" b="0" strike="noStrike" spc="-1">
+                <a:latin typeface="Arial"/>
+              </a:rPr>
+              <a:t>Integrate data: Create new data sets by combining data from multiple sources.</a:t>
+            </a:r>
+          </a:p>
+          <a:p>
+            <a:pPr marL="475560" indent="-320040">
+              <a:lnSpc>
+                <a:spcPct val="100000"/>
+              </a:lnSpc>
+              <a:spcBef>
+                <a:spcPts val="1417"/>
+              </a:spcBef>
+              <a:buClr>
+                <a:srgbClr val="000000"/>
+              </a:buClr>
+              <a:buFont typeface="Wingdings" charset="2"/>
+              <a:buAutoNum type="arabicPeriod"/>
+            </a:pPr>
+            <a:r>
+              <a:rPr lang="en-US" sz="3200" b="1" strike="noStrike" spc="-1">
+                <a:latin typeface="Arial"/>
+              </a:rPr>
+              <a:t>Format data: Re-format data as necessary. For example, you might convert string values that store numbers to numeric values so that you can perform mathematical operations.</a:t>
+            </a:r>
+            <a:endParaRPr lang="en-US" sz="3200" b="0" strike="noStrike" spc="-1">
               <a:latin typeface="Arial"/>
             </a:endParaRPr>
           </a:p>
@@ -6749,19 +7594,14 @@
       </p:sp>
     </p:spTree>
   </p:cSld>
-  <mc:AlternateContent>
-    <mc:Choice Requires="p14">
-      <p:transition spd="slow" p14:dur="2000"/>
-    </mc:Choice>
-    <mc:Fallback>
-      <p:transition spd="slow"/>
-    </mc:Fallback>
-  </mc:AlternateContent>
+  <p:clrMapOvr>
+    <a:masterClrMapping/>
+  </p:clrMapOvr>
 </p:sld>
 </file>
 
-<file path=ppt/slides/slide6.xml><?xml version="1.0" encoding="utf-8"?>
-<p:sld xmlns:a="http://schemas.openxmlformats.org/drawingml/2006/main" xmlns:p="http://schemas.openxmlformats.org/presentationml/2006/main" xmlns:r="http://schemas.openxmlformats.org/officeDocument/2006/relationships" xmlns:p14="http://schemas.microsoft.com/office/powerpoint/2010/main" xmlns:p15="http://schemas.microsoft.com/office/powerpoint/2012/main" xmlns:mc="http://schemas.openxmlformats.org/markup-compatibility/2006">
+<file path=ppt/slides/slide8.xml><?xml version="1.0" encoding="utf-8"?>
+<p:sld xmlns:a="http://schemas.openxmlformats.org/drawingml/2006/main" xmlns:r="http://schemas.openxmlformats.org/officeDocument/2006/relationships" xmlns:p="http://schemas.openxmlformats.org/presentationml/2006/main">
   <p:cSld>
     <p:spTree>
       <p:nvGrpSpPr>
@@ -6779,7 +7619,7 @@
       </p:grpSpPr>
       <p:sp>
         <p:nvSpPr>
-          <p:cNvPr id="91" name="TextShape 1"/>
+          <p:cNvPr id="95" name="TextShape 1"/>
           <p:cNvSpPr txBox="1"/>
           <p:nvPr/>
         </p:nvSpPr>
@@ -6797,9 +7637,10 @@
           </a:ln>
         </p:spPr>
         <p:txBody>
-          <a:bodyPr lIns="0" rIns="0" tIns="0" bIns="0" anchor="ctr">
+          <a:bodyPr lIns="0" tIns="0" rIns="0" bIns="0" anchor="ctr">
             <a:noAutofit/>
           </a:bodyPr>
+          <a:lstStyle/>
           <a:p>
             <a:pPr algn="ctr">
               <a:lnSpc>
@@ -6807,20 +7648,17 @@
               </a:lnSpc>
             </a:pPr>
             <a:r>
-              <a:rPr b="0" lang="en-US" sz="4400" spc="-1" strike="noStrike">
-                <a:latin typeface="Arial"/>
-              </a:rPr>
-              <a:t>Data Understanding</a:t>
-            </a:r>
-            <a:endParaRPr b="0" lang="en-US" sz="4400" spc="-1" strike="noStrike">
-              <a:latin typeface="Arial"/>
-            </a:endParaRPr>
-          </a:p>
-        </p:txBody>
-      </p:sp>
-      <p:sp>
-        <p:nvSpPr>
-          <p:cNvPr id="92" name="TextShape 2"/>
+              <a:rPr lang="en-US" sz="4400" b="0" strike="noStrike" spc="-1">
+                <a:latin typeface="Arial"/>
+              </a:rPr>
+              <a:t>Modeling</a:t>
+            </a:r>
+          </a:p>
+        </p:txBody>
+      </p:sp>
+      <p:sp>
+        <p:nvSpPr>
+          <p:cNvPr id="96" name="TextShape 2"/>
           <p:cNvSpPr txBox="1"/>
           <p:nvPr/>
         </p:nvSpPr>
@@ -6838,9 +7676,10 @@
           </a:ln>
         </p:spPr>
         <p:txBody>
-          <a:bodyPr lIns="0" rIns="0" tIns="0" bIns="0">
-            <a:normAutofit fontScale="51000"/>
-          </a:bodyPr>
+          <a:bodyPr lIns="0" tIns="0" rIns="0" bIns="0">
+            <a:normAutofit fontScale="31000"/>
+          </a:bodyPr>
+          <a:lstStyle/>
           <a:p>
             <a:pPr marL="475560" indent="-320040">
               <a:lnSpc>
@@ -6856,14 +7695,11 @@
               <a:buAutoNum type="arabicPeriod"/>
             </a:pPr>
             <a:r>
-              <a:rPr b="0" lang="en-US" sz="3200" spc="-1" strike="noStrike">
-                <a:latin typeface="Arial"/>
-              </a:rPr>
-              <a:t>Collect initial data: Acquire the necessary data and (if necessary) load it into your analysis tool.</a:t>
-            </a:r>
-            <a:endParaRPr b="0" lang="en-US" sz="3200" spc="-1" strike="noStrike">
-              <a:latin typeface="Arial"/>
-            </a:endParaRPr>
+              <a:rPr lang="en-US" sz="3200" b="0" strike="noStrike" spc="-1">
+                <a:latin typeface="Arial"/>
+              </a:rPr>
+              <a:t>Select modeling techniques: Determine which algorithms to try (e.g. regression, neural net).</a:t>
+            </a:r>
           </a:p>
           <a:p>
             <a:pPr marL="475560" indent="-320040">
@@ -6880,14 +7716,23 @@
               <a:buAutoNum type="arabicPeriod"/>
             </a:pPr>
             <a:r>
-              <a:rPr b="0" lang="en-US" sz="3200" spc="-1" strike="noStrike">
-                <a:latin typeface="Arial"/>
-              </a:rPr>
-              <a:t>Describe data: Examine the data and document its surface properties like data format, number of records, or field identities.</a:t>
-            </a:r>
-            <a:endParaRPr b="0" lang="en-US" sz="3200" spc="-1" strike="noStrike">
-              <a:latin typeface="Arial"/>
-            </a:endParaRPr>
+              <a:rPr lang="en-US" sz="3200" b="0" strike="noStrike" spc="-1">
+                <a:latin typeface="Arial"/>
+              </a:rPr>
+              <a:t>Generate test design: Pending your modeling approach, </a:t>
+            </a:r>
+            <a:r>
+              <a:rPr lang="en-US" sz="3200" b="1" strike="noStrike" spc="-1">
+                <a:latin typeface="Arial"/>
+              </a:rPr>
+              <a:t>you might need to split the data into training, test, and validation sets</a:t>
+            </a:r>
+            <a:r>
+              <a:rPr lang="en-US" sz="3200" b="0" strike="noStrike" spc="-1">
+                <a:latin typeface="Arial"/>
+              </a:rPr>
+              <a:t>.</a:t>
+            </a:r>
           </a:p>
           <a:p>
             <a:pPr marL="475560" indent="-320040">
@@ -6904,12 +7749,18 @@
               <a:buAutoNum type="arabicPeriod"/>
             </a:pPr>
             <a:r>
-              <a:rPr b="0" lang="en-US" sz="3200" spc="-1" strike="noStrike">
-                <a:latin typeface="Arial"/>
-              </a:rPr>
-              <a:t>Explore data: Dig deeper into the data. Query it, visualize it, and identify relationships among the data.</a:t>
-            </a:r>
-            <a:endParaRPr b="0" lang="en-US" sz="3200" spc="-1" strike="noStrike">
+              <a:rPr lang="en-US" sz="3200" b="0" strike="noStrike" spc="-1">
+                <a:latin typeface="Arial"/>
+              </a:rPr>
+              <a:t>Build model: </a:t>
+            </a:r>
+            <a:r>
+              <a:rPr lang="en-US" sz="3200" b="1" strike="noStrike" spc="-1">
+                <a:latin typeface="Arial"/>
+              </a:rPr>
+              <a:t>As glamorous as this might sound, this might just be executing a few lines of code like “reg = LinearRegression().fit(X, y)”.</a:t>
+            </a:r>
+            <a:endParaRPr lang="en-US" sz="3200" b="0" strike="noStrike" spc="-1">
               <a:latin typeface="Arial"/>
             </a:endParaRPr>
           </a:p>
@@ -6928,32 +7779,24 @@
               <a:buAutoNum type="arabicPeriod"/>
             </a:pPr>
             <a:r>
-              <a:rPr b="0" lang="en-US" sz="3200" spc="-1" strike="noStrike">
-                <a:latin typeface="Arial"/>
-              </a:rPr>
-              <a:t>Verify data quality: How clean/dirty is the data? Document any quality issues.</a:t>
-            </a:r>
-            <a:endParaRPr b="0" lang="en-US" sz="3200" spc="-1" strike="noStrike">
-              <a:latin typeface="Arial"/>
-            </a:endParaRPr>
+              <a:rPr lang="en-US" sz="3200" b="0" strike="noStrike" spc="-1">
+                <a:latin typeface="Arial"/>
+              </a:rPr>
+              <a:t>Assess model: Generally, multiple models are competing against each other, and the data scientist needs to interpret the model results based on domain knowledge, the pre-defined success criteria, and the test design.</a:t>
+            </a:r>
           </a:p>
         </p:txBody>
       </p:sp>
     </p:spTree>
   </p:cSld>
-  <mc:AlternateContent>
-    <mc:Choice Requires="p14">
-      <p:transition spd="slow" p14:dur="2000"/>
-    </mc:Choice>
-    <mc:Fallback>
-      <p:transition spd="slow"/>
-    </mc:Fallback>
-  </mc:AlternateContent>
+  <p:clrMapOvr>
+    <a:masterClrMapping/>
+  </p:clrMapOvr>
 </p:sld>
 </file>
 
-<file path=ppt/slides/slide7.xml><?xml version="1.0" encoding="utf-8"?>
-<p:sld xmlns:a="http://schemas.openxmlformats.org/drawingml/2006/main" xmlns:p="http://schemas.openxmlformats.org/presentationml/2006/main" xmlns:r="http://schemas.openxmlformats.org/officeDocument/2006/relationships" xmlns:p14="http://schemas.microsoft.com/office/powerpoint/2010/main" xmlns:p15="http://schemas.microsoft.com/office/powerpoint/2012/main" xmlns:mc="http://schemas.openxmlformats.org/markup-compatibility/2006">
+<file path=ppt/slides/slide9.xml><?xml version="1.0" encoding="utf-8"?>
+<p:sld xmlns:a="http://schemas.openxmlformats.org/drawingml/2006/main" xmlns:r="http://schemas.openxmlformats.org/officeDocument/2006/relationships" xmlns:p="http://schemas.openxmlformats.org/presentationml/2006/main">
   <p:cSld>
     <p:spTree>
       <p:nvGrpSpPr>
@@ -6971,7 +7814,7 @@
       </p:grpSpPr>
       <p:sp>
         <p:nvSpPr>
-          <p:cNvPr id="93" name="TextShape 1"/>
+          <p:cNvPr id="97" name="TextShape 1"/>
           <p:cNvSpPr txBox="1"/>
           <p:nvPr/>
         </p:nvSpPr>
@@ -6989,9 +7832,10 @@
           </a:ln>
         </p:spPr>
         <p:txBody>
-          <a:bodyPr lIns="0" rIns="0" tIns="0" bIns="0" anchor="ctr">
+          <a:bodyPr lIns="0" tIns="0" rIns="0" bIns="0" anchor="ctr">
             <a:noAutofit/>
           </a:bodyPr>
+          <a:lstStyle/>
           <a:p>
             <a:pPr algn="ctr">
               <a:lnSpc>
@@ -6999,20 +7843,17 @@
               </a:lnSpc>
             </a:pPr>
             <a:r>
-              <a:rPr b="0" lang="en-US" sz="4400" spc="-1" strike="noStrike">
-                <a:latin typeface="Arial"/>
-              </a:rPr>
-              <a:t>Data Preparation</a:t>
-            </a:r>
-            <a:endParaRPr b="0" lang="en-US" sz="4400" spc="-1" strike="noStrike">
-              <a:latin typeface="Arial"/>
-            </a:endParaRPr>
-          </a:p>
-        </p:txBody>
-      </p:sp>
-      <p:sp>
-        <p:nvSpPr>
-          <p:cNvPr id="94" name="TextShape 2"/>
+              <a:rPr lang="en-US" sz="4400" b="0" strike="noStrike" spc="-1">
+                <a:latin typeface="Arial"/>
+              </a:rPr>
+              <a:t>Evaluation</a:t>
+            </a:r>
+          </a:p>
+        </p:txBody>
+      </p:sp>
+      <p:sp>
+        <p:nvSpPr>
+          <p:cNvPr id="98" name="TextShape 2"/>
           <p:cNvSpPr txBox="1"/>
           <p:nvPr/>
         </p:nvSpPr>
@@ -7030,9 +7871,10 @@
           </a:ln>
         </p:spPr>
         <p:txBody>
-          <a:bodyPr lIns="0" rIns="0" tIns="0" bIns="0">
-            <a:normAutofit fontScale="21000"/>
-          </a:bodyPr>
+          <a:bodyPr lIns="0" tIns="0" rIns="0" bIns="0">
+            <a:normAutofit fontScale="47000"/>
+          </a:bodyPr>
+          <a:lstStyle/>
           <a:p>
             <a:pPr marL="475560" indent="-320040">
               <a:lnSpc>
@@ -7048,26 +7890,11 @@
               <a:buAutoNum type="arabicPeriod"/>
             </a:pPr>
             <a:r>
-              <a:rPr b="0" lang="en-US" sz="3200" spc="-1" strike="noStrike">
-                <a:latin typeface="Arial"/>
-              </a:rPr>
-              <a:t>Select data: Determine which data sets will be </a:t>
-            </a:r>
-            <a:r>
-              <a:rPr b="0" lang="en-US" sz="3200" spc="-1" strike="noStrike">
-                <a:latin typeface="Arial"/>
-              </a:rPr>
-              <a:t>used and document reasons for </a:t>
-            </a:r>
-            <a:r>
-              <a:rPr b="0" lang="en-US" sz="3200" spc="-1" strike="noStrike">
-                <a:latin typeface="Arial"/>
-              </a:rPr>
-              <a:t>inclusion/exclusion.</a:t>
-            </a:r>
-            <a:endParaRPr b="0" lang="en-US" sz="3200" spc="-1" strike="noStrike">
-              <a:latin typeface="Arial"/>
-            </a:endParaRPr>
+              <a:rPr lang="en-US" sz="3200" b="0" strike="noStrike" spc="-1">
+                <a:latin typeface="Arial"/>
+              </a:rPr>
+              <a:t>Evaluate results: Do the models meet the business success criteria? Which one(s) should we approve for the business?</a:t>
+            </a:r>
           </a:p>
           <a:p>
             <a:pPr marL="475560" indent="-320040">
@@ -7084,38 +7911,11 @@
               <a:buAutoNum type="arabicPeriod"/>
             </a:pPr>
             <a:r>
-              <a:rPr b="1" lang="en-US" sz="3200" spc="-1" strike="noStrike">
-                <a:latin typeface="Arial"/>
-              </a:rPr>
-              <a:t>Clean data: Often this is the lengthiest task. </a:t>
-            </a:r>
-            <a:r>
-              <a:rPr b="1" lang="en-US" sz="3200" spc="-1" strike="noStrike">
-                <a:latin typeface="Arial"/>
-              </a:rPr>
-              <a:t>Without it, you’ll likely fall victim to </a:t>
-            </a:r>
-            <a:r>
-              <a:rPr b="1" lang="en-US" sz="3200" spc="-1" strike="noStrike">
-                <a:latin typeface="Arial"/>
-              </a:rPr>
-              <a:t>garbage-in, garbage-out. A common </a:t>
-            </a:r>
-            <a:r>
-              <a:rPr b="1" lang="en-US" sz="3200" spc="-1" strike="noStrike">
-                <a:latin typeface="Arial"/>
-              </a:rPr>
-              <a:t>practice during this task is to correct, </a:t>
-            </a:r>
-            <a:r>
-              <a:rPr b="1" lang="en-US" sz="3200" spc="-1" strike="noStrike">
-                <a:latin typeface="Arial"/>
-              </a:rPr>
-              <a:t>impute, or remove erroneous values.</a:t>
-            </a:r>
-            <a:endParaRPr b="0" lang="en-US" sz="3200" spc="-1" strike="noStrike">
-              <a:latin typeface="Arial"/>
-            </a:endParaRPr>
+              <a:rPr lang="en-US" sz="3200" b="0" strike="noStrike" spc="-1">
+                <a:latin typeface="Arial"/>
+              </a:rPr>
+              <a:t>Review process: Review the work accomplished. Was anything overlooked? Were all steps properly executed? Summarize findings and correct anything if needed.</a:t>
+            </a:r>
           </a:p>
           <a:p>
             <a:pPr marL="475560" indent="-320040">
@@ -7132,495 +7932,19 @@
               <a:buAutoNum type="arabicPeriod"/>
             </a:pPr>
             <a:r>
-              <a:rPr b="0" lang="en-US" sz="3200" spc="-1" strike="noStrike">
-                <a:latin typeface="Arial"/>
-              </a:rPr>
-              <a:t>Construct data: Derive new attributes that will </a:t>
-            </a:r>
-            <a:r>
-              <a:rPr b="0" lang="en-US" sz="3200" spc="-1" strike="noStrike">
-                <a:latin typeface="Arial"/>
-              </a:rPr>
-              <a:t>be helpful. For example, derive someone’s </a:t>
-            </a:r>
-            <a:r>
-              <a:rPr b="0" lang="en-US" sz="3200" spc="-1" strike="noStrike">
-                <a:latin typeface="Arial"/>
-              </a:rPr>
-              <a:t>body mass index from height and weight fields.</a:t>
-            </a:r>
-            <a:endParaRPr b="0" lang="en-US" sz="3200" spc="-1" strike="noStrike">
-              <a:latin typeface="Arial"/>
-            </a:endParaRPr>
-          </a:p>
-          <a:p>
-            <a:pPr marL="475560" indent="-320040">
-              <a:lnSpc>
-                <a:spcPct val="100000"/>
-              </a:lnSpc>
-              <a:spcBef>
-                <a:spcPts val="1417"/>
-              </a:spcBef>
-              <a:buClr>
-                <a:srgbClr val="000000"/>
-              </a:buClr>
-              <a:buFont typeface="Wingdings" charset="2"/>
-              <a:buAutoNum type="arabicPeriod"/>
-            </a:pPr>
-            <a:r>
-              <a:rPr b="0" lang="en-US" sz="3200" spc="-1" strike="noStrike">
-                <a:latin typeface="Arial"/>
-              </a:rPr>
-              <a:t>Integrate data: Create new data sets by </a:t>
-            </a:r>
-            <a:r>
-              <a:rPr b="0" lang="en-US" sz="3200" spc="-1" strike="noStrike">
-                <a:latin typeface="Arial"/>
-              </a:rPr>
-              <a:t>combining data from multiple sources.</a:t>
-            </a:r>
-            <a:endParaRPr b="0" lang="en-US" sz="3200" spc="-1" strike="noStrike">
-              <a:latin typeface="Arial"/>
-            </a:endParaRPr>
-          </a:p>
-          <a:p>
-            <a:pPr marL="475560" indent="-320040">
-              <a:lnSpc>
-                <a:spcPct val="100000"/>
-              </a:lnSpc>
-              <a:spcBef>
-                <a:spcPts val="1417"/>
-              </a:spcBef>
-              <a:buClr>
-                <a:srgbClr val="000000"/>
-              </a:buClr>
-              <a:buFont typeface="Wingdings" charset="2"/>
-              <a:buAutoNum type="arabicPeriod"/>
-            </a:pPr>
-            <a:r>
-              <a:rPr b="1" lang="en-US" sz="3200" spc="-1" strike="noStrike">
-                <a:latin typeface="Arial"/>
-              </a:rPr>
-              <a:t>Format data: Re-format data as necessary. </a:t>
-            </a:r>
-            <a:r>
-              <a:rPr b="1" lang="en-US" sz="3200" spc="-1" strike="noStrike">
-                <a:latin typeface="Arial"/>
-              </a:rPr>
-              <a:t>For example, you might convert string </a:t>
-            </a:r>
-            <a:r>
-              <a:rPr b="1" lang="en-US" sz="3200" spc="-1" strike="noStrike">
-                <a:latin typeface="Arial"/>
-              </a:rPr>
-              <a:t>values that store numbers to numeric </a:t>
-            </a:r>
-            <a:r>
-              <a:rPr b="1" lang="en-US" sz="3200" spc="-1" strike="noStrike">
-                <a:latin typeface="Arial"/>
-              </a:rPr>
-              <a:t>values so that you can perform </a:t>
-            </a:r>
-            <a:r>
-              <a:rPr b="1" lang="en-US" sz="3200" spc="-1" strike="noStrike">
-                <a:latin typeface="Arial"/>
-              </a:rPr>
-              <a:t>mathematical operations.</a:t>
-            </a:r>
-            <a:endParaRPr b="0" lang="en-US" sz="3200" spc="-1" strike="noStrike">
-              <a:latin typeface="Arial"/>
-            </a:endParaRPr>
+              <a:rPr lang="en-US" sz="3200" b="0" strike="noStrike" spc="-1">
+                <a:latin typeface="Arial"/>
+              </a:rPr>
+              <a:t>Determine next steps: Based on the previous tasks, determine whether to proceed to deployment, iterate further, or initiate new projects.</a:t>
+            </a:r>
           </a:p>
         </p:txBody>
       </p:sp>
     </p:spTree>
   </p:cSld>
-  <mc:AlternateContent>
-    <mc:Choice Requires="p14">
-      <p:transition spd="slow" p14:dur="2000"/>
-    </mc:Choice>
-    <mc:Fallback>
-      <p:transition spd="slow"/>
-    </mc:Fallback>
-  </mc:AlternateContent>
-</p:sld>
-</file>
-
-<file path=ppt/slides/slide8.xml><?xml version="1.0" encoding="utf-8"?>
-<p:sld xmlns:a="http://schemas.openxmlformats.org/drawingml/2006/main" xmlns:p="http://schemas.openxmlformats.org/presentationml/2006/main" xmlns:r="http://schemas.openxmlformats.org/officeDocument/2006/relationships" xmlns:p14="http://schemas.microsoft.com/office/powerpoint/2010/main" xmlns:p15="http://schemas.microsoft.com/office/powerpoint/2012/main" xmlns:mc="http://schemas.openxmlformats.org/markup-compatibility/2006">
-  <p:cSld>
-    <p:spTree>
-      <p:nvGrpSpPr>
-        <p:cNvPr id="1" name=""/>
-        <p:cNvGrpSpPr/>
-        <p:nvPr/>
-      </p:nvGrpSpPr>
-      <p:grpSpPr>
-        <a:xfrm>
-          <a:off x="0" y="0"/>
-          <a:ext cx="0" cy="0"/>
-          <a:chOff x="0" y="0"/>
-          <a:chExt cx="0" cy="0"/>
-        </a:xfrm>
-      </p:grpSpPr>
-      <p:sp>
-        <p:nvSpPr>
-          <p:cNvPr id="95" name="TextShape 1"/>
-          <p:cNvSpPr txBox="1"/>
-          <p:nvPr/>
-        </p:nvSpPr>
-        <p:spPr>
-          <a:xfrm>
-            <a:off x="504000" y="226080"/>
-            <a:ext cx="9071280" cy="946080"/>
-          </a:xfrm>
-          <a:prstGeom prst="rect">
-            <a:avLst/>
-          </a:prstGeom>
-          <a:noFill/>
-          <a:ln>
-            <a:noFill/>
-          </a:ln>
-        </p:spPr>
-        <p:txBody>
-          <a:bodyPr lIns="0" rIns="0" tIns="0" bIns="0" anchor="ctr">
-            <a:noAutofit/>
-          </a:bodyPr>
-          <a:p>
-            <a:pPr algn="ctr">
-              <a:lnSpc>
-                <a:spcPct val="100000"/>
-              </a:lnSpc>
-            </a:pPr>
-            <a:r>
-              <a:rPr b="0" lang="en-US" sz="4400" spc="-1" strike="noStrike">
-                <a:latin typeface="Arial"/>
-              </a:rPr>
-              <a:t>Modeling</a:t>
-            </a:r>
-            <a:endParaRPr b="0" lang="en-US" sz="4400" spc="-1" strike="noStrike">
-              <a:latin typeface="Arial"/>
-            </a:endParaRPr>
-          </a:p>
-        </p:txBody>
-      </p:sp>
-      <p:sp>
-        <p:nvSpPr>
-          <p:cNvPr id="96" name="TextShape 2"/>
-          <p:cNvSpPr txBox="1"/>
-          <p:nvPr/>
-        </p:nvSpPr>
-        <p:spPr>
-          <a:xfrm>
-            <a:off x="504000" y="1326600"/>
-            <a:ext cx="9071280" cy="3287880"/>
-          </a:xfrm>
-          <a:prstGeom prst="rect">
-            <a:avLst/>
-          </a:prstGeom>
-          <a:noFill/>
-          <a:ln>
-            <a:noFill/>
-          </a:ln>
-        </p:spPr>
-        <p:txBody>
-          <a:bodyPr lIns="0" rIns="0" tIns="0" bIns="0">
-            <a:normAutofit fontScale="31000"/>
-          </a:bodyPr>
-          <a:p>
-            <a:pPr marL="475560" indent="-320040">
-              <a:lnSpc>
-                <a:spcPct val="100000"/>
-              </a:lnSpc>
-              <a:spcBef>
-                <a:spcPts val="1417"/>
-              </a:spcBef>
-              <a:buClr>
-                <a:srgbClr val="000000"/>
-              </a:buClr>
-              <a:buFont typeface="Wingdings" charset="2"/>
-              <a:buAutoNum type="arabicPeriod"/>
-            </a:pPr>
-            <a:r>
-              <a:rPr b="0" lang="en-US" sz="3200" spc="-1" strike="noStrike">
-                <a:latin typeface="Arial"/>
-              </a:rPr>
-              <a:t>Select modeling techniques: Determine which algorithms to try (e.g. regression, neural net).</a:t>
-            </a:r>
-            <a:endParaRPr b="0" lang="en-US" sz="3200" spc="-1" strike="noStrike">
-              <a:latin typeface="Arial"/>
-            </a:endParaRPr>
-          </a:p>
-          <a:p>
-            <a:pPr marL="475560" indent="-320040">
-              <a:lnSpc>
-                <a:spcPct val="100000"/>
-              </a:lnSpc>
-              <a:spcBef>
-                <a:spcPts val="1417"/>
-              </a:spcBef>
-              <a:buClr>
-                <a:srgbClr val="000000"/>
-              </a:buClr>
-              <a:buFont typeface="Wingdings" charset="2"/>
-              <a:buAutoNum type="arabicPeriod"/>
-            </a:pPr>
-            <a:r>
-              <a:rPr b="0" lang="en-US" sz="3200" spc="-1" strike="noStrike">
-                <a:latin typeface="Arial"/>
-              </a:rPr>
-              <a:t>Generate test design: Pending your modeling approach, </a:t>
-            </a:r>
-            <a:r>
-              <a:rPr b="1" lang="en-US" sz="3200" spc="-1" strike="noStrike">
-                <a:latin typeface="Arial"/>
-              </a:rPr>
-              <a:t>you might need to split the data into training, test, and validation sets</a:t>
-            </a:r>
-            <a:r>
-              <a:rPr b="0" lang="en-US" sz="3200" spc="-1" strike="noStrike">
-                <a:latin typeface="Arial"/>
-              </a:rPr>
-              <a:t>.</a:t>
-            </a:r>
-            <a:endParaRPr b="0" lang="en-US" sz="3200" spc="-1" strike="noStrike">
-              <a:latin typeface="Arial"/>
-            </a:endParaRPr>
-          </a:p>
-          <a:p>
-            <a:pPr marL="475560" indent="-320040">
-              <a:lnSpc>
-                <a:spcPct val="100000"/>
-              </a:lnSpc>
-              <a:spcBef>
-                <a:spcPts val="1417"/>
-              </a:spcBef>
-              <a:buClr>
-                <a:srgbClr val="000000"/>
-              </a:buClr>
-              <a:buFont typeface="Wingdings" charset="2"/>
-              <a:buAutoNum type="arabicPeriod"/>
-            </a:pPr>
-            <a:r>
-              <a:rPr b="0" lang="en-US" sz="3200" spc="-1" strike="noStrike">
-                <a:latin typeface="Arial"/>
-              </a:rPr>
-              <a:t>Build model: </a:t>
-            </a:r>
-            <a:r>
-              <a:rPr b="1" lang="en-US" sz="3200" spc="-1" strike="noStrike">
-                <a:latin typeface="Arial"/>
-              </a:rPr>
-              <a:t>As glamorous as this might sound, this might just be executing a few lines of code like “reg = LinearRegression().fit(X, y)”.</a:t>
-            </a:r>
-            <a:endParaRPr b="0" lang="en-US" sz="3200" spc="-1" strike="noStrike">
-              <a:latin typeface="Arial"/>
-            </a:endParaRPr>
-          </a:p>
-          <a:p>
-            <a:pPr marL="475560" indent="-320040">
-              <a:lnSpc>
-                <a:spcPct val="100000"/>
-              </a:lnSpc>
-              <a:spcBef>
-                <a:spcPts val="1417"/>
-              </a:spcBef>
-              <a:buClr>
-                <a:srgbClr val="000000"/>
-              </a:buClr>
-              <a:buFont typeface="Wingdings" charset="2"/>
-              <a:buAutoNum type="arabicPeriod"/>
-            </a:pPr>
-            <a:r>
-              <a:rPr b="0" lang="en-US" sz="3200" spc="-1" strike="noStrike">
-                <a:latin typeface="Arial"/>
-              </a:rPr>
-              <a:t>Assess model: Generally, multiple models are competing against each other, and the data scientist needs to interpret the model results based on domain knowledge, the pre-defined success criteria, and the test design.</a:t>
-            </a:r>
-            <a:endParaRPr b="0" lang="en-US" sz="3200" spc="-1" strike="noStrike">
-              <a:latin typeface="Arial"/>
-            </a:endParaRPr>
-          </a:p>
-        </p:txBody>
-      </p:sp>
-    </p:spTree>
-  </p:cSld>
-  <mc:AlternateContent>
-    <mc:Choice Requires="p14">
-      <p:transition spd="slow" p14:dur="2000"/>
-    </mc:Choice>
-    <mc:Fallback>
-      <p:transition spd="slow"/>
-    </mc:Fallback>
-  </mc:AlternateContent>
-</p:sld>
-</file>
-
-<file path=ppt/slides/slide9.xml><?xml version="1.0" encoding="utf-8"?>
-<p:sld xmlns:a="http://schemas.openxmlformats.org/drawingml/2006/main" xmlns:p="http://schemas.openxmlformats.org/presentationml/2006/main" xmlns:r="http://schemas.openxmlformats.org/officeDocument/2006/relationships" xmlns:p14="http://schemas.microsoft.com/office/powerpoint/2010/main" xmlns:p15="http://schemas.microsoft.com/office/powerpoint/2012/main" xmlns:mc="http://schemas.openxmlformats.org/markup-compatibility/2006">
-  <p:cSld>
-    <p:spTree>
-      <p:nvGrpSpPr>
-        <p:cNvPr id="1" name=""/>
-        <p:cNvGrpSpPr/>
-        <p:nvPr/>
-      </p:nvGrpSpPr>
-      <p:grpSpPr>
-        <a:xfrm>
-          <a:off x="0" y="0"/>
-          <a:ext cx="0" cy="0"/>
-          <a:chOff x="0" y="0"/>
-          <a:chExt cx="0" cy="0"/>
-        </a:xfrm>
-      </p:grpSpPr>
-      <p:sp>
-        <p:nvSpPr>
-          <p:cNvPr id="97" name="TextShape 1"/>
-          <p:cNvSpPr txBox="1"/>
-          <p:nvPr/>
-        </p:nvSpPr>
-        <p:spPr>
-          <a:xfrm>
-            <a:off x="504000" y="226080"/>
-            <a:ext cx="9071280" cy="946080"/>
-          </a:xfrm>
-          <a:prstGeom prst="rect">
-            <a:avLst/>
-          </a:prstGeom>
-          <a:noFill/>
-          <a:ln>
-            <a:noFill/>
-          </a:ln>
-        </p:spPr>
-        <p:txBody>
-          <a:bodyPr lIns="0" rIns="0" tIns="0" bIns="0" anchor="ctr">
-            <a:noAutofit/>
-          </a:bodyPr>
-          <a:p>
-            <a:pPr algn="ctr">
-              <a:lnSpc>
-                <a:spcPct val="100000"/>
-              </a:lnSpc>
-            </a:pPr>
-            <a:r>
-              <a:rPr b="0" lang="en-US" sz="4400" spc="-1" strike="noStrike">
-                <a:latin typeface="Arial"/>
-              </a:rPr>
-              <a:t>Evaluation</a:t>
-            </a:r>
-            <a:endParaRPr b="0" lang="en-US" sz="4400" spc="-1" strike="noStrike">
-              <a:latin typeface="Arial"/>
-            </a:endParaRPr>
-          </a:p>
-        </p:txBody>
-      </p:sp>
-      <p:sp>
-        <p:nvSpPr>
-          <p:cNvPr id="98" name="TextShape 2"/>
-          <p:cNvSpPr txBox="1"/>
-          <p:nvPr/>
-        </p:nvSpPr>
-        <p:spPr>
-          <a:xfrm>
-            <a:off x="504000" y="1326600"/>
-            <a:ext cx="9071280" cy="3287880"/>
-          </a:xfrm>
-          <a:prstGeom prst="rect">
-            <a:avLst/>
-          </a:prstGeom>
-          <a:noFill/>
-          <a:ln>
-            <a:noFill/>
-          </a:ln>
-        </p:spPr>
-        <p:txBody>
-          <a:bodyPr lIns="0" rIns="0" tIns="0" bIns="0">
-            <a:normAutofit fontScale="47000"/>
-          </a:bodyPr>
-          <a:p>
-            <a:pPr marL="475560" indent="-320040">
-              <a:lnSpc>
-                <a:spcPct val="100000"/>
-              </a:lnSpc>
-              <a:spcBef>
-                <a:spcPts val="1417"/>
-              </a:spcBef>
-              <a:buClr>
-                <a:srgbClr val="000000"/>
-              </a:buClr>
-              <a:buFont typeface="Wingdings" charset="2"/>
-              <a:buAutoNum type="arabicPeriod"/>
-            </a:pPr>
-            <a:r>
-              <a:rPr b="0" lang="en-US" sz="3200" spc="-1" strike="noStrike">
-                <a:latin typeface="Arial"/>
-              </a:rPr>
-              <a:t>Evaluate results: Do the models meet the business success criteria? Which one(s) should we approve for the business?</a:t>
-            </a:r>
-            <a:endParaRPr b="0" lang="en-US" sz="3200" spc="-1" strike="noStrike">
-              <a:latin typeface="Arial"/>
-            </a:endParaRPr>
-          </a:p>
-          <a:p>
-            <a:pPr marL="475560" indent="-320040">
-              <a:lnSpc>
-                <a:spcPct val="100000"/>
-              </a:lnSpc>
-              <a:spcBef>
-                <a:spcPts val="1417"/>
-              </a:spcBef>
-              <a:buClr>
-                <a:srgbClr val="000000"/>
-              </a:buClr>
-              <a:buFont typeface="Wingdings" charset="2"/>
-              <a:buAutoNum type="arabicPeriod"/>
-            </a:pPr>
-            <a:r>
-              <a:rPr b="0" lang="en-US" sz="3200" spc="-1" strike="noStrike">
-                <a:latin typeface="Arial"/>
-              </a:rPr>
-              <a:t>Review process: Review the work accomplished. Was anything overlooked? Were all steps properly executed? Summarize findings and correct anything if needed.</a:t>
-            </a:r>
-            <a:endParaRPr b="0" lang="en-US" sz="3200" spc="-1" strike="noStrike">
-              <a:latin typeface="Arial"/>
-            </a:endParaRPr>
-          </a:p>
-          <a:p>
-            <a:pPr marL="475560" indent="-320040">
-              <a:lnSpc>
-                <a:spcPct val="100000"/>
-              </a:lnSpc>
-              <a:spcBef>
-                <a:spcPts val="1417"/>
-              </a:spcBef>
-              <a:buClr>
-                <a:srgbClr val="000000"/>
-              </a:buClr>
-              <a:buFont typeface="Wingdings" charset="2"/>
-              <a:buAutoNum type="arabicPeriod"/>
-            </a:pPr>
-            <a:r>
-              <a:rPr b="0" lang="en-US" sz="3200" spc="-1" strike="noStrike">
-                <a:latin typeface="Arial"/>
-              </a:rPr>
-              <a:t>Determine next steps: Based on the previous tasks, determine whether to proceed to deployment, iterate further, or initiate new projects.</a:t>
-            </a:r>
-            <a:endParaRPr b="0" lang="en-US" sz="3200" spc="-1" strike="noStrike">
-              <a:latin typeface="Arial"/>
-            </a:endParaRPr>
-          </a:p>
-        </p:txBody>
-      </p:sp>
-    </p:spTree>
-  </p:cSld>
-  <mc:AlternateContent>
-    <mc:Choice Requires="p14">
-      <p:transition spd="slow" p14:dur="2000"/>
-    </mc:Choice>
-    <mc:Fallback>
-      <p:transition spd="slow"/>
-    </mc:Fallback>
-  </mc:AlternateContent>
+  <p:clrMapOvr>
+    <a:masterClrMapping/>
+  </p:clrMapOvr>
 </p:sld>
 </file>
 
@@ -7635,31 +7959,31 @@
         <a:sysClr val="window" lastClr="FFFFFF"/>
       </a:lt1>
       <a:dk2>
-        <a:srgbClr val="1f497d"/>
+        <a:srgbClr val="1F497D"/>
       </a:dk2>
       <a:lt2>
-        <a:srgbClr val="eeece1"/>
+        <a:srgbClr val="EEECE1"/>
       </a:lt2>
       <a:accent1>
-        <a:srgbClr val="4f81bd"/>
+        <a:srgbClr val="4F81BD"/>
       </a:accent1>
       <a:accent2>
-        <a:srgbClr val="c0504d"/>
+        <a:srgbClr val="C0504D"/>
       </a:accent2>
       <a:accent3>
-        <a:srgbClr val="9bbb59"/>
+        <a:srgbClr val="9BBB59"/>
       </a:accent3>
       <a:accent4>
-        <a:srgbClr val="8064a2"/>
+        <a:srgbClr val="8064A2"/>
       </a:accent4>
       <a:accent5>
-        <a:srgbClr val="4bacc6"/>
+        <a:srgbClr val="4BACC6"/>
       </a:accent5>
       <a:accent6>
-        <a:srgbClr val="f79646"/>
+        <a:srgbClr val="F79646"/>
       </a:accent6>
       <a:hlink>
-        <a:srgbClr val="0000ff"/>
+        <a:srgbClr val="0000FF"/>
       </a:hlink>
       <a:folHlink>
         <a:srgbClr val="800080"/>
@@ -7847,6 +8171,8 @@
       </a:bgFillStyleLst>
     </a:fmtScheme>
   </a:themeElements>
+  <a:objectDefaults/>
+  <a:extraClrSchemeLst/>
 </a:theme>
 </file>
 
@@ -7861,31 +8187,31 @@
         <a:sysClr val="window" lastClr="FFFFFF"/>
       </a:lt1>
       <a:dk2>
-        <a:srgbClr val="1f497d"/>
+        <a:srgbClr val="1F497D"/>
       </a:dk2>
       <a:lt2>
-        <a:srgbClr val="eeece1"/>
+        <a:srgbClr val="EEECE1"/>
       </a:lt2>
       <a:accent1>
-        <a:srgbClr val="4f81bd"/>
+        <a:srgbClr val="4F81BD"/>
       </a:accent1>
       <a:accent2>
-        <a:srgbClr val="c0504d"/>
+        <a:srgbClr val="C0504D"/>
       </a:accent2>
       <a:accent3>
-        <a:srgbClr val="9bbb59"/>
+        <a:srgbClr val="9BBB59"/>
       </a:accent3>
       <a:accent4>
-        <a:srgbClr val="8064a2"/>
+        <a:srgbClr val="8064A2"/>
       </a:accent4>
       <a:accent5>
-        <a:srgbClr val="4bacc6"/>
+        <a:srgbClr val="4BACC6"/>
       </a:accent5>
       <a:accent6>
-        <a:srgbClr val="f79646"/>
+        <a:srgbClr val="F79646"/>
       </a:accent6>
       <a:hlink>
-        <a:srgbClr val="0000ff"/>
+        <a:srgbClr val="0000FF"/>
       </a:hlink>
       <a:folHlink>
         <a:srgbClr val="800080"/>
@@ -8073,5 +8399,7 @@
       </a:bgFillStyleLst>
     </a:fmtScheme>
   </a:themeElements>
+  <a:objectDefaults/>
+  <a:extraClrSchemeLst/>
 </a:theme>
 </file>